--- a/其他/绘图.pptx
+++ b/其他/绘图.pptx
@@ -9,9 +9,9 @@
   </p:notesMasterIdLst>
   <p:sldIdLst>
     <p:sldId id="257" r:id="rId2"/>
-    <p:sldId id="258" r:id="rId3"/>
-    <p:sldId id="256" r:id="rId4"/>
-    <p:sldId id="272" r:id="rId5"/>
+    <p:sldId id="274" r:id="rId3"/>
+    <p:sldId id="275" r:id="rId4"/>
+    <p:sldId id="276" r:id="rId5"/>
   </p:sldIdLst>
   <p:sldSz cx="12192000" cy="6858000"/>
   <p:notesSz cx="6858000" cy="9144000"/>
@@ -110,6 +110,11 @@
       </a:defRPr>
     </a:lvl9pPr>
   </p:defaultTextStyle>
+  <p:extLst>
+    <p:ext uri="{EFAFB233-063F-42B5-8137-9DF3F51BA10A}">
+      <p15:sldGuideLst xmlns:p15="http://schemas.microsoft.com/office/powerpoint/2012/main"/>
+    </p:ext>
+  </p:extLst>
 </p:presentation>
 </file>
 
@@ -195,7 +200,7 @@
           <a:p>
             <a:fld id="{D76C8BAA-81B5-4A46-930B-C5EF76741FBF}" type="datetimeFigureOut">
               <a:rPr lang="zh-CN" altLang="en-US" smtClean="0"/>
-              <a:t>2022/5/25</a:t>
+              <a:t>2022/11/2</a:t>
             </a:fld>
             <a:endParaRPr lang="zh-CN" altLang="en-US"/>
           </a:p>
@@ -462,260 +467,6 @@
 </p:notesMaster>
 </file>
 
-<file path=ppt/notesSlides/notesSlide1.xml><?xml version="1.0" encoding="utf-8"?>
-<p:notes xmlns:a="http://schemas.openxmlformats.org/drawingml/2006/main" xmlns:r="http://schemas.openxmlformats.org/officeDocument/2006/relationships" xmlns:p="http://schemas.openxmlformats.org/presentationml/2006/main">
-  <p:cSld>
-    <p:bg>
-      <p:bgPr>
-        <a:solidFill>
-          <a:schemeClr val="bg1"/>
-        </a:solidFill>
-        <a:effectLst/>
-      </p:bgPr>
-    </p:bg>
-    <p:spTree>
-      <p:nvGrpSpPr>
-        <p:cNvPr id="1" name=""/>
-        <p:cNvGrpSpPr/>
-        <p:nvPr/>
-      </p:nvGrpSpPr>
-      <p:grpSpPr>
-        <a:xfrm>
-          <a:off x="0" y="0"/>
-          <a:ext cx="0" cy="0"/>
-          <a:chOff x="0" y="0"/>
-          <a:chExt cx="0" cy="0"/>
-        </a:xfrm>
-      </p:grpSpPr>
-      <p:sp>
-        <p:nvSpPr>
-          <p:cNvPr id="602" name="幻灯片图像占位符 601"/>
-          <p:cNvSpPr>
-            <a:spLocks noGrp="1" noRot="1" noChangeAspect="1"/>
-          </p:cNvSpPr>
-          <p:nvPr>
-            <p:ph type="sldImg"/>
-          </p:nvPr>
-        </p:nvSpPr>
-        <p:spPr>
-          <a:xfrm>
-            <a:off x="382588" y="685800"/>
-            <a:ext cx="6092825" cy="3429000"/>
-          </a:xfrm>
-          <a:prstGeom prst="rect">
-            <a:avLst/>
-          </a:prstGeom>
-          <a:noFill/>
-          <a:ln w="12700" cap="flat" cmpd="sng">
-            <a:solidFill>
-              <a:srgbClr val="000000"/>
-            </a:solidFill>
-            <a:prstDash val="solid"/>
-            <a:round/>
-          </a:ln>
-        </p:spPr>
-      </p:sp>
-      <p:sp>
-        <p:nvSpPr>
-          <p:cNvPr id="603" name="备注占位符 602"/>
-          <p:cNvSpPr>
-            <a:spLocks noGrp="1"/>
-          </p:cNvSpPr>
-          <p:nvPr>
-            <p:ph type="body" idx="1"/>
-          </p:nvPr>
-        </p:nvSpPr>
-        <p:spPr>
-          <a:xfrm>
-            <a:off x="685800" y="4343400"/>
-            <a:ext cx="5486400" cy="4114799"/>
-          </a:xfrm>
-          <a:prstGeom prst="rect">
-            <a:avLst/>
-          </a:prstGeom>
-          <a:noFill/>
-          <a:ln w="9525" cap="flat" cmpd="sng">
-            <a:noFill/>
-            <a:prstDash val="solid"/>
-            <a:miter/>
-          </a:ln>
-        </p:spPr>
-        <p:txBody>
-          <a:bodyPr vert="horz" wrap="square" lIns="91440" tIns="45720" rIns="91440" bIns="45720" anchor="t" anchorCtr="0">
-            <a:prstTxWarp prst="textNoShape">
-              <a:avLst/>
-            </a:prstTxWarp>
-            <a:noAutofit/>
-          </a:bodyPr>
-          <a:lstStyle/>
-          <a:p>
-            <a:r>
-              <a:rPr lang="zh-CN" altLang="en-US" sz="1200" dirty="0"/>
-              <a:t>业务梳理层：光棒、光纤生产的大致流程，简化了一些不必要的流程</a:t>
-            </a:r>
-            <a:endParaRPr lang="en-US" altLang="zh-CN" sz="1200" dirty="0"/>
-          </a:p>
-          <a:p>
-            <a:r>
-              <a:rPr lang="zh-CN" altLang="en-US" sz="1200" dirty="0"/>
-              <a:t>需求分析层：二者在共性需求的基础上各自有一些特异性的分析需求</a:t>
-            </a:r>
-            <a:endParaRPr lang="en-US" altLang="zh-CN" sz="1200" dirty="0"/>
-          </a:p>
-          <a:p>
-            <a:pPr marL="0" indent="0" algn="l" eaLnBrk="1" fontAlgn="auto" latinLnBrk="0" hangingPunct="1">
-              <a:lnSpc>
-                <a:spcPct val="100000"/>
-              </a:lnSpc>
-              <a:spcBef>
-                <a:spcPts val="0"/>
-              </a:spcBef>
-              <a:spcAft>
-                <a:spcPts val="0"/>
-              </a:spcAft>
-              <a:buNone/>
-            </a:pPr>
-            <a:r>
-              <a:rPr lang="zh-CN" altLang="en-US" sz="1200" dirty="0"/>
-              <a:t>研判分析层：光棒、光纤的数据指标比较类似，都是生产过程指标监测数据</a:t>
-            </a:r>
-            <a:r>
-              <a:rPr lang="en-US" altLang="zh-CN" sz="1200" dirty="0"/>
-              <a:t>+</a:t>
-            </a:r>
-            <a:r>
-              <a:rPr lang="zh-CN" altLang="en-US" sz="1200" dirty="0"/>
-              <a:t>产品质量检测数据。</a:t>
-            </a:r>
-            <a:endParaRPr lang="en-US" altLang="zh-CN" sz="1200" dirty="0"/>
-          </a:p>
-          <a:p>
-            <a:pPr marL="0" indent="0" algn="l" eaLnBrk="1" fontAlgn="auto" latinLnBrk="0" hangingPunct="1">
-              <a:lnSpc>
-                <a:spcPct val="100000"/>
-              </a:lnSpc>
-              <a:spcBef>
-                <a:spcPts val="0"/>
-              </a:spcBef>
-              <a:spcAft>
-                <a:spcPts val="0"/>
-              </a:spcAft>
-              <a:buNone/>
-            </a:pPr>
-            <a:r>
-              <a:rPr lang="zh-CN" altLang="en-US" sz="1200" dirty="0"/>
-              <a:t>。因此研判分析层的分析方案也是近似的，研判分析层涵盖了需求分析层中的各项分析需求。</a:t>
-            </a:r>
-            <a:endParaRPr lang="en-US" altLang="zh-CN" sz="1200" dirty="0"/>
-          </a:p>
-          <a:p>
-            <a:pPr marL="0" indent="0" algn="l" eaLnBrk="1" fontAlgn="auto" latinLnBrk="0" hangingPunct="1">
-              <a:lnSpc>
-                <a:spcPct val="100000"/>
-              </a:lnSpc>
-              <a:spcBef>
-                <a:spcPts val="0"/>
-              </a:spcBef>
-              <a:spcAft>
-                <a:spcPts val="0"/>
-              </a:spcAft>
-              <a:buNone/>
-            </a:pPr>
-            <a:r>
-              <a:rPr lang="zh-CN" altLang="en-US" sz="1200" dirty="0"/>
-              <a:t>成效</a:t>
-            </a:r>
-            <a:endParaRPr lang="en-US" altLang="zh-CN" sz="1200" dirty="0"/>
-          </a:p>
-          <a:p>
-            <a:endParaRPr lang="en-US" altLang="zh-CN" sz="1200" dirty="0"/>
-          </a:p>
-          <a:p>
-            <a:r>
-              <a:rPr lang="zh-CN" altLang="en-US" sz="1200" dirty="0"/>
-              <a:t>业务梳理层中填充颜色的步骤项表示这是需要分析的重点步骤</a:t>
-            </a:r>
-            <a:endParaRPr lang="en-US" altLang="zh-CN" sz="1200" dirty="0"/>
-          </a:p>
-          <a:p>
-            <a:r>
-              <a:rPr lang="zh-CN" altLang="en-US" sz="1200" dirty="0"/>
-              <a:t>需求分析层中填充颜色的分析项表示后续的</a:t>
-            </a:r>
-            <a:r>
-              <a:rPr lang="en-US" altLang="zh-CN" sz="1200" dirty="0"/>
-              <a:t>PPT</a:t>
-            </a:r>
-            <a:r>
-              <a:rPr lang="zh-CN" altLang="en-US" sz="1200" dirty="0"/>
-              <a:t>页面中有展示介绍</a:t>
-            </a:r>
-          </a:p>
-        </p:txBody>
-      </p:sp>
-      <p:sp>
-        <p:nvSpPr>
-          <p:cNvPr id="604" name="编号占位符"/>
-          <p:cNvSpPr>
-            <a:spLocks noGrp="1"/>
-          </p:cNvSpPr>
-          <p:nvPr>
-            <p:ph type="sldNum" idx="5"/>
-          </p:nvPr>
-        </p:nvSpPr>
-        <p:spPr>
-          <a:xfrm>
-            <a:off x="3884613" y="8685212"/>
-            <a:ext cx="2971800" cy="457200"/>
-          </a:xfrm>
-          <a:prstGeom prst="rect">
-            <a:avLst/>
-          </a:prstGeom>
-          <a:noFill/>
-          <a:ln w="9525" cap="flat" cmpd="sng">
-            <a:noFill/>
-            <a:prstDash val="solid"/>
-            <a:miter/>
-          </a:ln>
-        </p:spPr>
-        <p:txBody>
-          <a:bodyPr vert="horz" wrap="square" lIns="91440" tIns="45720" rIns="91440" bIns="45720" anchor="b" anchorCtr="0">
-            <a:prstTxWarp prst="textNoShape">
-              <a:avLst/>
-            </a:prstTxWarp>
-            <a:noAutofit/>
-          </a:bodyPr>
-          <a:lstStyle/>
-          <a:p>
-            <a:fld id="{CAD2D6BD-DE1B-4B5F-8B41-2702339687B9}" type="slidenum">
-              <a:rPr lang="en-US" altLang="zh-CN" sz="1200">
-                <a:latin typeface="Calibri" charset="0"/>
-                <a:ea typeface="宋体" pitchFamily="2" charset="-122"/>
-                <a:cs typeface="Calibri" charset="0"/>
-              </a:rPr>
-              <a:t>4</a:t>
-            </a:fld>
-            <a:endParaRPr lang="zh-CN" altLang="en-US" sz="1200">
-              <a:latin typeface="Calibri" charset="0"/>
-              <a:ea typeface="宋体" pitchFamily="2" charset="-122"/>
-              <a:cs typeface="Calibri" charset="0"/>
-            </a:endParaRPr>
-          </a:p>
-        </p:txBody>
-      </p:sp>
-    </p:spTree>
-    <p:extLst>
-      <p:ext uri="{BB962C8B-B14F-4D97-AF65-F5344CB8AC3E}">
-        <p14:creationId xmlns:p14="http://schemas.microsoft.com/office/powerpoint/2010/main" val="172336716"/>
-      </p:ext>
-    </p:extLst>
-  </p:cSld>
-  <p:clrMapOvr>
-    <a:masterClrMapping/>
-  </p:clrMapOvr>
-</p:notes>
-</file>
-
 <file path=ppt/slideLayouts/slideLayout1.xml><?xml version="1.0" encoding="utf-8"?>
 <p:sldLayout xmlns:a="http://schemas.openxmlformats.org/drawingml/2006/main" xmlns:r="http://schemas.openxmlformats.org/officeDocument/2006/relationships" xmlns:p="http://schemas.openxmlformats.org/presentationml/2006/main" type="title" preserve="1">
   <p:cSld name="标题幻灯片">
@@ -863,7 +614,7 @@
           <a:p>
             <a:fld id="{0EEFACA5-8506-4F37-BF04-DE55C0BBEF48}" type="datetimeFigureOut">
               <a:rPr lang="zh-CN" altLang="en-US" smtClean="0"/>
-              <a:t>2022/5/25</a:t>
+              <a:t>2022/11/2</a:t>
             </a:fld>
             <a:endParaRPr lang="zh-CN" altLang="en-US"/>
           </a:p>
@@ -927,702 +678,6 @@
     <p:extLst>
       <p:ext uri="{BB962C8B-B14F-4D97-AF65-F5344CB8AC3E}">
         <p14:creationId xmlns:p14="http://schemas.microsoft.com/office/powerpoint/2010/main" val="3463120264"/>
-      </p:ext>
-    </p:extLst>
-  </p:cSld>
-  <p:clrMapOvr>
-    <a:masterClrMapping/>
-  </p:clrMapOvr>
-</p:sldLayout>
-</file>
-
-<file path=ppt/slideLayouts/slideLayout10.xml><?xml version="1.0" encoding="utf-8"?>
-<p:sldLayout xmlns:a="http://schemas.openxmlformats.org/drawingml/2006/main" xmlns:r="http://schemas.openxmlformats.org/officeDocument/2006/relationships" xmlns:p="http://schemas.openxmlformats.org/presentationml/2006/main" type="vertTx" preserve="1">
-  <p:cSld name="标题和竖排文字">
-    <p:spTree>
-      <p:nvGrpSpPr>
-        <p:cNvPr id="1" name=""/>
-        <p:cNvGrpSpPr/>
-        <p:nvPr/>
-      </p:nvGrpSpPr>
-      <p:grpSpPr>
-        <a:xfrm>
-          <a:off x="0" y="0"/>
-          <a:ext cx="0" cy="0"/>
-          <a:chOff x="0" y="0"/>
-          <a:chExt cx="0" cy="0"/>
-        </a:xfrm>
-      </p:grpSpPr>
-      <p:sp>
-        <p:nvSpPr>
-          <p:cNvPr id="2" name="标题 1">
-            <a:extLst>
-              <a:ext uri="{FF2B5EF4-FFF2-40B4-BE49-F238E27FC236}">
-                <a16:creationId xmlns:a16="http://schemas.microsoft.com/office/drawing/2014/main" id="{A426608F-2E8A-456A-AFED-9F985130DA2C}"/>
-              </a:ext>
-            </a:extLst>
-          </p:cNvPr>
-          <p:cNvSpPr>
-            <a:spLocks noGrp="1"/>
-          </p:cNvSpPr>
-          <p:nvPr>
-            <p:ph type="title"/>
-          </p:nvPr>
-        </p:nvSpPr>
-        <p:spPr/>
-        <p:txBody>
-          <a:bodyPr/>
-          <a:lstStyle/>
-          <a:p>
-            <a:r>
-              <a:rPr lang="zh-CN" altLang="en-US"/>
-              <a:t>单击此处编辑母版标题样式</a:t>
-            </a:r>
-          </a:p>
-        </p:txBody>
-      </p:sp>
-      <p:sp>
-        <p:nvSpPr>
-          <p:cNvPr id="3" name="竖排文字占位符 2">
-            <a:extLst>
-              <a:ext uri="{FF2B5EF4-FFF2-40B4-BE49-F238E27FC236}">
-                <a16:creationId xmlns:a16="http://schemas.microsoft.com/office/drawing/2014/main" id="{F06B3C32-1DD9-4913-B48F-FFB4C7770130}"/>
-              </a:ext>
-            </a:extLst>
-          </p:cNvPr>
-          <p:cNvSpPr>
-            <a:spLocks noGrp="1"/>
-          </p:cNvSpPr>
-          <p:nvPr>
-            <p:ph type="body" orient="vert" idx="1"/>
-          </p:nvPr>
-        </p:nvSpPr>
-        <p:spPr/>
-        <p:txBody>
-          <a:bodyPr vert="eaVert"/>
-          <a:lstStyle/>
-          <a:p>
-            <a:pPr lvl="0"/>
-            <a:r>
-              <a:rPr lang="zh-CN" altLang="en-US"/>
-              <a:t>单击此处编辑母版文本样式</a:t>
-            </a:r>
-          </a:p>
-          <a:p>
-            <a:pPr lvl="1"/>
-            <a:r>
-              <a:rPr lang="zh-CN" altLang="en-US"/>
-              <a:t>二级</a:t>
-            </a:r>
-          </a:p>
-          <a:p>
-            <a:pPr lvl="2"/>
-            <a:r>
-              <a:rPr lang="zh-CN" altLang="en-US"/>
-              <a:t>三级</a:t>
-            </a:r>
-          </a:p>
-          <a:p>
-            <a:pPr lvl="3"/>
-            <a:r>
-              <a:rPr lang="zh-CN" altLang="en-US"/>
-              <a:t>四级</a:t>
-            </a:r>
-          </a:p>
-          <a:p>
-            <a:pPr lvl="4"/>
-            <a:r>
-              <a:rPr lang="zh-CN" altLang="en-US"/>
-              <a:t>五级</a:t>
-            </a:r>
-          </a:p>
-        </p:txBody>
-      </p:sp>
-      <p:sp>
-        <p:nvSpPr>
-          <p:cNvPr id="4" name="日期占位符 3">
-            <a:extLst>
-              <a:ext uri="{FF2B5EF4-FFF2-40B4-BE49-F238E27FC236}">
-                <a16:creationId xmlns:a16="http://schemas.microsoft.com/office/drawing/2014/main" id="{5188BF2A-D7F0-438B-BDEC-B60E05DB1663}"/>
-              </a:ext>
-            </a:extLst>
-          </p:cNvPr>
-          <p:cNvSpPr>
-            <a:spLocks noGrp="1"/>
-          </p:cNvSpPr>
-          <p:nvPr>
-            <p:ph type="dt" sz="half" idx="10"/>
-          </p:nvPr>
-        </p:nvSpPr>
-        <p:spPr/>
-        <p:txBody>
-          <a:bodyPr/>
-          <a:lstStyle/>
-          <a:p>
-            <a:fld id="{0EEFACA5-8506-4F37-BF04-DE55C0BBEF48}" type="datetimeFigureOut">
-              <a:rPr lang="zh-CN" altLang="en-US" smtClean="0"/>
-              <a:t>2022/5/25</a:t>
-            </a:fld>
-            <a:endParaRPr lang="zh-CN" altLang="en-US"/>
-          </a:p>
-        </p:txBody>
-      </p:sp>
-      <p:sp>
-        <p:nvSpPr>
-          <p:cNvPr id="5" name="页脚占位符 4">
-            <a:extLst>
-              <a:ext uri="{FF2B5EF4-FFF2-40B4-BE49-F238E27FC236}">
-                <a16:creationId xmlns:a16="http://schemas.microsoft.com/office/drawing/2014/main" id="{BF954BE1-5E37-494F-9CA9-45C6D9D9B46B}"/>
-              </a:ext>
-            </a:extLst>
-          </p:cNvPr>
-          <p:cNvSpPr>
-            <a:spLocks noGrp="1"/>
-          </p:cNvSpPr>
-          <p:nvPr>
-            <p:ph type="ftr" sz="quarter" idx="11"/>
-          </p:nvPr>
-        </p:nvSpPr>
-        <p:spPr/>
-        <p:txBody>
-          <a:bodyPr/>
-          <a:lstStyle/>
-          <a:p>
-            <a:endParaRPr lang="zh-CN" altLang="en-US"/>
-          </a:p>
-        </p:txBody>
-      </p:sp>
-      <p:sp>
-        <p:nvSpPr>
-          <p:cNvPr id="6" name="灯片编号占位符 5">
-            <a:extLst>
-              <a:ext uri="{FF2B5EF4-FFF2-40B4-BE49-F238E27FC236}">
-                <a16:creationId xmlns:a16="http://schemas.microsoft.com/office/drawing/2014/main" id="{A55D9B47-C638-4A44-A566-8099530CE7E4}"/>
-              </a:ext>
-            </a:extLst>
-          </p:cNvPr>
-          <p:cNvSpPr>
-            <a:spLocks noGrp="1"/>
-          </p:cNvSpPr>
-          <p:nvPr>
-            <p:ph type="sldNum" sz="quarter" idx="12"/>
-          </p:nvPr>
-        </p:nvSpPr>
-        <p:spPr/>
-        <p:txBody>
-          <a:bodyPr/>
-          <a:lstStyle/>
-          <a:p>
-            <a:fld id="{E6FE6089-B258-4494-B086-28B9FCB52E25}" type="slidenum">
-              <a:rPr lang="zh-CN" altLang="en-US" smtClean="0"/>
-              <a:t>‹#›</a:t>
-            </a:fld>
-            <a:endParaRPr lang="zh-CN" altLang="en-US"/>
-          </a:p>
-        </p:txBody>
-      </p:sp>
-    </p:spTree>
-    <p:extLst>
-      <p:ext uri="{BB962C8B-B14F-4D97-AF65-F5344CB8AC3E}">
-        <p14:creationId xmlns:p14="http://schemas.microsoft.com/office/powerpoint/2010/main" val="498632642"/>
-      </p:ext>
-    </p:extLst>
-  </p:cSld>
-  <p:clrMapOvr>
-    <a:masterClrMapping/>
-  </p:clrMapOvr>
-</p:sldLayout>
-</file>
-
-<file path=ppt/slideLayouts/slideLayout11.xml><?xml version="1.0" encoding="utf-8"?>
-<p:sldLayout xmlns:a="http://schemas.openxmlformats.org/drawingml/2006/main" xmlns:r="http://schemas.openxmlformats.org/officeDocument/2006/relationships" xmlns:p="http://schemas.openxmlformats.org/presentationml/2006/main" type="vertTitleAndTx" preserve="1">
-  <p:cSld name="竖排标题与文本">
-    <p:spTree>
-      <p:nvGrpSpPr>
-        <p:cNvPr id="1" name=""/>
-        <p:cNvGrpSpPr/>
-        <p:nvPr/>
-      </p:nvGrpSpPr>
-      <p:grpSpPr>
-        <a:xfrm>
-          <a:off x="0" y="0"/>
-          <a:ext cx="0" cy="0"/>
-          <a:chOff x="0" y="0"/>
-          <a:chExt cx="0" cy="0"/>
-        </a:xfrm>
-      </p:grpSpPr>
-      <p:sp>
-        <p:nvSpPr>
-          <p:cNvPr id="2" name="竖排标题 1">
-            <a:extLst>
-              <a:ext uri="{FF2B5EF4-FFF2-40B4-BE49-F238E27FC236}">
-                <a16:creationId xmlns:a16="http://schemas.microsoft.com/office/drawing/2014/main" id="{67B3AAF5-DFF3-43D5-A594-7E9EB604C4C7}"/>
-              </a:ext>
-            </a:extLst>
-          </p:cNvPr>
-          <p:cNvSpPr>
-            <a:spLocks noGrp="1"/>
-          </p:cNvSpPr>
-          <p:nvPr>
-            <p:ph type="title" orient="vert"/>
-          </p:nvPr>
-        </p:nvSpPr>
-        <p:spPr>
-          <a:xfrm>
-            <a:off x="8724900" y="365125"/>
-            <a:ext cx="2628900" cy="5811838"/>
-          </a:xfrm>
-        </p:spPr>
-        <p:txBody>
-          <a:bodyPr vert="eaVert"/>
-          <a:lstStyle/>
-          <a:p>
-            <a:r>
-              <a:rPr lang="zh-CN" altLang="en-US"/>
-              <a:t>单击此处编辑母版标题样式</a:t>
-            </a:r>
-          </a:p>
-        </p:txBody>
-      </p:sp>
-      <p:sp>
-        <p:nvSpPr>
-          <p:cNvPr id="3" name="竖排文字占位符 2">
-            <a:extLst>
-              <a:ext uri="{FF2B5EF4-FFF2-40B4-BE49-F238E27FC236}">
-                <a16:creationId xmlns:a16="http://schemas.microsoft.com/office/drawing/2014/main" id="{B853D521-E159-4F20-9FC9-27368F6694F7}"/>
-              </a:ext>
-            </a:extLst>
-          </p:cNvPr>
-          <p:cNvSpPr>
-            <a:spLocks noGrp="1"/>
-          </p:cNvSpPr>
-          <p:nvPr>
-            <p:ph type="body" orient="vert" idx="1"/>
-          </p:nvPr>
-        </p:nvSpPr>
-        <p:spPr>
-          <a:xfrm>
-            <a:off x="838200" y="365125"/>
-            <a:ext cx="7734300" cy="5811838"/>
-          </a:xfrm>
-        </p:spPr>
-        <p:txBody>
-          <a:bodyPr vert="eaVert"/>
-          <a:lstStyle/>
-          <a:p>
-            <a:pPr lvl="0"/>
-            <a:r>
-              <a:rPr lang="zh-CN" altLang="en-US"/>
-              <a:t>单击此处编辑母版文本样式</a:t>
-            </a:r>
-          </a:p>
-          <a:p>
-            <a:pPr lvl="1"/>
-            <a:r>
-              <a:rPr lang="zh-CN" altLang="en-US"/>
-              <a:t>二级</a:t>
-            </a:r>
-          </a:p>
-          <a:p>
-            <a:pPr lvl="2"/>
-            <a:r>
-              <a:rPr lang="zh-CN" altLang="en-US"/>
-              <a:t>三级</a:t>
-            </a:r>
-          </a:p>
-          <a:p>
-            <a:pPr lvl="3"/>
-            <a:r>
-              <a:rPr lang="zh-CN" altLang="en-US"/>
-              <a:t>四级</a:t>
-            </a:r>
-          </a:p>
-          <a:p>
-            <a:pPr lvl="4"/>
-            <a:r>
-              <a:rPr lang="zh-CN" altLang="en-US"/>
-              <a:t>五级</a:t>
-            </a:r>
-          </a:p>
-        </p:txBody>
-      </p:sp>
-      <p:sp>
-        <p:nvSpPr>
-          <p:cNvPr id="4" name="日期占位符 3">
-            <a:extLst>
-              <a:ext uri="{FF2B5EF4-FFF2-40B4-BE49-F238E27FC236}">
-                <a16:creationId xmlns:a16="http://schemas.microsoft.com/office/drawing/2014/main" id="{BF5649F8-56F9-4EE5-BC95-5B35F5E94012}"/>
-              </a:ext>
-            </a:extLst>
-          </p:cNvPr>
-          <p:cNvSpPr>
-            <a:spLocks noGrp="1"/>
-          </p:cNvSpPr>
-          <p:nvPr>
-            <p:ph type="dt" sz="half" idx="10"/>
-          </p:nvPr>
-        </p:nvSpPr>
-        <p:spPr/>
-        <p:txBody>
-          <a:bodyPr/>
-          <a:lstStyle/>
-          <a:p>
-            <a:fld id="{0EEFACA5-8506-4F37-BF04-DE55C0BBEF48}" type="datetimeFigureOut">
-              <a:rPr lang="zh-CN" altLang="en-US" smtClean="0"/>
-              <a:t>2022/5/25</a:t>
-            </a:fld>
-            <a:endParaRPr lang="zh-CN" altLang="en-US"/>
-          </a:p>
-        </p:txBody>
-      </p:sp>
-      <p:sp>
-        <p:nvSpPr>
-          <p:cNvPr id="5" name="页脚占位符 4">
-            <a:extLst>
-              <a:ext uri="{FF2B5EF4-FFF2-40B4-BE49-F238E27FC236}">
-                <a16:creationId xmlns:a16="http://schemas.microsoft.com/office/drawing/2014/main" id="{359FCBDA-526A-4117-BA00-8F4BFA61247F}"/>
-              </a:ext>
-            </a:extLst>
-          </p:cNvPr>
-          <p:cNvSpPr>
-            <a:spLocks noGrp="1"/>
-          </p:cNvSpPr>
-          <p:nvPr>
-            <p:ph type="ftr" sz="quarter" idx="11"/>
-          </p:nvPr>
-        </p:nvSpPr>
-        <p:spPr/>
-        <p:txBody>
-          <a:bodyPr/>
-          <a:lstStyle/>
-          <a:p>
-            <a:endParaRPr lang="zh-CN" altLang="en-US"/>
-          </a:p>
-        </p:txBody>
-      </p:sp>
-      <p:sp>
-        <p:nvSpPr>
-          <p:cNvPr id="6" name="灯片编号占位符 5">
-            <a:extLst>
-              <a:ext uri="{FF2B5EF4-FFF2-40B4-BE49-F238E27FC236}">
-                <a16:creationId xmlns:a16="http://schemas.microsoft.com/office/drawing/2014/main" id="{EA6C780A-CE41-487B-B6DE-AB55B8E2BD78}"/>
-              </a:ext>
-            </a:extLst>
-          </p:cNvPr>
-          <p:cNvSpPr>
-            <a:spLocks noGrp="1"/>
-          </p:cNvSpPr>
-          <p:nvPr>
-            <p:ph type="sldNum" sz="quarter" idx="12"/>
-          </p:nvPr>
-        </p:nvSpPr>
-        <p:spPr/>
-        <p:txBody>
-          <a:bodyPr/>
-          <a:lstStyle/>
-          <a:p>
-            <a:fld id="{E6FE6089-B258-4494-B086-28B9FCB52E25}" type="slidenum">
-              <a:rPr lang="zh-CN" altLang="en-US" smtClean="0"/>
-              <a:t>‹#›</a:t>
-            </a:fld>
-            <a:endParaRPr lang="zh-CN" altLang="en-US"/>
-          </a:p>
-        </p:txBody>
-      </p:sp>
-    </p:spTree>
-    <p:extLst>
-      <p:ext uri="{BB962C8B-B14F-4D97-AF65-F5344CB8AC3E}">
-        <p14:creationId xmlns:p14="http://schemas.microsoft.com/office/powerpoint/2010/main" val="1517701435"/>
-      </p:ext>
-    </p:extLst>
-  </p:cSld>
-  <p:clrMapOvr>
-    <a:masterClrMapping/>
-  </p:clrMapOvr>
-</p:sldLayout>
-</file>
-
-<file path=ppt/slideLayouts/slideLayout12.xml><?xml version="1.0" encoding="utf-8"?>
-<p:sldLayout xmlns:a="http://schemas.openxmlformats.org/drawingml/2006/main" xmlns:r="http://schemas.openxmlformats.org/officeDocument/2006/relationships" xmlns:p="http://schemas.openxmlformats.org/presentationml/2006/main" userDrawn="1">
-  <p:cSld name="12_内容页(浅色背景)">
-    <p:spTree>
-      <p:nvGrpSpPr>
-        <p:cNvPr id="1" name=""/>
-        <p:cNvGrpSpPr/>
-        <p:nvPr/>
-      </p:nvGrpSpPr>
-      <p:grpSpPr>
-        <a:xfrm>
-          <a:off x="0" y="0"/>
-          <a:ext cx="0" cy="0"/>
-          <a:chOff x="0" y="0"/>
-          <a:chExt cx="0" cy="0"/>
-        </a:xfrm>
-      </p:grpSpPr>
-      <p:sp>
-        <p:nvSpPr>
-          <p:cNvPr id="34" name="标题"/>
-          <p:cNvSpPr>
-            <a:spLocks noGrp="1"/>
-          </p:cNvSpPr>
-          <p:nvPr>
-            <p:ph type="title"/>
-          </p:nvPr>
-        </p:nvSpPr>
-        <p:spPr>
-          <a:xfrm>
-            <a:off x="725043" y="222965"/>
-            <a:ext cx="8995487" cy="491610"/>
-          </a:xfrm>
-          <a:prstGeom prst="rect">
-            <a:avLst/>
-          </a:prstGeom>
-        </p:spPr>
-        <p:txBody>
-          <a:bodyPr>
-            <a:prstTxWarp prst="textNoShape">
-              <a:avLst/>
-            </a:prstTxWarp>
-            <a:noAutofit/>
-          </a:bodyPr>
-          <a:lstStyle>
-            <a:lvl1pPr marL="0" indent="0" algn="l" defTabSz="914217" eaLnBrk="1" fontAlgn="auto" latinLnBrk="0" hangingPunct="1">
-              <a:defRPr sz="3399" b="1">
-                <a:latin typeface="微软雅黑" charset="-122"/>
-                <a:ea typeface="微软雅黑" charset="-122"/>
-              </a:defRPr>
-            </a:lvl1pPr>
-          </a:lstStyle>
-          <a:p>
-            <a:pPr marL="0" indent="0"/>
-            <a:r>
-              <a:rPr lang="zh-CN" altLang="en-US"/>
-              <a:t>单击此处编辑母版标题样式</a:t>
-            </a:r>
-          </a:p>
-        </p:txBody>
-      </p:sp>
-      <p:grpSp>
-        <p:nvGrpSpPr>
-          <p:cNvPr id="38" name="组合"/>
-          <p:cNvGrpSpPr>
-            <a:grpSpLocks/>
-          </p:cNvGrpSpPr>
-          <p:nvPr/>
-        </p:nvGrpSpPr>
-        <p:grpSpPr>
-          <a:xfrm>
-            <a:off x="278374" y="287047"/>
-            <a:ext cx="312391" cy="295710"/>
-            <a:chOff x="278338" y="287114"/>
-            <a:chExt cx="312350" cy="295778"/>
-          </a:xfrm>
-        </p:grpSpPr>
-        <p:sp>
-          <p:nvSpPr>
-            <p:cNvPr id="35" name="矩形"/>
-            <p:cNvSpPr>
-              <a:spLocks/>
-            </p:cNvSpPr>
-            <p:nvPr userDrawn="1"/>
-          </p:nvSpPr>
-          <p:spPr>
-            <a:xfrm>
-              <a:off x="358415" y="287114"/>
-              <a:ext cx="232273" cy="232357"/>
-            </a:xfrm>
-            <a:prstGeom prst="rect">
-              <a:avLst/>
-            </a:prstGeom>
-            <a:solidFill>
-              <a:schemeClr val="bg2"/>
-            </a:solidFill>
-            <a:ln w="12700" cap="flat" cmpd="sng">
-              <a:noFill/>
-              <a:prstDash val="solid"/>
-              <a:round/>
-            </a:ln>
-          </p:spPr>
-          <p:txBody>
-            <a:bodyPr rtlCol="0" anchor="ctr"/>
-            <a:lstStyle/>
-            <a:p>
-              <a:pPr algn="ctr"/>
-              <a:endParaRPr sz="1800"/>
-            </a:p>
-          </p:txBody>
-        </p:sp>
-        <p:sp>
-          <p:nvSpPr>
-            <p:cNvPr id="36" name="矩形"/>
-            <p:cNvSpPr>
-              <a:spLocks/>
-            </p:cNvSpPr>
-            <p:nvPr userDrawn="1"/>
-          </p:nvSpPr>
-          <p:spPr>
-            <a:xfrm>
-              <a:off x="278338" y="327862"/>
-              <a:ext cx="232273" cy="232357"/>
-            </a:xfrm>
-            <a:prstGeom prst="rect">
-              <a:avLst/>
-            </a:prstGeom>
-            <a:solidFill>
-              <a:schemeClr val="accent2"/>
-            </a:solidFill>
-            <a:ln w="12700" cap="flat" cmpd="sng">
-              <a:noFill/>
-              <a:prstDash val="solid"/>
-              <a:round/>
-            </a:ln>
-          </p:spPr>
-          <p:txBody>
-            <a:bodyPr rtlCol="0" anchor="ctr"/>
-            <a:lstStyle/>
-            <a:p>
-              <a:pPr algn="ctr"/>
-              <a:endParaRPr sz="1800"/>
-            </a:p>
-          </p:txBody>
-        </p:sp>
-        <p:sp>
-          <p:nvSpPr>
-            <p:cNvPr id="37" name="矩形"/>
-            <p:cNvSpPr>
-              <a:spLocks/>
-            </p:cNvSpPr>
-            <p:nvPr userDrawn="1"/>
-          </p:nvSpPr>
-          <p:spPr>
-            <a:xfrm>
-              <a:off x="445513" y="491240"/>
-              <a:ext cx="91619" cy="91652"/>
-            </a:xfrm>
-            <a:prstGeom prst="rect">
-              <a:avLst/>
-            </a:prstGeom>
-            <a:solidFill>
-              <a:schemeClr val="accent4"/>
-            </a:solidFill>
-            <a:ln w="12700" cap="flat" cmpd="sng">
-              <a:noFill/>
-              <a:prstDash val="solid"/>
-              <a:round/>
-            </a:ln>
-          </p:spPr>
-          <p:txBody>
-            <a:bodyPr rtlCol="0" anchor="ctr"/>
-            <a:lstStyle/>
-            <a:p>
-              <a:pPr algn="ctr"/>
-              <a:endParaRPr sz="1800"/>
-            </a:p>
-          </p:txBody>
-        </p:sp>
-      </p:grpSp>
-      <p:sp>
-        <p:nvSpPr>
-          <p:cNvPr id="39" name="文本"/>
-          <p:cNvSpPr>
-            <a:spLocks noGrp="1"/>
-          </p:cNvSpPr>
-          <p:nvPr>
-            <p:ph type="body" idx="10"/>
-          </p:nvPr>
-        </p:nvSpPr>
-        <p:spPr>
-          <a:xfrm>
-            <a:off x="740932" y="798695"/>
-            <a:ext cx="8996072" cy="296477"/>
-          </a:xfrm>
-          <a:prstGeom prst="rect">
-            <a:avLst/>
-          </a:prstGeom>
-        </p:spPr>
-        <p:txBody>
-          <a:bodyPr>
-            <a:prstTxWarp prst="textNoShape">
-              <a:avLst/>
-            </a:prstTxWarp>
-            <a:noAutofit/>
-          </a:bodyPr>
-          <a:lstStyle>
-            <a:lvl1pPr marL="0" indent="0" defTabSz="914217" eaLnBrk="1" fontAlgn="auto" latinLnBrk="0" hangingPunct="1">
-              <a:buNone/>
-              <a:defRPr sz="1600">
-                <a:solidFill>
-                  <a:schemeClr val="accent5"/>
-                </a:solidFill>
-                <a:latin typeface="微软雅黑" charset="-122"/>
-                <a:ea typeface="微软雅黑" charset="-122"/>
-              </a:defRPr>
-            </a:lvl1pPr>
-            <a:lvl2pPr marL="685663" indent="-228554" defTabSz="914217" eaLnBrk="1" fontAlgn="auto" latinLnBrk="0" hangingPunct="1"/>
-            <a:lvl3pPr marL="1142771" indent="-228554" defTabSz="914217" eaLnBrk="1" fontAlgn="auto" latinLnBrk="0" hangingPunct="1"/>
-            <a:lvl4pPr marL="1599880" indent="-228554" defTabSz="914217" eaLnBrk="1" fontAlgn="auto" latinLnBrk="0" hangingPunct="1"/>
-            <a:lvl5pPr marL="2056989" indent="-228554" defTabSz="914217" eaLnBrk="1" fontAlgn="auto" latinLnBrk="0" hangingPunct="1"/>
-            <a:lvl6pPr marL="2514097" indent="-228554" defTabSz="914217" eaLnBrk="1" fontAlgn="auto" latinLnBrk="0" hangingPunct="1"/>
-            <a:lvl7pPr marL="2971206" indent="-228554" defTabSz="914217" eaLnBrk="1" fontAlgn="auto" latinLnBrk="0" hangingPunct="1"/>
-            <a:lvl8pPr marL="3427679" indent="-228554" defTabSz="914217" eaLnBrk="1" fontAlgn="auto" latinLnBrk="0" hangingPunct="1"/>
-            <a:lvl9pPr marL="3427679" indent="-228554" defTabSz="914217" eaLnBrk="1" fontAlgn="auto" latinLnBrk="0" hangingPunct="1"/>
-          </a:lstStyle>
-          <a:p>
-            <a:pPr marL="0" indent="0"/>
-            <a:r>
-              <a:rPr lang="zh-CN" altLang="en-US"/>
-              <a:t>编辑母版文本样式</a:t>
-            </a:r>
-          </a:p>
-        </p:txBody>
-      </p:sp>
-      <p:sp>
-        <p:nvSpPr>
-          <p:cNvPr id="40" name="编号占位符"/>
-          <p:cNvSpPr>
-            <a:spLocks noGrp="1"/>
-          </p:cNvSpPr>
-          <p:nvPr>
-            <p:ph type="sldNum" idx="13"/>
-          </p:nvPr>
-        </p:nvSpPr>
-        <p:spPr>
-          <a:xfrm>
-            <a:off x="9429055" y="6475979"/>
-            <a:ext cx="2743199" cy="365122"/>
-          </a:xfrm>
-          <a:prstGeom prst="rect">
-            <a:avLst/>
-          </a:prstGeom>
-        </p:spPr>
-        <p:txBody>
-          <a:bodyPr/>
-          <a:lstStyle>
-            <a:lvl1pPr marL="0" indent="0" defTabSz="914217" eaLnBrk="1" fontAlgn="auto" latinLnBrk="0" hangingPunct="1">
-              <a:defRPr sz="1400">
-                <a:solidFill>
-                  <a:srgbClr val="013B7D"/>
-                </a:solidFill>
-                <a:latin typeface="Calibri" charset="0"/>
-                <a:ea typeface="微软雅黑" charset="-122"/>
-                <a:cs typeface="Calibri" charset="0"/>
-              </a:defRPr>
-            </a:lvl1pPr>
-          </a:lstStyle>
-          <a:p>
-            <a:fld id="{CAD2D6BD-DE1B-4B5F-8B41-2702339687B9}" type="slidenum">
-              <a:rPr lang="zh-CN" altLang="en-US" smtClean="0"/>
-              <a:pPr/>
-              <a:t>‹#›</a:t>
-            </a:fld>
-            <a:endParaRPr lang="zh-CN" altLang="en-US"/>
-          </a:p>
-        </p:txBody>
-      </p:sp>
-    </p:spTree>
-    <p:extLst>
-      <p:ext uri="{BB962C8B-B14F-4D97-AF65-F5344CB8AC3E}">
-        <p14:creationId xmlns:p14="http://schemas.microsoft.com/office/powerpoint/2010/main" val="1872493362"/>
       </p:ext>
     </p:extLst>
   </p:cSld>
@@ -1757,7 +812,7 @@
           <a:p>
             <a:fld id="{0EEFACA5-8506-4F37-BF04-DE55C0BBEF48}" type="datetimeFigureOut">
               <a:rPr lang="zh-CN" altLang="en-US" smtClean="0"/>
-              <a:t>2022/5/25</a:t>
+              <a:t>2022/11/2</a:t>
             </a:fld>
             <a:endParaRPr lang="zh-CN" altLang="en-US"/>
           </a:p>
@@ -1821,1811 +876,6 @@
     <p:extLst>
       <p:ext uri="{BB962C8B-B14F-4D97-AF65-F5344CB8AC3E}">
         <p14:creationId xmlns:p14="http://schemas.microsoft.com/office/powerpoint/2010/main" val="2756769299"/>
-      </p:ext>
-    </p:extLst>
-  </p:cSld>
-  <p:clrMapOvr>
-    <a:masterClrMapping/>
-  </p:clrMapOvr>
-</p:sldLayout>
-</file>
-
-<file path=ppt/slideLayouts/slideLayout3.xml><?xml version="1.0" encoding="utf-8"?>
-<p:sldLayout xmlns:a="http://schemas.openxmlformats.org/drawingml/2006/main" xmlns:r="http://schemas.openxmlformats.org/officeDocument/2006/relationships" xmlns:p="http://schemas.openxmlformats.org/presentationml/2006/main" type="secHead" preserve="1">
-  <p:cSld name="节标题">
-    <p:spTree>
-      <p:nvGrpSpPr>
-        <p:cNvPr id="1" name=""/>
-        <p:cNvGrpSpPr/>
-        <p:nvPr/>
-      </p:nvGrpSpPr>
-      <p:grpSpPr>
-        <a:xfrm>
-          <a:off x="0" y="0"/>
-          <a:ext cx="0" cy="0"/>
-          <a:chOff x="0" y="0"/>
-          <a:chExt cx="0" cy="0"/>
-        </a:xfrm>
-      </p:grpSpPr>
-      <p:sp>
-        <p:nvSpPr>
-          <p:cNvPr id="2" name="标题 1">
-            <a:extLst>
-              <a:ext uri="{FF2B5EF4-FFF2-40B4-BE49-F238E27FC236}">
-                <a16:creationId xmlns:a16="http://schemas.microsoft.com/office/drawing/2014/main" id="{EFABE1DE-5442-415B-83B7-333F0FC889CC}"/>
-              </a:ext>
-            </a:extLst>
-          </p:cNvPr>
-          <p:cNvSpPr>
-            <a:spLocks noGrp="1"/>
-          </p:cNvSpPr>
-          <p:nvPr>
-            <p:ph type="title"/>
-          </p:nvPr>
-        </p:nvSpPr>
-        <p:spPr>
-          <a:xfrm>
-            <a:off x="831850" y="1709738"/>
-            <a:ext cx="10515600" cy="2852737"/>
-          </a:xfrm>
-        </p:spPr>
-        <p:txBody>
-          <a:bodyPr anchor="b"/>
-          <a:lstStyle>
-            <a:lvl1pPr>
-              <a:defRPr sz="6000"/>
-            </a:lvl1pPr>
-          </a:lstStyle>
-          <a:p>
-            <a:r>
-              <a:rPr lang="zh-CN" altLang="en-US"/>
-              <a:t>单击此处编辑母版标题样式</a:t>
-            </a:r>
-          </a:p>
-        </p:txBody>
-      </p:sp>
-      <p:sp>
-        <p:nvSpPr>
-          <p:cNvPr id="3" name="文本占位符 2">
-            <a:extLst>
-              <a:ext uri="{FF2B5EF4-FFF2-40B4-BE49-F238E27FC236}">
-                <a16:creationId xmlns:a16="http://schemas.microsoft.com/office/drawing/2014/main" id="{C45ED084-8B78-4C3E-87AA-798CA737DB57}"/>
-              </a:ext>
-            </a:extLst>
-          </p:cNvPr>
-          <p:cNvSpPr>
-            <a:spLocks noGrp="1"/>
-          </p:cNvSpPr>
-          <p:nvPr>
-            <p:ph type="body" idx="1"/>
-          </p:nvPr>
-        </p:nvSpPr>
-        <p:spPr>
-          <a:xfrm>
-            <a:off x="831850" y="4589463"/>
-            <a:ext cx="10515600" cy="1500187"/>
-          </a:xfrm>
-        </p:spPr>
-        <p:txBody>
-          <a:bodyPr/>
-          <a:lstStyle>
-            <a:lvl1pPr marL="0" indent="0">
-              <a:buNone/>
-              <a:defRPr sz="2400">
-                <a:solidFill>
-                  <a:schemeClr val="tx1">
-                    <a:tint val="75000"/>
-                  </a:schemeClr>
-                </a:solidFill>
-              </a:defRPr>
-            </a:lvl1pPr>
-            <a:lvl2pPr marL="457200" indent="0">
-              <a:buNone/>
-              <a:defRPr sz="2000">
-                <a:solidFill>
-                  <a:schemeClr val="tx1">
-                    <a:tint val="75000"/>
-                  </a:schemeClr>
-                </a:solidFill>
-              </a:defRPr>
-            </a:lvl2pPr>
-            <a:lvl3pPr marL="914400" indent="0">
-              <a:buNone/>
-              <a:defRPr sz="1800">
-                <a:solidFill>
-                  <a:schemeClr val="tx1">
-                    <a:tint val="75000"/>
-                  </a:schemeClr>
-                </a:solidFill>
-              </a:defRPr>
-            </a:lvl3pPr>
-            <a:lvl4pPr marL="1371600" indent="0">
-              <a:buNone/>
-              <a:defRPr sz="1600">
-                <a:solidFill>
-                  <a:schemeClr val="tx1">
-                    <a:tint val="75000"/>
-                  </a:schemeClr>
-                </a:solidFill>
-              </a:defRPr>
-            </a:lvl4pPr>
-            <a:lvl5pPr marL="1828800" indent="0">
-              <a:buNone/>
-              <a:defRPr sz="1600">
-                <a:solidFill>
-                  <a:schemeClr val="tx1">
-                    <a:tint val="75000"/>
-                  </a:schemeClr>
-                </a:solidFill>
-              </a:defRPr>
-            </a:lvl5pPr>
-            <a:lvl6pPr marL="2286000" indent="0">
-              <a:buNone/>
-              <a:defRPr sz="1600">
-                <a:solidFill>
-                  <a:schemeClr val="tx1">
-                    <a:tint val="75000"/>
-                  </a:schemeClr>
-                </a:solidFill>
-              </a:defRPr>
-            </a:lvl6pPr>
-            <a:lvl7pPr marL="2743200" indent="0">
-              <a:buNone/>
-              <a:defRPr sz="1600">
-                <a:solidFill>
-                  <a:schemeClr val="tx1">
-                    <a:tint val="75000"/>
-                  </a:schemeClr>
-                </a:solidFill>
-              </a:defRPr>
-            </a:lvl7pPr>
-            <a:lvl8pPr marL="3200400" indent="0">
-              <a:buNone/>
-              <a:defRPr sz="1600">
-                <a:solidFill>
-                  <a:schemeClr val="tx1">
-                    <a:tint val="75000"/>
-                  </a:schemeClr>
-                </a:solidFill>
-              </a:defRPr>
-            </a:lvl8pPr>
-            <a:lvl9pPr marL="3657600" indent="0">
-              <a:buNone/>
-              <a:defRPr sz="1600">
-                <a:solidFill>
-                  <a:schemeClr val="tx1">
-                    <a:tint val="75000"/>
-                  </a:schemeClr>
-                </a:solidFill>
-              </a:defRPr>
-            </a:lvl9pPr>
-          </a:lstStyle>
-          <a:p>
-            <a:pPr lvl="0"/>
-            <a:r>
-              <a:rPr lang="zh-CN" altLang="en-US"/>
-              <a:t>单击此处编辑母版文本样式</a:t>
-            </a:r>
-          </a:p>
-        </p:txBody>
-      </p:sp>
-      <p:sp>
-        <p:nvSpPr>
-          <p:cNvPr id="4" name="日期占位符 3">
-            <a:extLst>
-              <a:ext uri="{FF2B5EF4-FFF2-40B4-BE49-F238E27FC236}">
-                <a16:creationId xmlns:a16="http://schemas.microsoft.com/office/drawing/2014/main" id="{87492331-2030-4EEB-BDFE-2F420AF9F131}"/>
-              </a:ext>
-            </a:extLst>
-          </p:cNvPr>
-          <p:cNvSpPr>
-            <a:spLocks noGrp="1"/>
-          </p:cNvSpPr>
-          <p:nvPr>
-            <p:ph type="dt" sz="half" idx="10"/>
-          </p:nvPr>
-        </p:nvSpPr>
-        <p:spPr/>
-        <p:txBody>
-          <a:bodyPr/>
-          <a:lstStyle/>
-          <a:p>
-            <a:fld id="{0EEFACA5-8506-4F37-BF04-DE55C0BBEF48}" type="datetimeFigureOut">
-              <a:rPr lang="zh-CN" altLang="en-US" smtClean="0"/>
-              <a:t>2022/5/25</a:t>
-            </a:fld>
-            <a:endParaRPr lang="zh-CN" altLang="en-US"/>
-          </a:p>
-        </p:txBody>
-      </p:sp>
-      <p:sp>
-        <p:nvSpPr>
-          <p:cNvPr id="5" name="页脚占位符 4">
-            <a:extLst>
-              <a:ext uri="{FF2B5EF4-FFF2-40B4-BE49-F238E27FC236}">
-                <a16:creationId xmlns:a16="http://schemas.microsoft.com/office/drawing/2014/main" id="{431F76A9-5ED7-4B1A-8370-A7B27A650AF3}"/>
-              </a:ext>
-            </a:extLst>
-          </p:cNvPr>
-          <p:cNvSpPr>
-            <a:spLocks noGrp="1"/>
-          </p:cNvSpPr>
-          <p:nvPr>
-            <p:ph type="ftr" sz="quarter" idx="11"/>
-          </p:nvPr>
-        </p:nvSpPr>
-        <p:spPr/>
-        <p:txBody>
-          <a:bodyPr/>
-          <a:lstStyle/>
-          <a:p>
-            <a:endParaRPr lang="zh-CN" altLang="en-US"/>
-          </a:p>
-        </p:txBody>
-      </p:sp>
-      <p:sp>
-        <p:nvSpPr>
-          <p:cNvPr id="6" name="灯片编号占位符 5">
-            <a:extLst>
-              <a:ext uri="{FF2B5EF4-FFF2-40B4-BE49-F238E27FC236}">
-                <a16:creationId xmlns:a16="http://schemas.microsoft.com/office/drawing/2014/main" id="{7A4FA1F2-97B3-4122-8C18-1A37851B2810}"/>
-              </a:ext>
-            </a:extLst>
-          </p:cNvPr>
-          <p:cNvSpPr>
-            <a:spLocks noGrp="1"/>
-          </p:cNvSpPr>
-          <p:nvPr>
-            <p:ph type="sldNum" sz="quarter" idx="12"/>
-          </p:nvPr>
-        </p:nvSpPr>
-        <p:spPr/>
-        <p:txBody>
-          <a:bodyPr/>
-          <a:lstStyle/>
-          <a:p>
-            <a:fld id="{E6FE6089-B258-4494-B086-28B9FCB52E25}" type="slidenum">
-              <a:rPr lang="zh-CN" altLang="en-US" smtClean="0"/>
-              <a:t>‹#›</a:t>
-            </a:fld>
-            <a:endParaRPr lang="zh-CN" altLang="en-US"/>
-          </a:p>
-        </p:txBody>
-      </p:sp>
-    </p:spTree>
-    <p:extLst>
-      <p:ext uri="{BB962C8B-B14F-4D97-AF65-F5344CB8AC3E}">
-        <p14:creationId xmlns:p14="http://schemas.microsoft.com/office/powerpoint/2010/main" val="267587768"/>
-      </p:ext>
-    </p:extLst>
-  </p:cSld>
-  <p:clrMapOvr>
-    <a:masterClrMapping/>
-  </p:clrMapOvr>
-</p:sldLayout>
-</file>
-
-<file path=ppt/slideLayouts/slideLayout4.xml><?xml version="1.0" encoding="utf-8"?>
-<p:sldLayout xmlns:a="http://schemas.openxmlformats.org/drawingml/2006/main" xmlns:r="http://schemas.openxmlformats.org/officeDocument/2006/relationships" xmlns:p="http://schemas.openxmlformats.org/presentationml/2006/main" type="twoObj" preserve="1">
-  <p:cSld name="两栏内容">
-    <p:spTree>
-      <p:nvGrpSpPr>
-        <p:cNvPr id="1" name=""/>
-        <p:cNvGrpSpPr/>
-        <p:nvPr/>
-      </p:nvGrpSpPr>
-      <p:grpSpPr>
-        <a:xfrm>
-          <a:off x="0" y="0"/>
-          <a:ext cx="0" cy="0"/>
-          <a:chOff x="0" y="0"/>
-          <a:chExt cx="0" cy="0"/>
-        </a:xfrm>
-      </p:grpSpPr>
-      <p:sp>
-        <p:nvSpPr>
-          <p:cNvPr id="2" name="标题 1">
-            <a:extLst>
-              <a:ext uri="{FF2B5EF4-FFF2-40B4-BE49-F238E27FC236}">
-                <a16:creationId xmlns:a16="http://schemas.microsoft.com/office/drawing/2014/main" id="{F0E91941-FC03-4030-99B7-5BCAC20C041E}"/>
-              </a:ext>
-            </a:extLst>
-          </p:cNvPr>
-          <p:cNvSpPr>
-            <a:spLocks noGrp="1"/>
-          </p:cNvSpPr>
-          <p:nvPr>
-            <p:ph type="title"/>
-          </p:nvPr>
-        </p:nvSpPr>
-        <p:spPr/>
-        <p:txBody>
-          <a:bodyPr/>
-          <a:lstStyle/>
-          <a:p>
-            <a:r>
-              <a:rPr lang="zh-CN" altLang="en-US"/>
-              <a:t>单击此处编辑母版标题样式</a:t>
-            </a:r>
-          </a:p>
-        </p:txBody>
-      </p:sp>
-      <p:sp>
-        <p:nvSpPr>
-          <p:cNvPr id="3" name="内容占位符 2">
-            <a:extLst>
-              <a:ext uri="{FF2B5EF4-FFF2-40B4-BE49-F238E27FC236}">
-                <a16:creationId xmlns:a16="http://schemas.microsoft.com/office/drawing/2014/main" id="{F6520092-CFD8-460C-8736-82D306E8AB21}"/>
-              </a:ext>
-            </a:extLst>
-          </p:cNvPr>
-          <p:cNvSpPr>
-            <a:spLocks noGrp="1"/>
-          </p:cNvSpPr>
-          <p:nvPr>
-            <p:ph sz="half" idx="1"/>
-          </p:nvPr>
-        </p:nvSpPr>
-        <p:spPr>
-          <a:xfrm>
-            <a:off x="838200" y="1825625"/>
-            <a:ext cx="5181600" cy="4351338"/>
-          </a:xfrm>
-        </p:spPr>
-        <p:txBody>
-          <a:bodyPr/>
-          <a:lstStyle/>
-          <a:p>
-            <a:pPr lvl="0"/>
-            <a:r>
-              <a:rPr lang="zh-CN" altLang="en-US"/>
-              <a:t>单击此处编辑母版文本样式</a:t>
-            </a:r>
-          </a:p>
-          <a:p>
-            <a:pPr lvl="1"/>
-            <a:r>
-              <a:rPr lang="zh-CN" altLang="en-US"/>
-              <a:t>二级</a:t>
-            </a:r>
-          </a:p>
-          <a:p>
-            <a:pPr lvl="2"/>
-            <a:r>
-              <a:rPr lang="zh-CN" altLang="en-US"/>
-              <a:t>三级</a:t>
-            </a:r>
-          </a:p>
-          <a:p>
-            <a:pPr lvl="3"/>
-            <a:r>
-              <a:rPr lang="zh-CN" altLang="en-US"/>
-              <a:t>四级</a:t>
-            </a:r>
-          </a:p>
-          <a:p>
-            <a:pPr lvl="4"/>
-            <a:r>
-              <a:rPr lang="zh-CN" altLang="en-US"/>
-              <a:t>五级</a:t>
-            </a:r>
-          </a:p>
-        </p:txBody>
-      </p:sp>
-      <p:sp>
-        <p:nvSpPr>
-          <p:cNvPr id="4" name="内容占位符 3">
-            <a:extLst>
-              <a:ext uri="{FF2B5EF4-FFF2-40B4-BE49-F238E27FC236}">
-                <a16:creationId xmlns:a16="http://schemas.microsoft.com/office/drawing/2014/main" id="{5500B33E-2FAA-4353-A605-D9A72D48AF1B}"/>
-              </a:ext>
-            </a:extLst>
-          </p:cNvPr>
-          <p:cNvSpPr>
-            <a:spLocks noGrp="1"/>
-          </p:cNvSpPr>
-          <p:nvPr>
-            <p:ph sz="half" idx="2"/>
-          </p:nvPr>
-        </p:nvSpPr>
-        <p:spPr>
-          <a:xfrm>
-            <a:off x="6172200" y="1825625"/>
-            <a:ext cx="5181600" cy="4351338"/>
-          </a:xfrm>
-        </p:spPr>
-        <p:txBody>
-          <a:bodyPr/>
-          <a:lstStyle/>
-          <a:p>
-            <a:pPr lvl="0"/>
-            <a:r>
-              <a:rPr lang="zh-CN" altLang="en-US"/>
-              <a:t>单击此处编辑母版文本样式</a:t>
-            </a:r>
-          </a:p>
-          <a:p>
-            <a:pPr lvl="1"/>
-            <a:r>
-              <a:rPr lang="zh-CN" altLang="en-US"/>
-              <a:t>二级</a:t>
-            </a:r>
-          </a:p>
-          <a:p>
-            <a:pPr lvl="2"/>
-            <a:r>
-              <a:rPr lang="zh-CN" altLang="en-US"/>
-              <a:t>三级</a:t>
-            </a:r>
-          </a:p>
-          <a:p>
-            <a:pPr lvl="3"/>
-            <a:r>
-              <a:rPr lang="zh-CN" altLang="en-US"/>
-              <a:t>四级</a:t>
-            </a:r>
-          </a:p>
-          <a:p>
-            <a:pPr lvl="4"/>
-            <a:r>
-              <a:rPr lang="zh-CN" altLang="en-US"/>
-              <a:t>五级</a:t>
-            </a:r>
-          </a:p>
-        </p:txBody>
-      </p:sp>
-      <p:sp>
-        <p:nvSpPr>
-          <p:cNvPr id="5" name="日期占位符 4">
-            <a:extLst>
-              <a:ext uri="{FF2B5EF4-FFF2-40B4-BE49-F238E27FC236}">
-                <a16:creationId xmlns:a16="http://schemas.microsoft.com/office/drawing/2014/main" id="{3442ECC6-B6E8-4EF6-9558-159C913C27CB}"/>
-              </a:ext>
-            </a:extLst>
-          </p:cNvPr>
-          <p:cNvSpPr>
-            <a:spLocks noGrp="1"/>
-          </p:cNvSpPr>
-          <p:nvPr>
-            <p:ph type="dt" sz="half" idx="10"/>
-          </p:nvPr>
-        </p:nvSpPr>
-        <p:spPr/>
-        <p:txBody>
-          <a:bodyPr/>
-          <a:lstStyle/>
-          <a:p>
-            <a:fld id="{0EEFACA5-8506-4F37-BF04-DE55C0BBEF48}" type="datetimeFigureOut">
-              <a:rPr lang="zh-CN" altLang="en-US" smtClean="0"/>
-              <a:t>2022/5/25</a:t>
-            </a:fld>
-            <a:endParaRPr lang="zh-CN" altLang="en-US"/>
-          </a:p>
-        </p:txBody>
-      </p:sp>
-      <p:sp>
-        <p:nvSpPr>
-          <p:cNvPr id="6" name="页脚占位符 5">
-            <a:extLst>
-              <a:ext uri="{FF2B5EF4-FFF2-40B4-BE49-F238E27FC236}">
-                <a16:creationId xmlns:a16="http://schemas.microsoft.com/office/drawing/2014/main" id="{BAF7512F-76FB-4561-BFB4-09F5F2713F42}"/>
-              </a:ext>
-            </a:extLst>
-          </p:cNvPr>
-          <p:cNvSpPr>
-            <a:spLocks noGrp="1"/>
-          </p:cNvSpPr>
-          <p:nvPr>
-            <p:ph type="ftr" sz="quarter" idx="11"/>
-          </p:nvPr>
-        </p:nvSpPr>
-        <p:spPr/>
-        <p:txBody>
-          <a:bodyPr/>
-          <a:lstStyle/>
-          <a:p>
-            <a:endParaRPr lang="zh-CN" altLang="en-US"/>
-          </a:p>
-        </p:txBody>
-      </p:sp>
-      <p:sp>
-        <p:nvSpPr>
-          <p:cNvPr id="7" name="灯片编号占位符 6">
-            <a:extLst>
-              <a:ext uri="{FF2B5EF4-FFF2-40B4-BE49-F238E27FC236}">
-                <a16:creationId xmlns:a16="http://schemas.microsoft.com/office/drawing/2014/main" id="{3D7330B9-E5FA-4E9A-97D9-94598CB119A3}"/>
-              </a:ext>
-            </a:extLst>
-          </p:cNvPr>
-          <p:cNvSpPr>
-            <a:spLocks noGrp="1"/>
-          </p:cNvSpPr>
-          <p:nvPr>
-            <p:ph type="sldNum" sz="quarter" idx="12"/>
-          </p:nvPr>
-        </p:nvSpPr>
-        <p:spPr/>
-        <p:txBody>
-          <a:bodyPr/>
-          <a:lstStyle/>
-          <a:p>
-            <a:fld id="{E6FE6089-B258-4494-B086-28B9FCB52E25}" type="slidenum">
-              <a:rPr lang="zh-CN" altLang="en-US" smtClean="0"/>
-              <a:t>‹#›</a:t>
-            </a:fld>
-            <a:endParaRPr lang="zh-CN" altLang="en-US"/>
-          </a:p>
-        </p:txBody>
-      </p:sp>
-    </p:spTree>
-    <p:extLst>
-      <p:ext uri="{BB962C8B-B14F-4D97-AF65-F5344CB8AC3E}">
-        <p14:creationId xmlns:p14="http://schemas.microsoft.com/office/powerpoint/2010/main" val="3619946694"/>
-      </p:ext>
-    </p:extLst>
-  </p:cSld>
-  <p:clrMapOvr>
-    <a:masterClrMapping/>
-  </p:clrMapOvr>
-</p:sldLayout>
-</file>
-
-<file path=ppt/slideLayouts/slideLayout5.xml><?xml version="1.0" encoding="utf-8"?>
-<p:sldLayout xmlns:a="http://schemas.openxmlformats.org/drawingml/2006/main" xmlns:r="http://schemas.openxmlformats.org/officeDocument/2006/relationships" xmlns:p="http://schemas.openxmlformats.org/presentationml/2006/main" type="twoTxTwoObj" preserve="1">
-  <p:cSld name="比较">
-    <p:spTree>
-      <p:nvGrpSpPr>
-        <p:cNvPr id="1" name=""/>
-        <p:cNvGrpSpPr/>
-        <p:nvPr/>
-      </p:nvGrpSpPr>
-      <p:grpSpPr>
-        <a:xfrm>
-          <a:off x="0" y="0"/>
-          <a:ext cx="0" cy="0"/>
-          <a:chOff x="0" y="0"/>
-          <a:chExt cx="0" cy="0"/>
-        </a:xfrm>
-      </p:grpSpPr>
-      <p:sp>
-        <p:nvSpPr>
-          <p:cNvPr id="2" name="标题 1">
-            <a:extLst>
-              <a:ext uri="{FF2B5EF4-FFF2-40B4-BE49-F238E27FC236}">
-                <a16:creationId xmlns:a16="http://schemas.microsoft.com/office/drawing/2014/main" id="{AFFFCD3F-3B9F-424A-8C24-6FD7192BC7AF}"/>
-              </a:ext>
-            </a:extLst>
-          </p:cNvPr>
-          <p:cNvSpPr>
-            <a:spLocks noGrp="1"/>
-          </p:cNvSpPr>
-          <p:nvPr>
-            <p:ph type="title"/>
-          </p:nvPr>
-        </p:nvSpPr>
-        <p:spPr>
-          <a:xfrm>
-            <a:off x="839788" y="365125"/>
-            <a:ext cx="10515600" cy="1325563"/>
-          </a:xfrm>
-        </p:spPr>
-        <p:txBody>
-          <a:bodyPr/>
-          <a:lstStyle/>
-          <a:p>
-            <a:r>
-              <a:rPr lang="zh-CN" altLang="en-US"/>
-              <a:t>单击此处编辑母版标题样式</a:t>
-            </a:r>
-          </a:p>
-        </p:txBody>
-      </p:sp>
-      <p:sp>
-        <p:nvSpPr>
-          <p:cNvPr id="3" name="文本占位符 2">
-            <a:extLst>
-              <a:ext uri="{FF2B5EF4-FFF2-40B4-BE49-F238E27FC236}">
-                <a16:creationId xmlns:a16="http://schemas.microsoft.com/office/drawing/2014/main" id="{3464BC10-2138-4B16-98DD-FBF1D3E95AB2}"/>
-              </a:ext>
-            </a:extLst>
-          </p:cNvPr>
-          <p:cNvSpPr>
-            <a:spLocks noGrp="1"/>
-          </p:cNvSpPr>
-          <p:nvPr>
-            <p:ph type="body" idx="1"/>
-          </p:nvPr>
-        </p:nvSpPr>
-        <p:spPr>
-          <a:xfrm>
-            <a:off x="839788" y="1681163"/>
-            <a:ext cx="5157787" cy="823912"/>
-          </a:xfrm>
-        </p:spPr>
-        <p:txBody>
-          <a:bodyPr anchor="b"/>
-          <a:lstStyle>
-            <a:lvl1pPr marL="0" indent="0">
-              <a:buNone/>
-              <a:defRPr sz="2400" b="1"/>
-            </a:lvl1pPr>
-            <a:lvl2pPr marL="457200" indent="0">
-              <a:buNone/>
-              <a:defRPr sz="2000" b="1"/>
-            </a:lvl2pPr>
-            <a:lvl3pPr marL="914400" indent="0">
-              <a:buNone/>
-              <a:defRPr sz="1800" b="1"/>
-            </a:lvl3pPr>
-            <a:lvl4pPr marL="1371600" indent="0">
-              <a:buNone/>
-              <a:defRPr sz="1600" b="1"/>
-            </a:lvl4pPr>
-            <a:lvl5pPr marL="1828800" indent="0">
-              <a:buNone/>
-              <a:defRPr sz="1600" b="1"/>
-            </a:lvl5pPr>
-            <a:lvl6pPr marL="2286000" indent="0">
-              <a:buNone/>
-              <a:defRPr sz="1600" b="1"/>
-            </a:lvl6pPr>
-            <a:lvl7pPr marL="2743200" indent="0">
-              <a:buNone/>
-              <a:defRPr sz="1600" b="1"/>
-            </a:lvl7pPr>
-            <a:lvl8pPr marL="3200400" indent="0">
-              <a:buNone/>
-              <a:defRPr sz="1600" b="1"/>
-            </a:lvl8pPr>
-            <a:lvl9pPr marL="3657600" indent="0">
-              <a:buNone/>
-              <a:defRPr sz="1600" b="1"/>
-            </a:lvl9pPr>
-          </a:lstStyle>
-          <a:p>
-            <a:pPr lvl="0"/>
-            <a:r>
-              <a:rPr lang="zh-CN" altLang="en-US"/>
-              <a:t>单击此处编辑母版文本样式</a:t>
-            </a:r>
-          </a:p>
-        </p:txBody>
-      </p:sp>
-      <p:sp>
-        <p:nvSpPr>
-          <p:cNvPr id="4" name="内容占位符 3">
-            <a:extLst>
-              <a:ext uri="{FF2B5EF4-FFF2-40B4-BE49-F238E27FC236}">
-                <a16:creationId xmlns:a16="http://schemas.microsoft.com/office/drawing/2014/main" id="{BD21E528-12CF-4ED6-8119-04FD5D89D509}"/>
-              </a:ext>
-            </a:extLst>
-          </p:cNvPr>
-          <p:cNvSpPr>
-            <a:spLocks noGrp="1"/>
-          </p:cNvSpPr>
-          <p:nvPr>
-            <p:ph sz="half" idx="2"/>
-          </p:nvPr>
-        </p:nvSpPr>
-        <p:spPr>
-          <a:xfrm>
-            <a:off x="839788" y="2505075"/>
-            <a:ext cx="5157787" cy="3684588"/>
-          </a:xfrm>
-        </p:spPr>
-        <p:txBody>
-          <a:bodyPr/>
-          <a:lstStyle/>
-          <a:p>
-            <a:pPr lvl="0"/>
-            <a:r>
-              <a:rPr lang="zh-CN" altLang="en-US"/>
-              <a:t>单击此处编辑母版文本样式</a:t>
-            </a:r>
-          </a:p>
-          <a:p>
-            <a:pPr lvl="1"/>
-            <a:r>
-              <a:rPr lang="zh-CN" altLang="en-US"/>
-              <a:t>二级</a:t>
-            </a:r>
-          </a:p>
-          <a:p>
-            <a:pPr lvl="2"/>
-            <a:r>
-              <a:rPr lang="zh-CN" altLang="en-US"/>
-              <a:t>三级</a:t>
-            </a:r>
-          </a:p>
-          <a:p>
-            <a:pPr lvl="3"/>
-            <a:r>
-              <a:rPr lang="zh-CN" altLang="en-US"/>
-              <a:t>四级</a:t>
-            </a:r>
-          </a:p>
-          <a:p>
-            <a:pPr lvl="4"/>
-            <a:r>
-              <a:rPr lang="zh-CN" altLang="en-US"/>
-              <a:t>五级</a:t>
-            </a:r>
-          </a:p>
-        </p:txBody>
-      </p:sp>
-      <p:sp>
-        <p:nvSpPr>
-          <p:cNvPr id="5" name="文本占位符 4">
-            <a:extLst>
-              <a:ext uri="{FF2B5EF4-FFF2-40B4-BE49-F238E27FC236}">
-                <a16:creationId xmlns:a16="http://schemas.microsoft.com/office/drawing/2014/main" id="{2103D9A2-85AE-4505-AA45-24745486CA38}"/>
-              </a:ext>
-            </a:extLst>
-          </p:cNvPr>
-          <p:cNvSpPr>
-            <a:spLocks noGrp="1"/>
-          </p:cNvSpPr>
-          <p:nvPr>
-            <p:ph type="body" sz="quarter" idx="3"/>
-          </p:nvPr>
-        </p:nvSpPr>
-        <p:spPr>
-          <a:xfrm>
-            <a:off x="6172200" y="1681163"/>
-            <a:ext cx="5183188" cy="823912"/>
-          </a:xfrm>
-        </p:spPr>
-        <p:txBody>
-          <a:bodyPr anchor="b"/>
-          <a:lstStyle>
-            <a:lvl1pPr marL="0" indent="0">
-              <a:buNone/>
-              <a:defRPr sz="2400" b="1"/>
-            </a:lvl1pPr>
-            <a:lvl2pPr marL="457200" indent="0">
-              <a:buNone/>
-              <a:defRPr sz="2000" b="1"/>
-            </a:lvl2pPr>
-            <a:lvl3pPr marL="914400" indent="0">
-              <a:buNone/>
-              <a:defRPr sz="1800" b="1"/>
-            </a:lvl3pPr>
-            <a:lvl4pPr marL="1371600" indent="0">
-              <a:buNone/>
-              <a:defRPr sz="1600" b="1"/>
-            </a:lvl4pPr>
-            <a:lvl5pPr marL="1828800" indent="0">
-              <a:buNone/>
-              <a:defRPr sz="1600" b="1"/>
-            </a:lvl5pPr>
-            <a:lvl6pPr marL="2286000" indent="0">
-              <a:buNone/>
-              <a:defRPr sz="1600" b="1"/>
-            </a:lvl6pPr>
-            <a:lvl7pPr marL="2743200" indent="0">
-              <a:buNone/>
-              <a:defRPr sz="1600" b="1"/>
-            </a:lvl7pPr>
-            <a:lvl8pPr marL="3200400" indent="0">
-              <a:buNone/>
-              <a:defRPr sz="1600" b="1"/>
-            </a:lvl8pPr>
-            <a:lvl9pPr marL="3657600" indent="0">
-              <a:buNone/>
-              <a:defRPr sz="1600" b="1"/>
-            </a:lvl9pPr>
-          </a:lstStyle>
-          <a:p>
-            <a:pPr lvl="0"/>
-            <a:r>
-              <a:rPr lang="zh-CN" altLang="en-US"/>
-              <a:t>单击此处编辑母版文本样式</a:t>
-            </a:r>
-          </a:p>
-        </p:txBody>
-      </p:sp>
-      <p:sp>
-        <p:nvSpPr>
-          <p:cNvPr id="6" name="内容占位符 5">
-            <a:extLst>
-              <a:ext uri="{FF2B5EF4-FFF2-40B4-BE49-F238E27FC236}">
-                <a16:creationId xmlns:a16="http://schemas.microsoft.com/office/drawing/2014/main" id="{77C44FA5-ED3D-4736-94C6-5ADC3C599B85}"/>
-              </a:ext>
-            </a:extLst>
-          </p:cNvPr>
-          <p:cNvSpPr>
-            <a:spLocks noGrp="1"/>
-          </p:cNvSpPr>
-          <p:nvPr>
-            <p:ph sz="quarter" idx="4"/>
-          </p:nvPr>
-        </p:nvSpPr>
-        <p:spPr>
-          <a:xfrm>
-            <a:off x="6172200" y="2505075"/>
-            <a:ext cx="5183188" cy="3684588"/>
-          </a:xfrm>
-        </p:spPr>
-        <p:txBody>
-          <a:bodyPr/>
-          <a:lstStyle/>
-          <a:p>
-            <a:pPr lvl="0"/>
-            <a:r>
-              <a:rPr lang="zh-CN" altLang="en-US"/>
-              <a:t>单击此处编辑母版文本样式</a:t>
-            </a:r>
-          </a:p>
-          <a:p>
-            <a:pPr lvl="1"/>
-            <a:r>
-              <a:rPr lang="zh-CN" altLang="en-US"/>
-              <a:t>二级</a:t>
-            </a:r>
-          </a:p>
-          <a:p>
-            <a:pPr lvl="2"/>
-            <a:r>
-              <a:rPr lang="zh-CN" altLang="en-US"/>
-              <a:t>三级</a:t>
-            </a:r>
-          </a:p>
-          <a:p>
-            <a:pPr lvl="3"/>
-            <a:r>
-              <a:rPr lang="zh-CN" altLang="en-US"/>
-              <a:t>四级</a:t>
-            </a:r>
-          </a:p>
-          <a:p>
-            <a:pPr lvl="4"/>
-            <a:r>
-              <a:rPr lang="zh-CN" altLang="en-US"/>
-              <a:t>五级</a:t>
-            </a:r>
-          </a:p>
-        </p:txBody>
-      </p:sp>
-      <p:sp>
-        <p:nvSpPr>
-          <p:cNvPr id="7" name="日期占位符 6">
-            <a:extLst>
-              <a:ext uri="{FF2B5EF4-FFF2-40B4-BE49-F238E27FC236}">
-                <a16:creationId xmlns:a16="http://schemas.microsoft.com/office/drawing/2014/main" id="{75A748B0-2EDE-4E3D-A6BA-8DAEA2D6432E}"/>
-              </a:ext>
-            </a:extLst>
-          </p:cNvPr>
-          <p:cNvSpPr>
-            <a:spLocks noGrp="1"/>
-          </p:cNvSpPr>
-          <p:nvPr>
-            <p:ph type="dt" sz="half" idx="10"/>
-          </p:nvPr>
-        </p:nvSpPr>
-        <p:spPr/>
-        <p:txBody>
-          <a:bodyPr/>
-          <a:lstStyle/>
-          <a:p>
-            <a:fld id="{0EEFACA5-8506-4F37-BF04-DE55C0BBEF48}" type="datetimeFigureOut">
-              <a:rPr lang="zh-CN" altLang="en-US" smtClean="0"/>
-              <a:t>2022/5/25</a:t>
-            </a:fld>
-            <a:endParaRPr lang="zh-CN" altLang="en-US"/>
-          </a:p>
-        </p:txBody>
-      </p:sp>
-      <p:sp>
-        <p:nvSpPr>
-          <p:cNvPr id="8" name="页脚占位符 7">
-            <a:extLst>
-              <a:ext uri="{FF2B5EF4-FFF2-40B4-BE49-F238E27FC236}">
-                <a16:creationId xmlns:a16="http://schemas.microsoft.com/office/drawing/2014/main" id="{396C7F15-5792-4715-8D6E-2DB1C4D3FAD9}"/>
-              </a:ext>
-            </a:extLst>
-          </p:cNvPr>
-          <p:cNvSpPr>
-            <a:spLocks noGrp="1"/>
-          </p:cNvSpPr>
-          <p:nvPr>
-            <p:ph type="ftr" sz="quarter" idx="11"/>
-          </p:nvPr>
-        </p:nvSpPr>
-        <p:spPr/>
-        <p:txBody>
-          <a:bodyPr/>
-          <a:lstStyle/>
-          <a:p>
-            <a:endParaRPr lang="zh-CN" altLang="en-US"/>
-          </a:p>
-        </p:txBody>
-      </p:sp>
-      <p:sp>
-        <p:nvSpPr>
-          <p:cNvPr id="9" name="灯片编号占位符 8">
-            <a:extLst>
-              <a:ext uri="{FF2B5EF4-FFF2-40B4-BE49-F238E27FC236}">
-                <a16:creationId xmlns:a16="http://schemas.microsoft.com/office/drawing/2014/main" id="{1F1EE65A-5D50-441B-8C89-F4D7ABB29764}"/>
-              </a:ext>
-            </a:extLst>
-          </p:cNvPr>
-          <p:cNvSpPr>
-            <a:spLocks noGrp="1"/>
-          </p:cNvSpPr>
-          <p:nvPr>
-            <p:ph type="sldNum" sz="quarter" idx="12"/>
-          </p:nvPr>
-        </p:nvSpPr>
-        <p:spPr/>
-        <p:txBody>
-          <a:bodyPr/>
-          <a:lstStyle/>
-          <a:p>
-            <a:fld id="{E6FE6089-B258-4494-B086-28B9FCB52E25}" type="slidenum">
-              <a:rPr lang="zh-CN" altLang="en-US" smtClean="0"/>
-              <a:t>‹#›</a:t>
-            </a:fld>
-            <a:endParaRPr lang="zh-CN" altLang="en-US"/>
-          </a:p>
-        </p:txBody>
-      </p:sp>
-    </p:spTree>
-    <p:extLst>
-      <p:ext uri="{BB962C8B-B14F-4D97-AF65-F5344CB8AC3E}">
-        <p14:creationId xmlns:p14="http://schemas.microsoft.com/office/powerpoint/2010/main" val="1235957887"/>
-      </p:ext>
-    </p:extLst>
-  </p:cSld>
-  <p:clrMapOvr>
-    <a:masterClrMapping/>
-  </p:clrMapOvr>
-</p:sldLayout>
-</file>
-
-<file path=ppt/slideLayouts/slideLayout6.xml><?xml version="1.0" encoding="utf-8"?>
-<p:sldLayout xmlns:a="http://schemas.openxmlformats.org/drawingml/2006/main" xmlns:r="http://schemas.openxmlformats.org/officeDocument/2006/relationships" xmlns:p="http://schemas.openxmlformats.org/presentationml/2006/main" type="titleOnly" preserve="1">
-  <p:cSld name="仅标题">
-    <p:spTree>
-      <p:nvGrpSpPr>
-        <p:cNvPr id="1" name=""/>
-        <p:cNvGrpSpPr/>
-        <p:nvPr/>
-      </p:nvGrpSpPr>
-      <p:grpSpPr>
-        <a:xfrm>
-          <a:off x="0" y="0"/>
-          <a:ext cx="0" cy="0"/>
-          <a:chOff x="0" y="0"/>
-          <a:chExt cx="0" cy="0"/>
-        </a:xfrm>
-      </p:grpSpPr>
-      <p:sp>
-        <p:nvSpPr>
-          <p:cNvPr id="2" name="标题 1">
-            <a:extLst>
-              <a:ext uri="{FF2B5EF4-FFF2-40B4-BE49-F238E27FC236}">
-                <a16:creationId xmlns:a16="http://schemas.microsoft.com/office/drawing/2014/main" id="{E127A39D-F955-4A66-B6E7-0ED47E077003}"/>
-              </a:ext>
-            </a:extLst>
-          </p:cNvPr>
-          <p:cNvSpPr>
-            <a:spLocks noGrp="1"/>
-          </p:cNvSpPr>
-          <p:nvPr>
-            <p:ph type="title"/>
-          </p:nvPr>
-        </p:nvSpPr>
-        <p:spPr/>
-        <p:txBody>
-          <a:bodyPr/>
-          <a:lstStyle/>
-          <a:p>
-            <a:r>
-              <a:rPr lang="zh-CN" altLang="en-US"/>
-              <a:t>单击此处编辑母版标题样式</a:t>
-            </a:r>
-          </a:p>
-        </p:txBody>
-      </p:sp>
-      <p:sp>
-        <p:nvSpPr>
-          <p:cNvPr id="3" name="日期占位符 2">
-            <a:extLst>
-              <a:ext uri="{FF2B5EF4-FFF2-40B4-BE49-F238E27FC236}">
-                <a16:creationId xmlns:a16="http://schemas.microsoft.com/office/drawing/2014/main" id="{3CE939B5-BFEC-4845-AC33-E66435A4C9D7}"/>
-              </a:ext>
-            </a:extLst>
-          </p:cNvPr>
-          <p:cNvSpPr>
-            <a:spLocks noGrp="1"/>
-          </p:cNvSpPr>
-          <p:nvPr>
-            <p:ph type="dt" sz="half" idx="10"/>
-          </p:nvPr>
-        </p:nvSpPr>
-        <p:spPr/>
-        <p:txBody>
-          <a:bodyPr/>
-          <a:lstStyle/>
-          <a:p>
-            <a:fld id="{0EEFACA5-8506-4F37-BF04-DE55C0BBEF48}" type="datetimeFigureOut">
-              <a:rPr lang="zh-CN" altLang="en-US" smtClean="0"/>
-              <a:t>2022/5/25</a:t>
-            </a:fld>
-            <a:endParaRPr lang="zh-CN" altLang="en-US"/>
-          </a:p>
-        </p:txBody>
-      </p:sp>
-      <p:sp>
-        <p:nvSpPr>
-          <p:cNvPr id="4" name="页脚占位符 3">
-            <a:extLst>
-              <a:ext uri="{FF2B5EF4-FFF2-40B4-BE49-F238E27FC236}">
-                <a16:creationId xmlns:a16="http://schemas.microsoft.com/office/drawing/2014/main" id="{6B3B79FF-E6F2-470C-AEDB-CF218561F85E}"/>
-              </a:ext>
-            </a:extLst>
-          </p:cNvPr>
-          <p:cNvSpPr>
-            <a:spLocks noGrp="1"/>
-          </p:cNvSpPr>
-          <p:nvPr>
-            <p:ph type="ftr" sz="quarter" idx="11"/>
-          </p:nvPr>
-        </p:nvSpPr>
-        <p:spPr/>
-        <p:txBody>
-          <a:bodyPr/>
-          <a:lstStyle/>
-          <a:p>
-            <a:endParaRPr lang="zh-CN" altLang="en-US"/>
-          </a:p>
-        </p:txBody>
-      </p:sp>
-      <p:sp>
-        <p:nvSpPr>
-          <p:cNvPr id="5" name="灯片编号占位符 4">
-            <a:extLst>
-              <a:ext uri="{FF2B5EF4-FFF2-40B4-BE49-F238E27FC236}">
-                <a16:creationId xmlns:a16="http://schemas.microsoft.com/office/drawing/2014/main" id="{10AA0A8E-0465-4B5B-BC5A-411214042142}"/>
-              </a:ext>
-            </a:extLst>
-          </p:cNvPr>
-          <p:cNvSpPr>
-            <a:spLocks noGrp="1"/>
-          </p:cNvSpPr>
-          <p:nvPr>
-            <p:ph type="sldNum" sz="quarter" idx="12"/>
-          </p:nvPr>
-        </p:nvSpPr>
-        <p:spPr/>
-        <p:txBody>
-          <a:bodyPr/>
-          <a:lstStyle/>
-          <a:p>
-            <a:fld id="{E6FE6089-B258-4494-B086-28B9FCB52E25}" type="slidenum">
-              <a:rPr lang="zh-CN" altLang="en-US" smtClean="0"/>
-              <a:t>‹#›</a:t>
-            </a:fld>
-            <a:endParaRPr lang="zh-CN" altLang="en-US"/>
-          </a:p>
-        </p:txBody>
-      </p:sp>
-    </p:spTree>
-    <p:extLst>
-      <p:ext uri="{BB962C8B-B14F-4D97-AF65-F5344CB8AC3E}">
-        <p14:creationId xmlns:p14="http://schemas.microsoft.com/office/powerpoint/2010/main" val="3965494911"/>
-      </p:ext>
-    </p:extLst>
-  </p:cSld>
-  <p:clrMapOvr>
-    <a:masterClrMapping/>
-  </p:clrMapOvr>
-</p:sldLayout>
-</file>
-
-<file path=ppt/slideLayouts/slideLayout7.xml><?xml version="1.0" encoding="utf-8"?>
-<p:sldLayout xmlns:a="http://schemas.openxmlformats.org/drawingml/2006/main" xmlns:r="http://schemas.openxmlformats.org/officeDocument/2006/relationships" xmlns:p="http://schemas.openxmlformats.org/presentationml/2006/main" type="blank" preserve="1">
-  <p:cSld name="空白">
-    <p:spTree>
-      <p:nvGrpSpPr>
-        <p:cNvPr id="1" name=""/>
-        <p:cNvGrpSpPr/>
-        <p:nvPr/>
-      </p:nvGrpSpPr>
-      <p:grpSpPr>
-        <a:xfrm>
-          <a:off x="0" y="0"/>
-          <a:ext cx="0" cy="0"/>
-          <a:chOff x="0" y="0"/>
-          <a:chExt cx="0" cy="0"/>
-        </a:xfrm>
-      </p:grpSpPr>
-      <p:sp>
-        <p:nvSpPr>
-          <p:cNvPr id="2" name="日期占位符 1">
-            <a:extLst>
-              <a:ext uri="{FF2B5EF4-FFF2-40B4-BE49-F238E27FC236}">
-                <a16:creationId xmlns:a16="http://schemas.microsoft.com/office/drawing/2014/main" id="{1634C98F-EDEE-4AA7-932A-44B6979D2CFB}"/>
-              </a:ext>
-            </a:extLst>
-          </p:cNvPr>
-          <p:cNvSpPr>
-            <a:spLocks noGrp="1"/>
-          </p:cNvSpPr>
-          <p:nvPr>
-            <p:ph type="dt" sz="half" idx="10"/>
-          </p:nvPr>
-        </p:nvSpPr>
-        <p:spPr/>
-        <p:txBody>
-          <a:bodyPr/>
-          <a:lstStyle/>
-          <a:p>
-            <a:fld id="{0EEFACA5-8506-4F37-BF04-DE55C0BBEF48}" type="datetimeFigureOut">
-              <a:rPr lang="zh-CN" altLang="en-US" smtClean="0"/>
-              <a:t>2022/5/25</a:t>
-            </a:fld>
-            <a:endParaRPr lang="zh-CN" altLang="en-US"/>
-          </a:p>
-        </p:txBody>
-      </p:sp>
-      <p:sp>
-        <p:nvSpPr>
-          <p:cNvPr id="3" name="页脚占位符 2">
-            <a:extLst>
-              <a:ext uri="{FF2B5EF4-FFF2-40B4-BE49-F238E27FC236}">
-                <a16:creationId xmlns:a16="http://schemas.microsoft.com/office/drawing/2014/main" id="{F90A08C0-A37B-4A92-97A2-4F5CB6D1D7D6}"/>
-              </a:ext>
-            </a:extLst>
-          </p:cNvPr>
-          <p:cNvSpPr>
-            <a:spLocks noGrp="1"/>
-          </p:cNvSpPr>
-          <p:nvPr>
-            <p:ph type="ftr" sz="quarter" idx="11"/>
-          </p:nvPr>
-        </p:nvSpPr>
-        <p:spPr/>
-        <p:txBody>
-          <a:bodyPr/>
-          <a:lstStyle/>
-          <a:p>
-            <a:endParaRPr lang="zh-CN" altLang="en-US"/>
-          </a:p>
-        </p:txBody>
-      </p:sp>
-      <p:sp>
-        <p:nvSpPr>
-          <p:cNvPr id="4" name="灯片编号占位符 3">
-            <a:extLst>
-              <a:ext uri="{FF2B5EF4-FFF2-40B4-BE49-F238E27FC236}">
-                <a16:creationId xmlns:a16="http://schemas.microsoft.com/office/drawing/2014/main" id="{A52CECB2-8031-4B91-85EE-66C6B627B22F}"/>
-              </a:ext>
-            </a:extLst>
-          </p:cNvPr>
-          <p:cNvSpPr>
-            <a:spLocks noGrp="1"/>
-          </p:cNvSpPr>
-          <p:nvPr>
-            <p:ph type="sldNum" sz="quarter" idx="12"/>
-          </p:nvPr>
-        </p:nvSpPr>
-        <p:spPr/>
-        <p:txBody>
-          <a:bodyPr/>
-          <a:lstStyle/>
-          <a:p>
-            <a:fld id="{E6FE6089-B258-4494-B086-28B9FCB52E25}" type="slidenum">
-              <a:rPr lang="zh-CN" altLang="en-US" smtClean="0"/>
-              <a:t>‹#›</a:t>
-            </a:fld>
-            <a:endParaRPr lang="zh-CN" altLang="en-US"/>
-          </a:p>
-        </p:txBody>
-      </p:sp>
-    </p:spTree>
-    <p:extLst>
-      <p:ext uri="{BB962C8B-B14F-4D97-AF65-F5344CB8AC3E}">
-        <p14:creationId xmlns:p14="http://schemas.microsoft.com/office/powerpoint/2010/main" val="2212254542"/>
-      </p:ext>
-    </p:extLst>
-  </p:cSld>
-  <p:clrMapOvr>
-    <a:masterClrMapping/>
-  </p:clrMapOvr>
-</p:sldLayout>
-</file>
-
-<file path=ppt/slideLayouts/slideLayout8.xml><?xml version="1.0" encoding="utf-8"?>
-<p:sldLayout xmlns:a="http://schemas.openxmlformats.org/drawingml/2006/main" xmlns:r="http://schemas.openxmlformats.org/officeDocument/2006/relationships" xmlns:p="http://schemas.openxmlformats.org/presentationml/2006/main" type="objTx" preserve="1">
-  <p:cSld name="内容与标题">
-    <p:spTree>
-      <p:nvGrpSpPr>
-        <p:cNvPr id="1" name=""/>
-        <p:cNvGrpSpPr/>
-        <p:nvPr/>
-      </p:nvGrpSpPr>
-      <p:grpSpPr>
-        <a:xfrm>
-          <a:off x="0" y="0"/>
-          <a:ext cx="0" cy="0"/>
-          <a:chOff x="0" y="0"/>
-          <a:chExt cx="0" cy="0"/>
-        </a:xfrm>
-      </p:grpSpPr>
-      <p:sp>
-        <p:nvSpPr>
-          <p:cNvPr id="2" name="标题 1">
-            <a:extLst>
-              <a:ext uri="{FF2B5EF4-FFF2-40B4-BE49-F238E27FC236}">
-                <a16:creationId xmlns:a16="http://schemas.microsoft.com/office/drawing/2014/main" id="{F77B8EF8-3437-4273-83D2-8E25C81A6740}"/>
-              </a:ext>
-            </a:extLst>
-          </p:cNvPr>
-          <p:cNvSpPr>
-            <a:spLocks noGrp="1"/>
-          </p:cNvSpPr>
-          <p:nvPr>
-            <p:ph type="title"/>
-          </p:nvPr>
-        </p:nvSpPr>
-        <p:spPr>
-          <a:xfrm>
-            <a:off x="839788" y="457200"/>
-            <a:ext cx="3932237" cy="1600200"/>
-          </a:xfrm>
-        </p:spPr>
-        <p:txBody>
-          <a:bodyPr anchor="b"/>
-          <a:lstStyle>
-            <a:lvl1pPr>
-              <a:defRPr sz="3200"/>
-            </a:lvl1pPr>
-          </a:lstStyle>
-          <a:p>
-            <a:r>
-              <a:rPr lang="zh-CN" altLang="en-US"/>
-              <a:t>单击此处编辑母版标题样式</a:t>
-            </a:r>
-          </a:p>
-        </p:txBody>
-      </p:sp>
-      <p:sp>
-        <p:nvSpPr>
-          <p:cNvPr id="3" name="内容占位符 2">
-            <a:extLst>
-              <a:ext uri="{FF2B5EF4-FFF2-40B4-BE49-F238E27FC236}">
-                <a16:creationId xmlns:a16="http://schemas.microsoft.com/office/drawing/2014/main" id="{91A905DB-2097-42A9-964F-3B34A69AD524}"/>
-              </a:ext>
-            </a:extLst>
-          </p:cNvPr>
-          <p:cNvSpPr>
-            <a:spLocks noGrp="1"/>
-          </p:cNvSpPr>
-          <p:nvPr>
-            <p:ph idx="1"/>
-          </p:nvPr>
-        </p:nvSpPr>
-        <p:spPr>
-          <a:xfrm>
-            <a:off x="5183188" y="987425"/>
-            <a:ext cx="6172200" cy="4873625"/>
-          </a:xfrm>
-        </p:spPr>
-        <p:txBody>
-          <a:bodyPr/>
-          <a:lstStyle>
-            <a:lvl1pPr>
-              <a:defRPr sz="3200"/>
-            </a:lvl1pPr>
-            <a:lvl2pPr>
-              <a:defRPr sz="2800"/>
-            </a:lvl2pPr>
-            <a:lvl3pPr>
-              <a:defRPr sz="2400"/>
-            </a:lvl3pPr>
-            <a:lvl4pPr>
-              <a:defRPr sz="2000"/>
-            </a:lvl4pPr>
-            <a:lvl5pPr>
-              <a:defRPr sz="2000"/>
-            </a:lvl5pPr>
-            <a:lvl6pPr>
-              <a:defRPr sz="2000"/>
-            </a:lvl6pPr>
-            <a:lvl7pPr>
-              <a:defRPr sz="2000"/>
-            </a:lvl7pPr>
-            <a:lvl8pPr>
-              <a:defRPr sz="2000"/>
-            </a:lvl8pPr>
-            <a:lvl9pPr>
-              <a:defRPr sz="2000"/>
-            </a:lvl9pPr>
-          </a:lstStyle>
-          <a:p>
-            <a:pPr lvl="0"/>
-            <a:r>
-              <a:rPr lang="zh-CN" altLang="en-US"/>
-              <a:t>单击此处编辑母版文本样式</a:t>
-            </a:r>
-          </a:p>
-          <a:p>
-            <a:pPr lvl="1"/>
-            <a:r>
-              <a:rPr lang="zh-CN" altLang="en-US"/>
-              <a:t>二级</a:t>
-            </a:r>
-          </a:p>
-          <a:p>
-            <a:pPr lvl="2"/>
-            <a:r>
-              <a:rPr lang="zh-CN" altLang="en-US"/>
-              <a:t>三级</a:t>
-            </a:r>
-          </a:p>
-          <a:p>
-            <a:pPr lvl="3"/>
-            <a:r>
-              <a:rPr lang="zh-CN" altLang="en-US"/>
-              <a:t>四级</a:t>
-            </a:r>
-          </a:p>
-          <a:p>
-            <a:pPr lvl="4"/>
-            <a:r>
-              <a:rPr lang="zh-CN" altLang="en-US"/>
-              <a:t>五级</a:t>
-            </a:r>
-          </a:p>
-        </p:txBody>
-      </p:sp>
-      <p:sp>
-        <p:nvSpPr>
-          <p:cNvPr id="4" name="文本占位符 3">
-            <a:extLst>
-              <a:ext uri="{FF2B5EF4-FFF2-40B4-BE49-F238E27FC236}">
-                <a16:creationId xmlns:a16="http://schemas.microsoft.com/office/drawing/2014/main" id="{EC0F5145-9270-47D7-8ED2-4D451EC3A274}"/>
-              </a:ext>
-            </a:extLst>
-          </p:cNvPr>
-          <p:cNvSpPr>
-            <a:spLocks noGrp="1"/>
-          </p:cNvSpPr>
-          <p:nvPr>
-            <p:ph type="body" sz="half" idx="2"/>
-          </p:nvPr>
-        </p:nvSpPr>
-        <p:spPr>
-          <a:xfrm>
-            <a:off x="839788" y="2057400"/>
-            <a:ext cx="3932237" cy="3811588"/>
-          </a:xfrm>
-        </p:spPr>
-        <p:txBody>
-          <a:bodyPr/>
-          <a:lstStyle>
-            <a:lvl1pPr marL="0" indent="0">
-              <a:buNone/>
-              <a:defRPr sz="1600"/>
-            </a:lvl1pPr>
-            <a:lvl2pPr marL="457200" indent="0">
-              <a:buNone/>
-              <a:defRPr sz="1400"/>
-            </a:lvl2pPr>
-            <a:lvl3pPr marL="914400" indent="0">
-              <a:buNone/>
-              <a:defRPr sz="1200"/>
-            </a:lvl3pPr>
-            <a:lvl4pPr marL="1371600" indent="0">
-              <a:buNone/>
-              <a:defRPr sz="1000"/>
-            </a:lvl4pPr>
-            <a:lvl5pPr marL="1828800" indent="0">
-              <a:buNone/>
-              <a:defRPr sz="1000"/>
-            </a:lvl5pPr>
-            <a:lvl6pPr marL="2286000" indent="0">
-              <a:buNone/>
-              <a:defRPr sz="1000"/>
-            </a:lvl6pPr>
-            <a:lvl7pPr marL="2743200" indent="0">
-              <a:buNone/>
-              <a:defRPr sz="1000"/>
-            </a:lvl7pPr>
-            <a:lvl8pPr marL="3200400" indent="0">
-              <a:buNone/>
-              <a:defRPr sz="1000"/>
-            </a:lvl8pPr>
-            <a:lvl9pPr marL="3657600" indent="0">
-              <a:buNone/>
-              <a:defRPr sz="1000"/>
-            </a:lvl9pPr>
-          </a:lstStyle>
-          <a:p>
-            <a:pPr lvl="0"/>
-            <a:r>
-              <a:rPr lang="zh-CN" altLang="en-US"/>
-              <a:t>单击此处编辑母版文本样式</a:t>
-            </a:r>
-          </a:p>
-        </p:txBody>
-      </p:sp>
-      <p:sp>
-        <p:nvSpPr>
-          <p:cNvPr id="5" name="日期占位符 4">
-            <a:extLst>
-              <a:ext uri="{FF2B5EF4-FFF2-40B4-BE49-F238E27FC236}">
-                <a16:creationId xmlns:a16="http://schemas.microsoft.com/office/drawing/2014/main" id="{34E393C1-01AB-41DC-B055-E731B415825E}"/>
-              </a:ext>
-            </a:extLst>
-          </p:cNvPr>
-          <p:cNvSpPr>
-            <a:spLocks noGrp="1"/>
-          </p:cNvSpPr>
-          <p:nvPr>
-            <p:ph type="dt" sz="half" idx="10"/>
-          </p:nvPr>
-        </p:nvSpPr>
-        <p:spPr/>
-        <p:txBody>
-          <a:bodyPr/>
-          <a:lstStyle/>
-          <a:p>
-            <a:fld id="{0EEFACA5-8506-4F37-BF04-DE55C0BBEF48}" type="datetimeFigureOut">
-              <a:rPr lang="zh-CN" altLang="en-US" smtClean="0"/>
-              <a:t>2022/5/25</a:t>
-            </a:fld>
-            <a:endParaRPr lang="zh-CN" altLang="en-US"/>
-          </a:p>
-        </p:txBody>
-      </p:sp>
-      <p:sp>
-        <p:nvSpPr>
-          <p:cNvPr id="6" name="页脚占位符 5">
-            <a:extLst>
-              <a:ext uri="{FF2B5EF4-FFF2-40B4-BE49-F238E27FC236}">
-                <a16:creationId xmlns:a16="http://schemas.microsoft.com/office/drawing/2014/main" id="{61B05973-4F16-4059-AE53-9ABC41F42026}"/>
-              </a:ext>
-            </a:extLst>
-          </p:cNvPr>
-          <p:cNvSpPr>
-            <a:spLocks noGrp="1"/>
-          </p:cNvSpPr>
-          <p:nvPr>
-            <p:ph type="ftr" sz="quarter" idx="11"/>
-          </p:nvPr>
-        </p:nvSpPr>
-        <p:spPr/>
-        <p:txBody>
-          <a:bodyPr/>
-          <a:lstStyle/>
-          <a:p>
-            <a:endParaRPr lang="zh-CN" altLang="en-US"/>
-          </a:p>
-        </p:txBody>
-      </p:sp>
-      <p:sp>
-        <p:nvSpPr>
-          <p:cNvPr id="7" name="灯片编号占位符 6">
-            <a:extLst>
-              <a:ext uri="{FF2B5EF4-FFF2-40B4-BE49-F238E27FC236}">
-                <a16:creationId xmlns:a16="http://schemas.microsoft.com/office/drawing/2014/main" id="{D8431084-966B-4EBD-AC53-9B11F24A3FED}"/>
-              </a:ext>
-            </a:extLst>
-          </p:cNvPr>
-          <p:cNvSpPr>
-            <a:spLocks noGrp="1"/>
-          </p:cNvSpPr>
-          <p:nvPr>
-            <p:ph type="sldNum" sz="quarter" idx="12"/>
-          </p:nvPr>
-        </p:nvSpPr>
-        <p:spPr/>
-        <p:txBody>
-          <a:bodyPr/>
-          <a:lstStyle/>
-          <a:p>
-            <a:fld id="{E6FE6089-B258-4494-B086-28B9FCB52E25}" type="slidenum">
-              <a:rPr lang="zh-CN" altLang="en-US" smtClean="0"/>
-              <a:t>‹#›</a:t>
-            </a:fld>
-            <a:endParaRPr lang="zh-CN" altLang="en-US"/>
-          </a:p>
-        </p:txBody>
-      </p:sp>
-    </p:spTree>
-    <p:extLst>
-      <p:ext uri="{BB962C8B-B14F-4D97-AF65-F5344CB8AC3E}">
-        <p14:creationId xmlns:p14="http://schemas.microsoft.com/office/powerpoint/2010/main" val="3660531198"/>
-      </p:ext>
-    </p:extLst>
-  </p:cSld>
-  <p:clrMapOvr>
-    <a:masterClrMapping/>
-  </p:clrMapOvr>
-</p:sldLayout>
-</file>
-
-<file path=ppt/slideLayouts/slideLayout9.xml><?xml version="1.0" encoding="utf-8"?>
-<p:sldLayout xmlns:a="http://schemas.openxmlformats.org/drawingml/2006/main" xmlns:r="http://schemas.openxmlformats.org/officeDocument/2006/relationships" xmlns:p="http://schemas.openxmlformats.org/presentationml/2006/main" type="picTx" preserve="1">
-  <p:cSld name="图片与标题">
-    <p:spTree>
-      <p:nvGrpSpPr>
-        <p:cNvPr id="1" name=""/>
-        <p:cNvGrpSpPr/>
-        <p:nvPr/>
-      </p:nvGrpSpPr>
-      <p:grpSpPr>
-        <a:xfrm>
-          <a:off x="0" y="0"/>
-          <a:ext cx="0" cy="0"/>
-          <a:chOff x="0" y="0"/>
-          <a:chExt cx="0" cy="0"/>
-        </a:xfrm>
-      </p:grpSpPr>
-      <p:sp>
-        <p:nvSpPr>
-          <p:cNvPr id="2" name="标题 1">
-            <a:extLst>
-              <a:ext uri="{FF2B5EF4-FFF2-40B4-BE49-F238E27FC236}">
-                <a16:creationId xmlns:a16="http://schemas.microsoft.com/office/drawing/2014/main" id="{6284417F-AE1C-4323-AEBD-2BBCE5928339}"/>
-              </a:ext>
-            </a:extLst>
-          </p:cNvPr>
-          <p:cNvSpPr>
-            <a:spLocks noGrp="1"/>
-          </p:cNvSpPr>
-          <p:nvPr>
-            <p:ph type="title"/>
-          </p:nvPr>
-        </p:nvSpPr>
-        <p:spPr>
-          <a:xfrm>
-            <a:off x="839788" y="457200"/>
-            <a:ext cx="3932237" cy="1600200"/>
-          </a:xfrm>
-        </p:spPr>
-        <p:txBody>
-          <a:bodyPr anchor="b"/>
-          <a:lstStyle>
-            <a:lvl1pPr>
-              <a:defRPr sz="3200"/>
-            </a:lvl1pPr>
-          </a:lstStyle>
-          <a:p>
-            <a:r>
-              <a:rPr lang="zh-CN" altLang="en-US"/>
-              <a:t>单击此处编辑母版标题样式</a:t>
-            </a:r>
-          </a:p>
-        </p:txBody>
-      </p:sp>
-      <p:sp>
-        <p:nvSpPr>
-          <p:cNvPr id="3" name="图片占位符 2">
-            <a:extLst>
-              <a:ext uri="{FF2B5EF4-FFF2-40B4-BE49-F238E27FC236}">
-                <a16:creationId xmlns:a16="http://schemas.microsoft.com/office/drawing/2014/main" id="{7B291259-A3A0-44AD-A8CC-E55BCF330AB2}"/>
-              </a:ext>
-            </a:extLst>
-          </p:cNvPr>
-          <p:cNvSpPr>
-            <a:spLocks noGrp="1"/>
-          </p:cNvSpPr>
-          <p:nvPr>
-            <p:ph type="pic" idx="1"/>
-          </p:nvPr>
-        </p:nvSpPr>
-        <p:spPr>
-          <a:xfrm>
-            <a:off x="5183188" y="987425"/>
-            <a:ext cx="6172200" cy="4873625"/>
-          </a:xfrm>
-        </p:spPr>
-        <p:txBody>
-          <a:bodyPr/>
-          <a:lstStyle>
-            <a:lvl1pPr marL="0" indent="0">
-              <a:buNone/>
-              <a:defRPr sz="3200"/>
-            </a:lvl1pPr>
-            <a:lvl2pPr marL="457200" indent="0">
-              <a:buNone/>
-              <a:defRPr sz="2800"/>
-            </a:lvl2pPr>
-            <a:lvl3pPr marL="914400" indent="0">
-              <a:buNone/>
-              <a:defRPr sz="2400"/>
-            </a:lvl3pPr>
-            <a:lvl4pPr marL="1371600" indent="0">
-              <a:buNone/>
-              <a:defRPr sz="2000"/>
-            </a:lvl4pPr>
-            <a:lvl5pPr marL="1828800" indent="0">
-              <a:buNone/>
-              <a:defRPr sz="2000"/>
-            </a:lvl5pPr>
-            <a:lvl6pPr marL="2286000" indent="0">
-              <a:buNone/>
-              <a:defRPr sz="2000"/>
-            </a:lvl6pPr>
-            <a:lvl7pPr marL="2743200" indent="0">
-              <a:buNone/>
-              <a:defRPr sz="2000"/>
-            </a:lvl7pPr>
-            <a:lvl8pPr marL="3200400" indent="0">
-              <a:buNone/>
-              <a:defRPr sz="2000"/>
-            </a:lvl8pPr>
-            <a:lvl9pPr marL="3657600" indent="0">
-              <a:buNone/>
-              <a:defRPr sz="2000"/>
-            </a:lvl9pPr>
-          </a:lstStyle>
-          <a:p>
-            <a:endParaRPr lang="zh-CN" altLang="en-US"/>
-          </a:p>
-        </p:txBody>
-      </p:sp>
-      <p:sp>
-        <p:nvSpPr>
-          <p:cNvPr id="4" name="文本占位符 3">
-            <a:extLst>
-              <a:ext uri="{FF2B5EF4-FFF2-40B4-BE49-F238E27FC236}">
-                <a16:creationId xmlns:a16="http://schemas.microsoft.com/office/drawing/2014/main" id="{E9E795AF-D690-4603-B032-60B3A188D352}"/>
-              </a:ext>
-            </a:extLst>
-          </p:cNvPr>
-          <p:cNvSpPr>
-            <a:spLocks noGrp="1"/>
-          </p:cNvSpPr>
-          <p:nvPr>
-            <p:ph type="body" sz="half" idx="2"/>
-          </p:nvPr>
-        </p:nvSpPr>
-        <p:spPr>
-          <a:xfrm>
-            <a:off x="839788" y="2057400"/>
-            <a:ext cx="3932237" cy="3811588"/>
-          </a:xfrm>
-        </p:spPr>
-        <p:txBody>
-          <a:bodyPr/>
-          <a:lstStyle>
-            <a:lvl1pPr marL="0" indent="0">
-              <a:buNone/>
-              <a:defRPr sz="1600"/>
-            </a:lvl1pPr>
-            <a:lvl2pPr marL="457200" indent="0">
-              <a:buNone/>
-              <a:defRPr sz="1400"/>
-            </a:lvl2pPr>
-            <a:lvl3pPr marL="914400" indent="0">
-              <a:buNone/>
-              <a:defRPr sz="1200"/>
-            </a:lvl3pPr>
-            <a:lvl4pPr marL="1371600" indent="0">
-              <a:buNone/>
-              <a:defRPr sz="1000"/>
-            </a:lvl4pPr>
-            <a:lvl5pPr marL="1828800" indent="0">
-              <a:buNone/>
-              <a:defRPr sz="1000"/>
-            </a:lvl5pPr>
-            <a:lvl6pPr marL="2286000" indent="0">
-              <a:buNone/>
-              <a:defRPr sz="1000"/>
-            </a:lvl6pPr>
-            <a:lvl7pPr marL="2743200" indent="0">
-              <a:buNone/>
-              <a:defRPr sz="1000"/>
-            </a:lvl7pPr>
-            <a:lvl8pPr marL="3200400" indent="0">
-              <a:buNone/>
-              <a:defRPr sz="1000"/>
-            </a:lvl8pPr>
-            <a:lvl9pPr marL="3657600" indent="0">
-              <a:buNone/>
-              <a:defRPr sz="1000"/>
-            </a:lvl9pPr>
-          </a:lstStyle>
-          <a:p>
-            <a:pPr lvl="0"/>
-            <a:r>
-              <a:rPr lang="zh-CN" altLang="en-US"/>
-              <a:t>单击此处编辑母版文本样式</a:t>
-            </a:r>
-          </a:p>
-        </p:txBody>
-      </p:sp>
-      <p:sp>
-        <p:nvSpPr>
-          <p:cNvPr id="5" name="日期占位符 4">
-            <a:extLst>
-              <a:ext uri="{FF2B5EF4-FFF2-40B4-BE49-F238E27FC236}">
-                <a16:creationId xmlns:a16="http://schemas.microsoft.com/office/drawing/2014/main" id="{F71B0A87-4F46-4B95-A8E9-FEDE38EA6750}"/>
-              </a:ext>
-            </a:extLst>
-          </p:cNvPr>
-          <p:cNvSpPr>
-            <a:spLocks noGrp="1"/>
-          </p:cNvSpPr>
-          <p:nvPr>
-            <p:ph type="dt" sz="half" idx="10"/>
-          </p:nvPr>
-        </p:nvSpPr>
-        <p:spPr/>
-        <p:txBody>
-          <a:bodyPr/>
-          <a:lstStyle/>
-          <a:p>
-            <a:fld id="{0EEFACA5-8506-4F37-BF04-DE55C0BBEF48}" type="datetimeFigureOut">
-              <a:rPr lang="zh-CN" altLang="en-US" smtClean="0"/>
-              <a:t>2022/5/25</a:t>
-            </a:fld>
-            <a:endParaRPr lang="zh-CN" altLang="en-US"/>
-          </a:p>
-        </p:txBody>
-      </p:sp>
-      <p:sp>
-        <p:nvSpPr>
-          <p:cNvPr id="6" name="页脚占位符 5">
-            <a:extLst>
-              <a:ext uri="{FF2B5EF4-FFF2-40B4-BE49-F238E27FC236}">
-                <a16:creationId xmlns:a16="http://schemas.microsoft.com/office/drawing/2014/main" id="{6740FEB1-60B6-4CBB-9501-79FF8EC50DB5}"/>
-              </a:ext>
-            </a:extLst>
-          </p:cNvPr>
-          <p:cNvSpPr>
-            <a:spLocks noGrp="1"/>
-          </p:cNvSpPr>
-          <p:nvPr>
-            <p:ph type="ftr" sz="quarter" idx="11"/>
-          </p:nvPr>
-        </p:nvSpPr>
-        <p:spPr/>
-        <p:txBody>
-          <a:bodyPr/>
-          <a:lstStyle/>
-          <a:p>
-            <a:endParaRPr lang="zh-CN" altLang="en-US"/>
-          </a:p>
-        </p:txBody>
-      </p:sp>
-      <p:sp>
-        <p:nvSpPr>
-          <p:cNvPr id="7" name="灯片编号占位符 6">
-            <a:extLst>
-              <a:ext uri="{FF2B5EF4-FFF2-40B4-BE49-F238E27FC236}">
-                <a16:creationId xmlns:a16="http://schemas.microsoft.com/office/drawing/2014/main" id="{118FBE80-B5DD-42AF-8E2D-37F63B1FE0AA}"/>
-              </a:ext>
-            </a:extLst>
-          </p:cNvPr>
-          <p:cNvSpPr>
-            <a:spLocks noGrp="1"/>
-          </p:cNvSpPr>
-          <p:nvPr>
-            <p:ph type="sldNum" sz="quarter" idx="12"/>
-          </p:nvPr>
-        </p:nvSpPr>
-        <p:spPr/>
-        <p:txBody>
-          <a:bodyPr/>
-          <a:lstStyle/>
-          <a:p>
-            <a:fld id="{E6FE6089-B258-4494-B086-28B9FCB52E25}" type="slidenum">
-              <a:rPr lang="zh-CN" altLang="en-US" smtClean="0"/>
-              <a:t>‹#›</a:t>
-            </a:fld>
-            <a:endParaRPr lang="zh-CN" altLang="en-US"/>
-          </a:p>
-        </p:txBody>
-      </p:sp>
-    </p:spTree>
-    <p:extLst>
-      <p:ext uri="{BB962C8B-B14F-4D97-AF65-F5344CB8AC3E}">
-        <p14:creationId xmlns:p14="http://schemas.microsoft.com/office/powerpoint/2010/main" val="4273815725"/>
       </p:ext>
     </p:extLst>
   </p:cSld>
@@ -3803,7 +1053,7 @@
           <a:p>
             <a:fld id="{0EEFACA5-8506-4F37-BF04-DE55C0BBEF48}" type="datetimeFigureOut">
               <a:rPr lang="zh-CN" altLang="en-US" smtClean="0"/>
-              <a:t>2022/5/25</a:t>
+              <a:t>2022/11/2</a:t>
             </a:fld>
             <a:endParaRPr lang="zh-CN" altLang="en-US"/>
           </a:p>
@@ -3910,16 +1160,6 @@
   <p:sldLayoutIdLst>
     <p:sldLayoutId id="2147483649" r:id="rId1"/>
     <p:sldLayoutId id="2147483650" r:id="rId2"/>
-    <p:sldLayoutId id="2147483651" r:id="rId3"/>
-    <p:sldLayoutId id="2147483652" r:id="rId4"/>
-    <p:sldLayoutId id="2147483653" r:id="rId5"/>
-    <p:sldLayoutId id="2147483654" r:id="rId6"/>
-    <p:sldLayoutId id="2147483655" r:id="rId7"/>
-    <p:sldLayoutId id="2147483656" r:id="rId8"/>
-    <p:sldLayoutId id="2147483657" r:id="rId9"/>
-    <p:sldLayoutId id="2147483658" r:id="rId10"/>
-    <p:sldLayoutId id="2147483659" r:id="rId11"/>
-    <p:sldLayoutId id="2147483660" r:id="rId12"/>
   </p:sldLayoutIdLst>
   <p:txStyles>
     <p:titleStyle>
@@ -4296,10 +1536,10 @@
       </p:grpSpPr>
       <p:pic>
         <p:nvPicPr>
-          <p:cNvPr id="4" name="图片" descr="upload_post_object_v2_024543845">
+          <p:cNvPr id="6" name="图片" descr="upload_post_object_v2_024543845">
             <a:extLst>
               <a:ext uri="{FF2B5EF4-FFF2-40B4-BE49-F238E27FC236}">
-                <a16:creationId xmlns:a16="http://schemas.microsoft.com/office/drawing/2014/main" id="{0F8292E3-2CA0-4FB6-8BFA-3B99E052C981}"/>
+                <a16:creationId xmlns:a16="http://schemas.microsoft.com/office/drawing/2014/main" id="{D3DE668D-E26B-CFB5-8A7E-9B624B54A17E}"/>
               </a:ext>
             </a:extLst>
           </p:cNvPr>
@@ -4316,7 +1556,7 @@
         </p:blipFill>
         <p:spPr>
           <a:xfrm>
-            <a:off x="6096000" y="2114360"/>
+            <a:off x="5837925" y="0"/>
             <a:ext cx="5898262" cy="3068960"/>
           </a:xfrm>
           <a:prstGeom prst="rect">
@@ -4332,10 +1572,10 @@
       </p:pic>
       <p:sp>
         <p:nvSpPr>
-          <p:cNvPr id="5" name="等腰三角形">
+          <p:cNvPr id="7" name="等腰三角形">
             <a:extLst>
               <a:ext uri="{FF2B5EF4-FFF2-40B4-BE49-F238E27FC236}">
-                <a16:creationId xmlns:a16="http://schemas.microsoft.com/office/drawing/2014/main" id="{D0BFC415-55F7-4F2A-94D9-D81EE2960EF0}"/>
+                <a16:creationId xmlns:a16="http://schemas.microsoft.com/office/drawing/2014/main" id="{32AEA7A7-6B22-15B3-D6AF-E55C119E31A2}"/>
               </a:ext>
             </a:extLst>
           </p:cNvPr>
@@ -4374,10 +1614,10 @@
       </p:sp>
       <p:sp>
         <p:nvSpPr>
-          <p:cNvPr id="6" name="等腰三角形">
+          <p:cNvPr id="8" name="等腰三角形">
             <a:extLst>
               <a:ext uri="{FF2B5EF4-FFF2-40B4-BE49-F238E27FC236}">
-                <a16:creationId xmlns:a16="http://schemas.microsoft.com/office/drawing/2014/main" id="{7A521149-ECC2-4DBD-952C-40D3315B6AB7}"/>
+                <a16:creationId xmlns:a16="http://schemas.microsoft.com/office/drawing/2014/main" id="{FE6F9106-BDEA-B97A-A63F-9791EE0E61B1}"/>
               </a:ext>
             </a:extLst>
           </p:cNvPr>
@@ -4416,10 +1656,10 @@
       </p:sp>
       <p:sp>
         <p:nvSpPr>
-          <p:cNvPr id="7" name="矩形">
+          <p:cNvPr id="9" name="矩形">
             <a:extLst>
               <a:ext uri="{FF2B5EF4-FFF2-40B4-BE49-F238E27FC236}">
-                <a16:creationId xmlns:a16="http://schemas.microsoft.com/office/drawing/2014/main" id="{DF0CA821-B21C-4E9B-814A-F93736E2C9CC}"/>
+                <a16:creationId xmlns:a16="http://schemas.microsoft.com/office/drawing/2014/main" id="{036C6A75-DBB7-ADB8-B7FD-7F917D9213E2}"/>
               </a:ext>
             </a:extLst>
           </p:cNvPr>
@@ -4480,10 +1720,10 @@
       </p:sp>
       <p:sp>
         <p:nvSpPr>
-          <p:cNvPr id="8" name="矩形">
+          <p:cNvPr id="10" name="矩形">
             <a:extLst>
               <a:ext uri="{FF2B5EF4-FFF2-40B4-BE49-F238E27FC236}">
-                <a16:creationId xmlns:a16="http://schemas.microsoft.com/office/drawing/2014/main" id="{F355A308-4361-4289-B37B-948442D92366}"/>
+                <a16:creationId xmlns:a16="http://schemas.microsoft.com/office/drawing/2014/main" id="{A4603640-BD34-5E2A-CC9D-5227AA3BED7D}"/>
               </a:ext>
             </a:extLst>
           </p:cNvPr>
@@ -4544,10 +1784,10 @@
       </p:sp>
       <p:sp>
         <p:nvSpPr>
-          <p:cNvPr id="9" name="矩形">
+          <p:cNvPr id="11" name="矩形">
             <a:extLst>
               <a:ext uri="{FF2B5EF4-FFF2-40B4-BE49-F238E27FC236}">
-                <a16:creationId xmlns:a16="http://schemas.microsoft.com/office/drawing/2014/main" id="{C6D2FB33-6852-45EE-8BD8-1BF0B7ED283B}"/>
+                <a16:creationId xmlns:a16="http://schemas.microsoft.com/office/drawing/2014/main" id="{19C21017-3687-EE63-4CB6-932855361CFD}"/>
               </a:ext>
             </a:extLst>
           </p:cNvPr>
@@ -4608,10 +1848,10 @@
       </p:sp>
       <p:sp>
         <p:nvSpPr>
-          <p:cNvPr id="10" name="矩形">
+          <p:cNvPr id="12" name="矩形">
             <a:extLst>
               <a:ext uri="{FF2B5EF4-FFF2-40B4-BE49-F238E27FC236}">
-                <a16:creationId xmlns:a16="http://schemas.microsoft.com/office/drawing/2014/main" id="{15201D57-72F5-4739-B2F1-AF34EC098836}"/>
+                <a16:creationId xmlns:a16="http://schemas.microsoft.com/office/drawing/2014/main" id="{54E7DFDC-5C9A-2D01-D9A0-7E9EA8336813}"/>
               </a:ext>
             </a:extLst>
           </p:cNvPr>
@@ -4672,10 +1912,10 @@
       </p:sp>
       <p:sp>
         <p:nvSpPr>
-          <p:cNvPr id="11" name="下箭头">
+          <p:cNvPr id="13" name="下箭头">
             <a:extLst>
               <a:ext uri="{FF2B5EF4-FFF2-40B4-BE49-F238E27FC236}">
-                <a16:creationId xmlns:a16="http://schemas.microsoft.com/office/drawing/2014/main" id="{ACC92CB2-D785-45F9-86BD-00E442EE1192}"/>
+                <a16:creationId xmlns:a16="http://schemas.microsoft.com/office/drawing/2014/main" id="{665B2803-5BC7-D2C9-7E50-52A1917B05E2}"/>
               </a:ext>
             </a:extLst>
           </p:cNvPr>
@@ -4715,10 +1955,10 @@
       </p:sp>
       <p:sp>
         <p:nvSpPr>
-          <p:cNvPr id="12" name="下箭头">
+          <p:cNvPr id="14" name="下箭头">
             <a:extLst>
               <a:ext uri="{FF2B5EF4-FFF2-40B4-BE49-F238E27FC236}">
-                <a16:creationId xmlns:a16="http://schemas.microsoft.com/office/drawing/2014/main" id="{7CDB642B-8CF7-4FE9-B68A-8462D04C77DD}"/>
+                <a16:creationId xmlns:a16="http://schemas.microsoft.com/office/drawing/2014/main" id="{F35DA0D1-360B-4AA1-F71B-D0B78052C853}"/>
               </a:ext>
             </a:extLst>
           </p:cNvPr>
@@ -4758,10 +1998,10 @@
       </p:sp>
       <p:sp>
         <p:nvSpPr>
-          <p:cNvPr id="13" name="下箭头">
+          <p:cNvPr id="15" name="下箭头">
             <a:extLst>
               <a:ext uri="{FF2B5EF4-FFF2-40B4-BE49-F238E27FC236}">
-                <a16:creationId xmlns:a16="http://schemas.microsoft.com/office/drawing/2014/main" id="{86F4DDE7-AC4E-4B79-BF85-8E43DC1CB64E}"/>
+                <a16:creationId xmlns:a16="http://schemas.microsoft.com/office/drawing/2014/main" id="{2BE036A4-E0B6-2249-0E36-B85EDAB4381F}"/>
               </a:ext>
             </a:extLst>
           </p:cNvPr>
@@ -4801,10 +2041,10 @@
       </p:sp>
       <p:sp>
         <p:nvSpPr>
-          <p:cNvPr id="14" name="矩形">
+          <p:cNvPr id="16" name="矩形">
             <a:extLst>
               <a:ext uri="{FF2B5EF4-FFF2-40B4-BE49-F238E27FC236}">
-                <a16:creationId xmlns:a16="http://schemas.microsoft.com/office/drawing/2014/main" id="{419EE1B2-8A23-4B2E-B499-3112580E5F55}"/>
+                <a16:creationId xmlns:a16="http://schemas.microsoft.com/office/drawing/2014/main" id="{E6996FDE-190B-FD0A-E626-9B690291BBFE}"/>
               </a:ext>
             </a:extLst>
           </p:cNvPr>
@@ -4843,10 +2083,10 @@
       </p:sp>
       <p:sp>
         <p:nvSpPr>
-          <p:cNvPr id="15" name="矩形">
+          <p:cNvPr id="17" name="矩形">
             <a:extLst>
               <a:ext uri="{FF2B5EF4-FFF2-40B4-BE49-F238E27FC236}">
-                <a16:creationId xmlns:a16="http://schemas.microsoft.com/office/drawing/2014/main" id="{8468F413-B6FD-4E60-92F9-E26E34C05A02}"/>
+                <a16:creationId xmlns:a16="http://schemas.microsoft.com/office/drawing/2014/main" id="{48B751EE-D27D-A0C2-FAD8-1577A6E12480}"/>
               </a:ext>
             </a:extLst>
           </p:cNvPr>
@@ -4885,10 +2125,10 @@
       </p:sp>
       <p:sp>
         <p:nvSpPr>
-          <p:cNvPr id="16" name="矩形">
+          <p:cNvPr id="18" name="矩形">
             <a:extLst>
               <a:ext uri="{FF2B5EF4-FFF2-40B4-BE49-F238E27FC236}">
-                <a16:creationId xmlns:a16="http://schemas.microsoft.com/office/drawing/2014/main" id="{66C4B51E-6009-4A59-A610-75902BC84A2D}"/>
+                <a16:creationId xmlns:a16="http://schemas.microsoft.com/office/drawing/2014/main" id="{BFB60D71-749A-3CE6-D2BE-60ADA581D3FA}"/>
               </a:ext>
             </a:extLst>
           </p:cNvPr>
@@ -4949,10 +2189,10 @@
       </p:sp>
       <p:sp>
         <p:nvSpPr>
-          <p:cNvPr id="17" name="矩形">
+          <p:cNvPr id="19" name="矩形">
             <a:extLst>
               <a:ext uri="{FF2B5EF4-FFF2-40B4-BE49-F238E27FC236}">
-                <a16:creationId xmlns:a16="http://schemas.microsoft.com/office/drawing/2014/main" id="{A73C1F61-3866-424D-B0A7-CB790E2D122C}"/>
+                <a16:creationId xmlns:a16="http://schemas.microsoft.com/office/drawing/2014/main" id="{CC06911D-CBFC-DA21-8562-FA94C3BC9ED6}"/>
               </a:ext>
             </a:extLst>
           </p:cNvPr>
@@ -4991,10 +2231,10 @@
       </p:sp>
       <p:sp>
         <p:nvSpPr>
-          <p:cNvPr id="18" name="矩形">
+          <p:cNvPr id="20" name="矩形">
             <a:extLst>
               <a:ext uri="{FF2B5EF4-FFF2-40B4-BE49-F238E27FC236}">
-                <a16:creationId xmlns:a16="http://schemas.microsoft.com/office/drawing/2014/main" id="{8D589684-1F7C-4B45-A590-2672EBAF81F4}"/>
+                <a16:creationId xmlns:a16="http://schemas.microsoft.com/office/drawing/2014/main" id="{FDA6FF6E-2CF3-2C9C-4B9E-6EF42194CF02}"/>
               </a:ext>
             </a:extLst>
           </p:cNvPr>
@@ -5033,10 +2273,10 @@
       </p:sp>
       <p:sp>
         <p:nvSpPr>
-          <p:cNvPr id="19" name="矩形">
+          <p:cNvPr id="21" name="矩形">
             <a:extLst>
               <a:ext uri="{FF2B5EF4-FFF2-40B4-BE49-F238E27FC236}">
-                <a16:creationId xmlns:a16="http://schemas.microsoft.com/office/drawing/2014/main" id="{DA374EDC-129C-406B-AD5C-F513CD4FC40A}"/>
+                <a16:creationId xmlns:a16="http://schemas.microsoft.com/office/drawing/2014/main" id="{97B8EE44-F0A3-74F6-92F3-80432189AB2C}"/>
               </a:ext>
             </a:extLst>
           </p:cNvPr>
@@ -5097,10 +2337,10 @@
       </p:sp>
       <p:sp>
         <p:nvSpPr>
-          <p:cNvPr id="20" name="矩形">
+          <p:cNvPr id="22" name="矩形">
             <a:extLst>
               <a:ext uri="{FF2B5EF4-FFF2-40B4-BE49-F238E27FC236}">
-                <a16:creationId xmlns:a16="http://schemas.microsoft.com/office/drawing/2014/main" id="{BF247C64-7102-412D-804B-CAD3F63C843C}"/>
+                <a16:creationId xmlns:a16="http://schemas.microsoft.com/office/drawing/2014/main" id="{584BF111-C879-7DC8-FA97-CCD61F30B0E1}"/>
               </a:ext>
             </a:extLst>
           </p:cNvPr>
@@ -5161,10 +2401,10 @@
       </p:sp>
       <p:sp>
         <p:nvSpPr>
-          <p:cNvPr id="21" name="矩形">
+          <p:cNvPr id="23" name="矩形">
             <a:extLst>
               <a:ext uri="{FF2B5EF4-FFF2-40B4-BE49-F238E27FC236}">
-                <a16:creationId xmlns:a16="http://schemas.microsoft.com/office/drawing/2014/main" id="{00D26654-75E5-4A55-B149-BBE4E759BF90}"/>
+                <a16:creationId xmlns:a16="http://schemas.microsoft.com/office/drawing/2014/main" id="{8CFD2130-128A-0A15-2B68-A5514F9E813B}"/>
               </a:ext>
             </a:extLst>
           </p:cNvPr>
@@ -5223,10 +2463,46 @@
           </a:p>
         </p:txBody>
       </p:sp>
+      <p:pic>
+        <p:nvPicPr>
+          <p:cNvPr id="24" name="图片 23">
+            <a:extLst>
+              <a:ext uri="{FF2B5EF4-FFF2-40B4-BE49-F238E27FC236}">
+                <a16:creationId xmlns:a16="http://schemas.microsoft.com/office/drawing/2014/main" id="{DF129BB4-6135-B588-85FF-24D7F27710E1}"/>
+              </a:ext>
+            </a:extLst>
+          </p:cNvPr>
+          <p:cNvPicPr>
+            <a:picLocks noChangeAspect="1"/>
+          </p:cNvPicPr>
+          <p:nvPr/>
+        </p:nvPicPr>
+        <p:blipFill>
+          <a:blip r:embed="rId3">
+            <a:extLst>
+              <a:ext uri="{28A0092B-C50C-407E-A947-70E740481C1C}">
+                <a14:useLocalDpi xmlns:a14="http://schemas.microsoft.com/office/drawing/2010/main" val="0"/>
+              </a:ext>
+            </a:extLst>
+          </a:blip>
+          <a:stretch>
+            <a:fillRect/>
+          </a:stretch>
+        </p:blipFill>
+        <p:spPr>
+          <a:xfrm>
+            <a:off x="7057880" y="3068469"/>
+            <a:ext cx="4048973" cy="3502362"/>
+          </a:xfrm>
+          <a:prstGeom prst="rect">
+            <a:avLst/>
+          </a:prstGeom>
+        </p:spPr>
+      </p:pic>
     </p:spTree>
     <p:extLst>
       <p:ext uri="{BB962C8B-B14F-4D97-AF65-F5344CB8AC3E}">
-        <p14:creationId xmlns:p14="http://schemas.microsoft.com/office/powerpoint/2010/main" val="966604198"/>
+        <p14:creationId xmlns:p14="http://schemas.microsoft.com/office/powerpoint/2010/main" val="2065273421"/>
       </p:ext>
     </p:extLst>
   </p:cSld>
@@ -5253,75 +2529,15 @@
           <a:chExt cx="0" cy="0"/>
         </a:xfrm>
       </p:grpSpPr>
-      <p:pic>
-        <p:nvPicPr>
-          <p:cNvPr id="5" name="图片 4">
+      <p:sp>
+        <p:nvSpPr>
+          <p:cNvPr id="4" name="标题">
             <a:extLst>
               <a:ext uri="{FF2B5EF4-FFF2-40B4-BE49-F238E27FC236}">
-                <a16:creationId xmlns:a16="http://schemas.microsoft.com/office/drawing/2014/main" id="{8B6FD4CE-DC83-4B67-81B3-AE6B98CA3DF2}"/>
+                <a16:creationId xmlns:a16="http://schemas.microsoft.com/office/drawing/2014/main" id="{E2FFFAC2-8BD7-E872-48E5-F2BBB8132770}"/>
               </a:ext>
             </a:extLst>
           </p:cNvPr>
-          <p:cNvPicPr>
-            <a:picLocks noChangeAspect="1"/>
-          </p:cNvPicPr>
-          <p:nvPr/>
-        </p:nvPicPr>
-        <p:blipFill>
-          <a:blip r:embed="rId2">
-            <a:extLst>
-              <a:ext uri="{28A0092B-C50C-407E-A947-70E740481C1C}">
-                <a14:useLocalDpi xmlns:a14="http://schemas.microsoft.com/office/drawing/2010/main" val="0"/>
-              </a:ext>
-            </a:extLst>
-          </a:blip>
-          <a:stretch>
-            <a:fillRect/>
-          </a:stretch>
-        </p:blipFill>
-        <p:spPr>
-          <a:xfrm>
-            <a:off x="184214" y="372801"/>
-            <a:ext cx="5715000" cy="4943475"/>
-          </a:xfrm>
-          <a:prstGeom prst="rect">
-            <a:avLst/>
-          </a:prstGeom>
-        </p:spPr>
-      </p:pic>
-    </p:spTree>
-    <p:extLst>
-      <p:ext uri="{BB962C8B-B14F-4D97-AF65-F5344CB8AC3E}">
-        <p14:creationId xmlns:p14="http://schemas.microsoft.com/office/powerpoint/2010/main" val="2657711662"/>
-      </p:ext>
-    </p:extLst>
-  </p:cSld>
-  <p:clrMapOvr>
-    <a:masterClrMapping/>
-  </p:clrMapOvr>
-</p:sld>
-</file>
-
-<file path=ppt/slides/slide4.xml><?xml version="1.0" encoding="utf-8"?>
-<p:sld xmlns:a="http://schemas.openxmlformats.org/drawingml/2006/main" xmlns:r="http://schemas.openxmlformats.org/officeDocument/2006/relationships" xmlns:p="http://schemas.openxmlformats.org/presentationml/2006/main">
-  <p:cSld>
-    <p:spTree>
-      <p:nvGrpSpPr>
-        <p:cNvPr id="1" name=""/>
-        <p:cNvGrpSpPr/>
-        <p:nvPr/>
-      </p:nvGrpSpPr>
-      <p:grpSpPr>
-        <a:xfrm>
-          <a:off x="0" y="0"/>
-          <a:ext cx="0" cy="0"/>
-          <a:chOff x="0" y="0"/>
-          <a:chExt cx="0" cy="0"/>
-        </a:xfrm>
-      </p:grpSpPr>
-      <p:sp>
-        <p:nvSpPr>
-          <p:cNvPr id="519" name="标题"/>
           <p:cNvSpPr>
             <a:spLocks noGrp="1"/>
           </p:cNvSpPr>
@@ -5356,7 +2572,13 @@
       </p:sp>
       <p:sp>
         <p:nvSpPr>
-          <p:cNvPr id="520" name="圆角矩形"/>
+          <p:cNvPr id="5" name="圆角矩形">
+            <a:extLst>
+              <a:ext uri="{FF2B5EF4-FFF2-40B4-BE49-F238E27FC236}">
+                <a16:creationId xmlns:a16="http://schemas.microsoft.com/office/drawing/2014/main" id="{FF679B67-58BE-5BC7-1AFE-E8A0A578DB23}"/>
+              </a:ext>
+            </a:extLst>
+          </p:cNvPr>
           <p:cNvSpPr>
             <a:spLocks/>
           </p:cNvSpPr>
@@ -5409,7 +2631,13 @@
       </p:sp>
       <p:sp>
         <p:nvSpPr>
-          <p:cNvPr id="521" name="燕尾形"/>
+          <p:cNvPr id="6" name="燕尾形">
+            <a:extLst>
+              <a:ext uri="{FF2B5EF4-FFF2-40B4-BE49-F238E27FC236}">
+                <a16:creationId xmlns:a16="http://schemas.microsoft.com/office/drawing/2014/main" id="{8A2ECE58-BC1E-DEAF-2038-91BE6B71C4D6}"/>
+              </a:ext>
+            </a:extLst>
+          </p:cNvPr>
           <p:cNvSpPr>
             <a:spLocks/>
           </p:cNvSpPr>
@@ -5449,7 +2677,13 @@
       </p:sp>
       <p:sp>
         <p:nvSpPr>
-          <p:cNvPr id="522" name="圆角矩形"/>
+          <p:cNvPr id="7" name="圆角矩形">
+            <a:extLst>
+              <a:ext uri="{FF2B5EF4-FFF2-40B4-BE49-F238E27FC236}">
+                <a16:creationId xmlns:a16="http://schemas.microsoft.com/office/drawing/2014/main" id="{77D82F12-C262-A960-FC61-5606B9195E1E}"/>
+              </a:ext>
+            </a:extLst>
+          </p:cNvPr>
           <p:cNvSpPr>
             <a:spLocks/>
           </p:cNvSpPr>
@@ -5487,7 +2721,13 @@
       </p:sp>
       <p:sp>
         <p:nvSpPr>
-          <p:cNvPr id="523" name="圆角矩形"/>
+          <p:cNvPr id="8" name="圆角矩形">
+            <a:extLst>
+              <a:ext uri="{FF2B5EF4-FFF2-40B4-BE49-F238E27FC236}">
+                <a16:creationId xmlns:a16="http://schemas.microsoft.com/office/drawing/2014/main" id="{2FBE7586-195C-17FD-68D9-9E9891D8E13C}"/>
+              </a:ext>
+            </a:extLst>
+          </p:cNvPr>
           <p:cNvSpPr>
             <a:spLocks/>
           </p:cNvSpPr>
@@ -5537,7 +2777,13 @@
       </p:sp>
       <p:sp>
         <p:nvSpPr>
-          <p:cNvPr id="524" name="圆角矩形"/>
+          <p:cNvPr id="9" name="圆角矩形">
+            <a:extLst>
+              <a:ext uri="{FF2B5EF4-FFF2-40B4-BE49-F238E27FC236}">
+                <a16:creationId xmlns:a16="http://schemas.microsoft.com/office/drawing/2014/main" id="{05BCDEBE-DE4C-0A3C-FABF-EC803C9BECB1}"/>
+              </a:ext>
+            </a:extLst>
+          </p:cNvPr>
           <p:cNvSpPr>
             <a:spLocks/>
           </p:cNvSpPr>
@@ -5587,7 +2833,13 @@
       </p:sp>
       <p:sp>
         <p:nvSpPr>
-          <p:cNvPr id="525" name="圆角矩形"/>
+          <p:cNvPr id="10" name="圆角矩形">
+            <a:extLst>
+              <a:ext uri="{FF2B5EF4-FFF2-40B4-BE49-F238E27FC236}">
+                <a16:creationId xmlns:a16="http://schemas.microsoft.com/office/drawing/2014/main" id="{2E581763-7D48-2E1E-A670-2B4637E71C0C}"/>
+              </a:ext>
+            </a:extLst>
+          </p:cNvPr>
           <p:cNvSpPr>
             <a:spLocks/>
           </p:cNvSpPr>
@@ -5637,7 +2889,13 @@
       </p:sp>
       <p:sp>
         <p:nvSpPr>
-          <p:cNvPr id="526" name="圆角矩形"/>
+          <p:cNvPr id="11" name="圆角矩形">
+            <a:extLst>
+              <a:ext uri="{FF2B5EF4-FFF2-40B4-BE49-F238E27FC236}">
+                <a16:creationId xmlns:a16="http://schemas.microsoft.com/office/drawing/2014/main" id="{8E95B4E6-F946-BF59-05D3-F6AF8BA9AFC3}"/>
+              </a:ext>
+            </a:extLst>
+          </p:cNvPr>
           <p:cNvSpPr>
             <a:spLocks/>
           </p:cNvSpPr>
@@ -5685,7 +2943,13 @@
       </p:sp>
       <p:sp>
         <p:nvSpPr>
-          <p:cNvPr id="527" name="圆角矩形"/>
+          <p:cNvPr id="12" name="圆角矩形">
+            <a:extLst>
+              <a:ext uri="{FF2B5EF4-FFF2-40B4-BE49-F238E27FC236}">
+                <a16:creationId xmlns:a16="http://schemas.microsoft.com/office/drawing/2014/main" id="{BD0CDF89-3A41-286C-CD24-43B53DD1D4D9}"/>
+              </a:ext>
+            </a:extLst>
+          </p:cNvPr>
           <p:cNvSpPr>
             <a:spLocks/>
           </p:cNvSpPr>
@@ -5738,7 +3002,13 @@
       </p:sp>
       <p:sp>
         <p:nvSpPr>
-          <p:cNvPr id="528" name="圆角矩形"/>
+          <p:cNvPr id="13" name="圆角矩形">
+            <a:extLst>
+              <a:ext uri="{FF2B5EF4-FFF2-40B4-BE49-F238E27FC236}">
+                <a16:creationId xmlns:a16="http://schemas.microsoft.com/office/drawing/2014/main" id="{937A2641-5713-DAD7-F440-653246D768FD}"/>
+              </a:ext>
+            </a:extLst>
+          </p:cNvPr>
           <p:cNvSpPr>
             <a:spLocks/>
           </p:cNvSpPr>
@@ -5790,7 +3060,13 @@
       </p:sp>
       <p:sp>
         <p:nvSpPr>
-          <p:cNvPr id="529" name="圆角矩形"/>
+          <p:cNvPr id="14" name="圆角矩形">
+            <a:extLst>
+              <a:ext uri="{FF2B5EF4-FFF2-40B4-BE49-F238E27FC236}">
+                <a16:creationId xmlns:a16="http://schemas.microsoft.com/office/drawing/2014/main" id="{809D6153-DAEB-08AB-49A4-549A086AB649}"/>
+              </a:ext>
+            </a:extLst>
+          </p:cNvPr>
           <p:cNvSpPr>
             <a:spLocks/>
           </p:cNvSpPr>
@@ -5842,7 +3118,13 @@
       </p:sp>
       <p:sp>
         <p:nvSpPr>
-          <p:cNvPr id="530" name="圆角矩形"/>
+          <p:cNvPr id="15" name="圆角矩形">
+            <a:extLst>
+              <a:ext uri="{FF2B5EF4-FFF2-40B4-BE49-F238E27FC236}">
+                <a16:creationId xmlns:a16="http://schemas.microsoft.com/office/drawing/2014/main" id="{250CCCEB-4F94-A270-E936-C68144187B0A}"/>
+              </a:ext>
+            </a:extLst>
+          </p:cNvPr>
           <p:cNvSpPr>
             <a:spLocks/>
           </p:cNvSpPr>
@@ -5890,7 +3172,13 @@
       </p:sp>
       <p:sp>
         <p:nvSpPr>
-          <p:cNvPr id="531" name="圆角矩形"/>
+          <p:cNvPr id="16" name="圆角矩形">
+            <a:extLst>
+              <a:ext uri="{FF2B5EF4-FFF2-40B4-BE49-F238E27FC236}">
+                <a16:creationId xmlns:a16="http://schemas.microsoft.com/office/drawing/2014/main" id="{61C42C54-D610-CCCE-E6A2-C84700E57FB9}"/>
+              </a:ext>
+            </a:extLst>
+          </p:cNvPr>
           <p:cNvSpPr>
             <a:spLocks/>
           </p:cNvSpPr>
@@ -5942,7 +3230,13 @@
       </p:sp>
       <p:sp>
         <p:nvSpPr>
-          <p:cNvPr id="532" name="圆角矩形"/>
+          <p:cNvPr id="17" name="圆角矩形">
+            <a:extLst>
+              <a:ext uri="{FF2B5EF4-FFF2-40B4-BE49-F238E27FC236}">
+                <a16:creationId xmlns:a16="http://schemas.microsoft.com/office/drawing/2014/main" id="{8902759F-9AA7-245F-766B-C9B0D86E35CE}"/>
+              </a:ext>
+            </a:extLst>
+          </p:cNvPr>
           <p:cNvSpPr>
             <a:spLocks/>
           </p:cNvSpPr>
@@ -5993,7 +3287,13 @@
       </p:sp>
       <p:sp>
         <p:nvSpPr>
-          <p:cNvPr id="533" name="矩形"/>
+          <p:cNvPr id="18" name="矩形">
+            <a:extLst>
+              <a:ext uri="{FF2B5EF4-FFF2-40B4-BE49-F238E27FC236}">
+                <a16:creationId xmlns:a16="http://schemas.microsoft.com/office/drawing/2014/main" id="{FD4FF532-C909-67FB-0DB9-4E18A3457E63}"/>
+              </a:ext>
+            </a:extLst>
+          </p:cNvPr>
           <p:cNvSpPr>
             <a:spLocks/>
           </p:cNvSpPr>
@@ -6037,11 +3337,17 @@
       </p:sp>
       <p:cxnSp>
         <p:nvCxnSpPr>
-          <p:cNvPr id="534" name="直线连接线"/>
+          <p:cNvPr id="19" name="直线连接线">
+            <a:extLst>
+              <a:ext uri="{FF2B5EF4-FFF2-40B4-BE49-F238E27FC236}">
+                <a16:creationId xmlns:a16="http://schemas.microsoft.com/office/drawing/2014/main" id="{8343B729-CF92-BB72-12E2-703FDFA6B2D1}"/>
+              </a:ext>
+            </a:extLst>
+          </p:cNvPr>
           <p:cNvCxnSpPr>
             <a:cxnSpLocks/>
-            <a:stCxn id="528" idx="2"/>
-            <a:endCxn id="529" idx="0"/>
+            <a:stCxn id="13" idx="2"/>
+            <a:endCxn id="14" idx="0"/>
           </p:cNvCxnSpPr>
           <p:nvPr/>
         </p:nvCxnSpPr>
@@ -6066,11 +3372,17 @@
       </p:cxnSp>
       <p:cxnSp>
         <p:nvCxnSpPr>
-          <p:cNvPr id="535" name="直线连接线"/>
+          <p:cNvPr id="20" name="直线连接线">
+            <a:extLst>
+              <a:ext uri="{FF2B5EF4-FFF2-40B4-BE49-F238E27FC236}">
+                <a16:creationId xmlns:a16="http://schemas.microsoft.com/office/drawing/2014/main" id="{4C19DB53-F545-77EC-74F5-3C58EBB7A978}"/>
+              </a:ext>
+            </a:extLst>
+          </p:cNvPr>
           <p:cNvCxnSpPr>
             <a:cxnSpLocks/>
-            <a:stCxn id="529" idx="2"/>
-            <a:endCxn id="530" idx="0"/>
+            <a:stCxn id="14" idx="2"/>
+            <a:endCxn id="15" idx="0"/>
           </p:cNvCxnSpPr>
           <p:nvPr/>
         </p:nvCxnSpPr>
@@ -6095,11 +3407,17 @@
       </p:cxnSp>
       <p:cxnSp>
         <p:nvCxnSpPr>
-          <p:cNvPr id="536" name="直线连接线"/>
+          <p:cNvPr id="21" name="直线连接线">
+            <a:extLst>
+              <a:ext uri="{FF2B5EF4-FFF2-40B4-BE49-F238E27FC236}">
+                <a16:creationId xmlns:a16="http://schemas.microsoft.com/office/drawing/2014/main" id="{BB0FE4CF-F2BE-4992-B32E-E2609E07411D}"/>
+              </a:ext>
+            </a:extLst>
+          </p:cNvPr>
           <p:cNvCxnSpPr>
             <a:cxnSpLocks/>
-            <a:stCxn id="530" idx="2"/>
-            <a:endCxn id="531" idx="0"/>
+            <a:stCxn id="15" idx="2"/>
+            <a:endCxn id="16" idx="0"/>
           </p:cNvCxnSpPr>
           <p:nvPr/>
         </p:nvCxnSpPr>
@@ -6124,7 +3442,13 @@
       </p:cxnSp>
       <p:sp>
         <p:nvSpPr>
-          <p:cNvPr id="537" name="矩形"/>
+          <p:cNvPr id="22" name="矩形">
+            <a:extLst>
+              <a:ext uri="{FF2B5EF4-FFF2-40B4-BE49-F238E27FC236}">
+                <a16:creationId xmlns:a16="http://schemas.microsoft.com/office/drawing/2014/main" id="{59EA6279-60D9-AAE0-7AFD-B144552A000E}"/>
+              </a:ext>
+            </a:extLst>
+          </p:cNvPr>
           <p:cNvSpPr>
             <a:spLocks/>
           </p:cNvSpPr>
@@ -6168,7 +3492,13 @@
       </p:sp>
       <p:sp>
         <p:nvSpPr>
-          <p:cNvPr id="538" name="矩形"/>
+          <p:cNvPr id="23" name="矩形">
+            <a:extLst>
+              <a:ext uri="{FF2B5EF4-FFF2-40B4-BE49-F238E27FC236}">
+                <a16:creationId xmlns:a16="http://schemas.microsoft.com/office/drawing/2014/main" id="{F63EF120-9057-9AD4-D858-FBC02E89753F}"/>
+              </a:ext>
+            </a:extLst>
+          </p:cNvPr>
           <p:cNvSpPr>
             <a:spLocks/>
           </p:cNvSpPr>
@@ -6212,7 +3542,13 @@
       </p:sp>
       <p:sp>
         <p:nvSpPr>
-          <p:cNvPr id="539" name="圆角矩形"/>
+          <p:cNvPr id="24" name="圆角矩形">
+            <a:extLst>
+              <a:ext uri="{FF2B5EF4-FFF2-40B4-BE49-F238E27FC236}">
+                <a16:creationId xmlns:a16="http://schemas.microsoft.com/office/drawing/2014/main" id="{8F2AE54E-8C90-62BC-1D96-90AE419216C3}"/>
+              </a:ext>
+            </a:extLst>
+          </p:cNvPr>
           <p:cNvSpPr>
             <a:spLocks/>
           </p:cNvSpPr>
@@ -6248,7 +3584,13 @@
       </p:sp>
       <p:grpSp>
         <p:nvGrpSpPr>
-          <p:cNvPr id="549" name="组合"/>
+          <p:cNvPr id="25" name="组合">
+            <a:extLst>
+              <a:ext uri="{FF2B5EF4-FFF2-40B4-BE49-F238E27FC236}">
+                <a16:creationId xmlns:a16="http://schemas.microsoft.com/office/drawing/2014/main" id="{07C71369-6A45-4798-691B-2FD06FCFD5BA}"/>
+              </a:ext>
+            </a:extLst>
+          </p:cNvPr>
           <p:cNvGrpSpPr>
             <a:grpSpLocks/>
           </p:cNvGrpSpPr>
@@ -6264,7 +3606,13 @@
         </p:grpSpPr>
         <p:sp>
           <p:nvSpPr>
-            <p:cNvPr id="540" name="圆角矩形"/>
+            <p:cNvPr id="26" name="圆角矩形">
+              <a:extLst>
+                <a:ext uri="{FF2B5EF4-FFF2-40B4-BE49-F238E27FC236}">
+                  <a16:creationId xmlns:a16="http://schemas.microsoft.com/office/drawing/2014/main" id="{07D15D4B-9305-D51D-ABB8-FA7E7EA0374E}"/>
+                </a:ext>
+              </a:extLst>
+            </p:cNvPr>
             <p:cNvSpPr>
               <a:spLocks/>
             </p:cNvSpPr>
@@ -6316,7 +3664,13 @@
         </p:sp>
         <p:sp>
           <p:nvSpPr>
-            <p:cNvPr id="541" name="圆角矩形"/>
+            <p:cNvPr id="27" name="圆角矩形">
+              <a:extLst>
+                <a:ext uri="{FF2B5EF4-FFF2-40B4-BE49-F238E27FC236}">
+                  <a16:creationId xmlns:a16="http://schemas.microsoft.com/office/drawing/2014/main" id="{7432CA4D-D6B0-1FB7-24CB-67B7B5101396}"/>
+                </a:ext>
+              </a:extLst>
+            </p:cNvPr>
             <p:cNvSpPr>
               <a:spLocks/>
             </p:cNvSpPr>
@@ -6368,7 +3722,13 @@
         </p:sp>
         <p:sp>
           <p:nvSpPr>
-            <p:cNvPr id="542" name="圆角矩形"/>
+            <p:cNvPr id="28" name="圆角矩形">
+              <a:extLst>
+                <a:ext uri="{FF2B5EF4-FFF2-40B4-BE49-F238E27FC236}">
+                  <a16:creationId xmlns:a16="http://schemas.microsoft.com/office/drawing/2014/main" id="{F8EDEA57-72BD-B5B5-B762-657DBDA71143}"/>
+                </a:ext>
+              </a:extLst>
+            </p:cNvPr>
             <p:cNvSpPr>
               <a:spLocks/>
             </p:cNvSpPr>
@@ -6420,7 +3780,13 @@
         </p:sp>
         <p:sp>
           <p:nvSpPr>
-            <p:cNvPr id="543" name="圆角矩形"/>
+            <p:cNvPr id="29" name="圆角矩形">
+              <a:extLst>
+                <a:ext uri="{FF2B5EF4-FFF2-40B4-BE49-F238E27FC236}">
+                  <a16:creationId xmlns:a16="http://schemas.microsoft.com/office/drawing/2014/main" id="{D4E1405A-7AF0-E7CA-A8EC-9BCDCB656851}"/>
+                </a:ext>
+              </a:extLst>
+            </p:cNvPr>
             <p:cNvSpPr>
               <a:spLocks/>
             </p:cNvSpPr>
@@ -6472,7 +3838,13 @@
         </p:sp>
         <p:sp>
           <p:nvSpPr>
-            <p:cNvPr id="544" name="圆角矩形"/>
+            <p:cNvPr id="30" name="圆角矩形">
+              <a:extLst>
+                <a:ext uri="{FF2B5EF4-FFF2-40B4-BE49-F238E27FC236}">
+                  <a16:creationId xmlns:a16="http://schemas.microsoft.com/office/drawing/2014/main" id="{D449FAF0-642A-064C-ADE0-AA5C287E2F49}"/>
+                </a:ext>
+              </a:extLst>
+            </p:cNvPr>
             <p:cNvSpPr>
               <a:spLocks/>
             </p:cNvSpPr>
@@ -6523,11 +3895,17 @@
         </p:sp>
         <p:cxnSp>
           <p:nvCxnSpPr>
-            <p:cNvPr id="545" name="直线连接线"/>
+            <p:cNvPr id="31" name="直线连接线">
+              <a:extLst>
+                <a:ext uri="{FF2B5EF4-FFF2-40B4-BE49-F238E27FC236}">
+                  <a16:creationId xmlns:a16="http://schemas.microsoft.com/office/drawing/2014/main" id="{8CE89FEB-59CD-EE8E-2F53-B0FB63F48186}"/>
+                </a:ext>
+              </a:extLst>
+            </p:cNvPr>
             <p:cNvCxnSpPr>
               <a:cxnSpLocks/>
-              <a:stCxn id="540" idx="2"/>
-              <a:endCxn id="541" idx="0"/>
+              <a:stCxn id="26" idx="2"/>
+              <a:endCxn id="27" idx="0"/>
             </p:cNvCxnSpPr>
             <p:nvPr/>
           </p:nvCxnSpPr>
@@ -6552,11 +3930,17 @@
         </p:cxnSp>
         <p:cxnSp>
           <p:nvCxnSpPr>
-            <p:cNvPr id="546" name="直线连接线"/>
+            <p:cNvPr id="32" name="直线连接线">
+              <a:extLst>
+                <a:ext uri="{FF2B5EF4-FFF2-40B4-BE49-F238E27FC236}">
+                  <a16:creationId xmlns:a16="http://schemas.microsoft.com/office/drawing/2014/main" id="{B4EBB102-B21A-23BA-F260-FD0E1C7B9C21}"/>
+                </a:ext>
+              </a:extLst>
+            </p:cNvPr>
             <p:cNvCxnSpPr>
               <a:cxnSpLocks/>
-              <a:stCxn id="541" idx="2"/>
-              <a:endCxn id="542" idx="0"/>
+              <a:stCxn id="27" idx="2"/>
+              <a:endCxn id="28" idx="0"/>
             </p:cNvCxnSpPr>
             <p:nvPr/>
           </p:nvCxnSpPr>
@@ -6581,11 +3965,17 @@
         </p:cxnSp>
         <p:cxnSp>
           <p:nvCxnSpPr>
-            <p:cNvPr id="547" name="直线连接线"/>
+            <p:cNvPr id="33" name="直线连接线">
+              <a:extLst>
+                <a:ext uri="{FF2B5EF4-FFF2-40B4-BE49-F238E27FC236}">
+                  <a16:creationId xmlns:a16="http://schemas.microsoft.com/office/drawing/2014/main" id="{A8775FF0-3091-1BF9-F2B1-3D924A17BECA}"/>
+                </a:ext>
+              </a:extLst>
+            </p:cNvPr>
             <p:cNvCxnSpPr>
               <a:cxnSpLocks/>
-              <a:stCxn id="542" idx="2"/>
-              <a:endCxn id="543" idx="0"/>
+              <a:stCxn id="28" idx="2"/>
+              <a:endCxn id="29" idx="0"/>
             </p:cNvCxnSpPr>
             <p:nvPr/>
           </p:nvCxnSpPr>
@@ -6610,7 +4000,13 @@
         </p:cxnSp>
         <p:sp>
           <p:nvSpPr>
-            <p:cNvPr id="548" name="圆角矩形"/>
+            <p:cNvPr id="34" name="圆角矩形">
+              <a:extLst>
+                <a:ext uri="{FF2B5EF4-FFF2-40B4-BE49-F238E27FC236}">
+                  <a16:creationId xmlns:a16="http://schemas.microsoft.com/office/drawing/2014/main" id="{2E4AB85E-DD3F-755A-6FFC-819652A6A9ED}"/>
+                </a:ext>
+              </a:extLst>
+            </p:cNvPr>
             <p:cNvSpPr>
               <a:spLocks/>
             </p:cNvSpPr>
@@ -6647,7 +4043,13 @@
       </p:grpSp>
       <p:sp>
         <p:nvSpPr>
-          <p:cNvPr id="550" name="燕尾形"/>
+          <p:cNvPr id="35" name="燕尾形">
+            <a:extLst>
+              <a:ext uri="{FF2B5EF4-FFF2-40B4-BE49-F238E27FC236}">
+                <a16:creationId xmlns:a16="http://schemas.microsoft.com/office/drawing/2014/main" id="{663F5F78-764F-6A0D-66B1-E2C292412082}"/>
+              </a:ext>
+            </a:extLst>
+          </p:cNvPr>
           <p:cNvSpPr>
             <a:spLocks/>
           </p:cNvSpPr>
@@ -6687,7 +4089,13 @@
       </p:sp>
       <p:sp>
         <p:nvSpPr>
-          <p:cNvPr id="551" name="矩形"/>
+          <p:cNvPr id="36" name="矩形">
+            <a:extLst>
+              <a:ext uri="{FF2B5EF4-FFF2-40B4-BE49-F238E27FC236}">
+                <a16:creationId xmlns:a16="http://schemas.microsoft.com/office/drawing/2014/main" id="{2062CF94-6091-2B23-4AD1-9301EC487282}"/>
+              </a:ext>
+            </a:extLst>
+          </p:cNvPr>
           <p:cNvSpPr>
             <a:spLocks/>
           </p:cNvSpPr>
@@ -6731,7 +4139,13 @@
       </p:sp>
       <p:sp>
         <p:nvSpPr>
-          <p:cNvPr id="552" name="圆角矩形"/>
+          <p:cNvPr id="37" name="圆角矩形">
+            <a:extLst>
+              <a:ext uri="{FF2B5EF4-FFF2-40B4-BE49-F238E27FC236}">
+                <a16:creationId xmlns:a16="http://schemas.microsoft.com/office/drawing/2014/main" id="{D509E387-893F-447B-CDB9-3844C5FD8FB0}"/>
+              </a:ext>
+            </a:extLst>
+          </p:cNvPr>
           <p:cNvSpPr>
             <a:spLocks/>
           </p:cNvSpPr>
@@ -6769,7 +4183,13 @@
       </p:sp>
       <p:sp>
         <p:nvSpPr>
-          <p:cNvPr id="553" name="矩形"/>
+          <p:cNvPr id="38" name="矩形">
+            <a:extLst>
+              <a:ext uri="{FF2B5EF4-FFF2-40B4-BE49-F238E27FC236}">
+                <a16:creationId xmlns:a16="http://schemas.microsoft.com/office/drawing/2014/main" id="{BD468368-66B6-8F78-BD0C-2CE04E54701F}"/>
+              </a:ext>
+            </a:extLst>
+          </p:cNvPr>
           <p:cNvSpPr>
             <a:spLocks/>
           </p:cNvSpPr>
@@ -6816,7 +4236,13 @@
       </p:sp>
       <p:grpSp>
         <p:nvGrpSpPr>
-          <p:cNvPr id="557" name="组合"/>
+          <p:cNvPr id="39" name="组合">
+            <a:extLst>
+              <a:ext uri="{FF2B5EF4-FFF2-40B4-BE49-F238E27FC236}">
+                <a16:creationId xmlns:a16="http://schemas.microsoft.com/office/drawing/2014/main" id="{04E79183-C273-F4A8-CEC4-32F9E26EA886}"/>
+              </a:ext>
+            </a:extLst>
+          </p:cNvPr>
           <p:cNvGrpSpPr>
             <a:grpSpLocks/>
           </p:cNvGrpSpPr>
@@ -6832,7 +4258,13 @@
         </p:grpSpPr>
         <p:sp>
           <p:nvSpPr>
-            <p:cNvPr id="554" name="圆角矩形"/>
+            <p:cNvPr id="40" name="圆角矩形">
+              <a:extLst>
+                <a:ext uri="{FF2B5EF4-FFF2-40B4-BE49-F238E27FC236}">
+                  <a16:creationId xmlns:a16="http://schemas.microsoft.com/office/drawing/2014/main" id="{D374B5C9-0E5E-15B2-A2CC-924F4373FB0E}"/>
+                </a:ext>
+              </a:extLst>
+            </p:cNvPr>
             <p:cNvSpPr>
               <a:spLocks/>
             </p:cNvSpPr>
@@ -6880,7 +4312,13 @@
         </p:sp>
         <p:sp>
           <p:nvSpPr>
-            <p:cNvPr id="555" name="圆角矩形"/>
+            <p:cNvPr id="41" name="圆角矩形">
+              <a:extLst>
+                <a:ext uri="{FF2B5EF4-FFF2-40B4-BE49-F238E27FC236}">
+                  <a16:creationId xmlns:a16="http://schemas.microsoft.com/office/drawing/2014/main" id="{07C168DD-F9F9-4B18-C63A-AA7BE1E1A0A9}"/>
+                </a:ext>
+              </a:extLst>
+            </p:cNvPr>
             <p:cNvSpPr>
               <a:spLocks/>
             </p:cNvSpPr>
@@ -6928,7 +4366,13 @@
         </p:sp>
         <p:sp>
           <p:nvSpPr>
-            <p:cNvPr id="556" name="圆角矩形"/>
+            <p:cNvPr id="42" name="圆角矩形">
+              <a:extLst>
+                <a:ext uri="{FF2B5EF4-FFF2-40B4-BE49-F238E27FC236}">
+                  <a16:creationId xmlns:a16="http://schemas.microsoft.com/office/drawing/2014/main" id="{7F0AA8A9-124F-9928-D4A6-B9B550B0B9D4}"/>
+                </a:ext>
+              </a:extLst>
+            </p:cNvPr>
             <p:cNvSpPr>
               <a:spLocks/>
             </p:cNvSpPr>
@@ -6977,7 +4421,13 @@
       </p:grpSp>
       <p:sp>
         <p:nvSpPr>
-          <p:cNvPr id="558" name="圆角矩形"/>
+          <p:cNvPr id="43" name="圆角矩形">
+            <a:extLst>
+              <a:ext uri="{FF2B5EF4-FFF2-40B4-BE49-F238E27FC236}">
+                <a16:creationId xmlns:a16="http://schemas.microsoft.com/office/drawing/2014/main" id="{54D091EE-B9F4-5883-82B3-3C56BD94C59D}"/>
+              </a:ext>
+            </a:extLst>
+          </p:cNvPr>
           <p:cNvSpPr>
             <a:spLocks/>
           </p:cNvSpPr>
@@ -7015,7 +4465,13 @@
       </p:sp>
       <p:sp>
         <p:nvSpPr>
-          <p:cNvPr id="559" name="圆角矩形"/>
+          <p:cNvPr id="44" name="圆角矩形">
+            <a:extLst>
+              <a:ext uri="{FF2B5EF4-FFF2-40B4-BE49-F238E27FC236}">
+                <a16:creationId xmlns:a16="http://schemas.microsoft.com/office/drawing/2014/main" id="{4ED9A662-AF26-385C-B390-FD164D0306BF}"/>
+              </a:ext>
+            </a:extLst>
+          </p:cNvPr>
           <p:cNvSpPr>
             <a:spLocks/>
           </p:cNvSpPr>
@@ -7063,7 +4519,13 @@
       </p:sp>
       <p:sp>
         <p:nvSpPr>
-          <p:cNvPr id="560" name="圆角矩形"/>
+          <p:cNvPr id="45" name="圆角矩形">
+            <a:extLst>
+              <a:ext uri="{FF2B5EF4-FFF2-40B4-BE49-F238E27FC236}">
+                <a16:creationId xmlns:a16="http://schemas.microsoft.com/office/drawing/2014/main" id="{61F6A5B2-E1DB-3B84-7AB7-53B4E10BD11E}"/>
+              </a:ext>
+            </a:extLst>
+          </p:cNvPr>
           <p:cNvSpPr>
             <a:spLocks/>
           </p:cNvSpPr>
@@ -7129,7 +4591,13 @@
       </p:sp>
       <p:sp>
         <p:nvSpPr>
-          <p:cNvPr id="561" name="圆角矩形"/>
+          <p:cNvPr id="46" name="圆角矩形">
+            <a:extLst>
+              <a:ext uri="{FF2B5EF4-FFF2-40B4-BE49-F238E27FC236}">
+                <a16:creationId xmlns:a16="http://schemas.microsoft.com/office/drawing/2014/main" id="{4A27A34F-5764-BFD1-2498-38AEFE24F48C}"/>
+              </a:ext>
+            </a:extLst>
+          </p:cNvPr>
           <p:cNvSpPr>
             <a:spLocks/>
           </p:cNvSpPr>
@@ -7195,7 +4663,13 @@
       </p:sp>
       <p:sp>
         <p:nvSpPr>
-          <p:cNvPr id="562" name="圆角矩形"/>
+          <p:cNvPr id="47" name="圆角矩形">
+            <a:extLst>
+              <a:ext uri="{FF2B5EF4-FFF2-40B4-BE49-F238E27FC236}">
+                <a16:creationId xmlns:a16="http://schemas.microsoft.com/office/drawing/2014/main" id="{1A923012-6C4B-0E21-7322-EBFE55891AF6}"/>
+              </a:ext>
+            </a:extLst>
+          </p:cNvPr>
           <p:cNvSpPr>
             <a:spLocks/>
           </p:cNvSpPr>
@@ -7243,7 +4717,13 @@
       </p:sp>
       <p:sp>
         <p:nvSpPr>
-          <p:cNvPr id="563" name="矩形"/>
+          <p:cNvPr id="48" name="矩形">
+            <a:extLst>
+              <a:ext uri="{FF2B5EF4-FFF2-40B4-BE49-F238E27FC236}">
+                <a16:creationId xmlns:a16="http://schemas.microsoft.com/office/drawing/2014/main" id="{D435C38B-11B9-2A2B-709B-2D1406394E68}"/>
+              </a:ext>
+            </a:extLst>
+          </p:cNvPr>
           <p:cNvSpPr>
             <a:spLocks/>
           </p:cNvSpPr>
@@ -7287,11 +4767,17 @@
       </p:sp>
       <p:cxnSp>
         <p:nvCxnSpPr>
-          <p:cNvPr id="564" name="肘形连接线"/>
+          <p:cNvPr id="49" name="肘形连接线">
+            <a:extLst>
+              <a:ext uri="{FF2B5EF4-FFF2-40B4-BE49-F238E27FC236}">
+                <a16:creationId xmlns:a16="http://schemas.microsoft.com/office/drawing/2014/main" id="{5337F29F-D9B7-A12B-7874-F0BA86941E23}"/>
+              </a:ext>
+            </a:extLst>
+          </p:cNvPr>
           <p:cNvCxnSpPr>
             <a:cxnSpLocks/>
-            <a:stCxn id="539" idx="3"/>
-            <a:endCxn id="522" idx="1"/>
+            <a:stCxn id="24" idx="3"/>
+            <a:endCxn id="7" idx="1"/>
           </p:cNvCxnSpPr>
           <p:nvPr/>
         </p:nvCxnSpPr>
@@ -7318,11 +4804,17 @@
       </p:cxnSp>
       <p:cxnSp>
         <p:nvCxnSpPr>
-          <p:cNvPr id="566" name="肘形连接线"/>
+          <p:cNvPr id="50" name="肘形连接线">
+            <a:extLst>
+              <a:ext uri="{FF2B5EF4-FFF2-40B4-BE49-F238E27FC236}">
+                <a16:creationId xmlns:a16="http://schemas.microsoft.com/office/drawing/2014/main" id="{F66CF5EF-5175-A6BF-AE28-80E17AE5F53D}"/>
+              </a:ext>
+            </a:extLst>
+          </p:cNvPr>
           <p:cNvCxnSpPr>
             <a:cxnSpLocks/>
-            <a:stCxn id="548" idx="3"/>
-            <a:endCxn id="558" idx="1"/>
+            <a:stCxn id="34" idx="3"/>
+            <a:endCxn id="43" idx="1"/>
           </p:cNvCxnSpPr>
           <p:nvPr/>
         </p:nvCxnSpPr>
@@ -7349,7 +4841,13 @@
       </p:cxnSp>
       <p:sp>
         <p:nvSpPr>
-          <p:cNvPr id="568" name="矩形"/>
+          <p:cNvPr id="51" name="矩形">
+            <a:extLst>
+              <a:ext uri="{FF2B5EF4-FFF2-40B4-BE49-F238E27FC236}">
+                <a16:creationId xmlns:a16="http://schemas.microsoft.com/office/drawing/2014/main" id="{B683E147-97EF-C147-5F8D-27247B2F521F}"/>
+              </a:ext>
+            </a:extLst>
+          </p:cNvPr>
           <p:cNvSpPr>
             <a:spLocks/>
           </p:cNvSpPr>
@@ -7393,7 +4891,13 @@
       </p:sp>
       <p:grpSp>
         <p:nvGrpSpPr>
-          <p:cNvPr id="596" name="组合"/>
+          <p:cNvPr id="52" name="组合">
+            <a:extLst>
+              <a:ext uri="{FF2B5EF4-FFF2-40B4-BE49-F238E27FC236}">
+                <a16:creationId xmlns:a16="http://schemas.microsoft.com/office/drawing/2014/main" id="{0F36DBCC-0543-4895-AF0C-D2350254B392}"/>
+              </a:ext>
+            </a:extLst>
+          </p:cNvPr>
           <p:cNvGrpSpPr>
             <a:grpSpLocks/>
           </p:cNvGrpSpPr>
@@ -7409,7 +4913,13 @@
         </p:grpSpPr>
         <p:grpSp>
           <p:nvGrpSpPr>
-            <p:cNvPr id="577" name="组合"/>
+            <p:cNvPr id="53" name="组合">
+              <a:extLst>
+                <a:ext uri="{FF2B5EF4-FFF2-40B4-BE49-F238E27FC236}">
+                  <a16:creationId xmlns:a16="http://schemas.microsoft.com/office/drawing/2014/main" id="{996CECB6-C4E4-3E41-543E-D9F53386B584}"/>
+                </a:ext>
+              </a:extLst>
+            </p:cNvPr>
             <p:cNvGrpSpPr>
               <a:grpSpLocks/>
             </p:cNvGrpSpPr>
@@ -7425,7 +4935,13 @@
           </p:grpSpPr>
           <p:sp>
             <p:nvSpPr>
-              <p:cNvPr id="569" name="圆角矩形"/>
+              <p:cNvPr id="72" name="圆角矩形">
+                <a:extLst>
+                  <a:ext uri="{FF2B5EF4-FFF2-40B4-BE49-F238E27FC236}">
+                    <a16:creationId xmlns:a16="http://schemas.microsoft.com/office/drawing/2014/main" id="{34926C45-EFAD-58FB-7B33-4873DB5E1899}"/>
+                  </a:ext>
+                </a:extLst>
+              </p:cNvPr>
               <p:cNvSpPr>
                 <a:spLocks/>
               </p:cNvSpPr>
@@ -7463,7 +4979,13 @@
           </p:sp>
           <p:sp>
             <p:nvSpPr>
-              <p:cNvPr id="570" name="圆角矩形"/>
+              <p:cNvPr id="73" name="圆角矩形">
+                <a:extLst>
+                  <a:ext uri="{FF2B5EF4-FFF2-40B4-BE49-F238E27FC236}">
+                    <a16:creationId xmlns:a16="http://schemas.microsoft.com/office/drawing/2014/main" id="{D76D7941-7588-EA4B-BB55-0F2B89029D97}"/>
+                  </a:ext>
+                </a:extLst>
+              </p:cNvPr>
               <p:cNvSpPr>
                 <a:spLocks/>
               </p:cNvSpPr>
@@ -7511,7 +5033,13 @@
           </p:sp>
           <p:sp>
             <p:nvSpPr>
-              <p:cNvPr id="571" name="圆角矩形"/>
+              <p:cNvPr id="74" name="圆角矩形">
+                <a:extLst>
+                  <a:ext uri="{FF2B5EF4-FFF2-40B4-BE49-F238E27FC236}">
+                    <a16:creationId xmlns:a16="http://schemas.microsoft.com/office/drawing/2014/main" id="{2B5BF79E-A326-3892-3D29-9A055EF30A8B}"/>
+                  </a:ext>
+                </a:extLst>
+              </p:cNvPr>
               <p:cNvSpPr>
                 <a:spLocks/>
               </p:cNvSpPr>
@@ -7559,7 +5087,13 @@
           </p:sp>
           <p:sp>
             <p:nvSpPr>
-              <p:cNvPr id="572" name="圆角矩形"/>
+              <p:cNvPr id="75" name="圆角矩形">
+                <a:extLst>
+                  <a:ext uri="{FF2B5EF4-FFF2-40B4-BE49-F238E27FC236}">
+                    <a16:creationId xmlns:a16="http://schemas.microsoft.com/office/drawing/2014/main" id="{4BBECA5A-D7B4-235F-6FF7-4E2F47A079EC}"/>
+                  </a:ext>
+                </a:extLst>
+              </p:cNvPr>
               <p:cNvSpPr>
                 <a:spLocks/>
               </p:cNvSpPr>
@@ -7607,7 +5141,13 @@
           </p:sp>
           <p:sp>
             <p:nvSpPr>
-              <p:cNvPr id="573" name="圆角矩形"/>
+              <p:cNvPr id="76" name="圆角矩形">
+                <a:extLst>
+                  <a:ext uri="{FF2B5EF4-FFF2-40B4-BE49-F238E27FC236}">
+                    <a16:creationId xmlns:a16="http://schemas.microsoft.com/office/drawing/2014/main" id="{D07FB1AA-91AB-83A7-C390-B37ED5EA843F}"/>
+                  </a:ext>
+                </a:extLst>
+              </p:cNvPr>
               <p:cNvSpPr>
                 <a:spLocks/>
               </p:cNvSpPr>
@@ -7655,7 +5195,13 @@
           </p:sp>
           <p:sp>
             <p:nvSpPr>
-              <p:cNvPr id="574" name="圆角矩形"/>
+              <p:cNvPr id="77" name="圆角矩形">
+                <a:extLst>
+                  <a:ext uri="{FF2B5EF4-FFF2-40B4-BE49-F238E27FC236}">
+                    <a16:creationId xmlns:a16="http://schemas.microsoft.com/office/drawing/2014/main" id="{C3A3EFD3-F77A-195B-731E-6A6BECAD9998}"/>
+                  </a:ext>
+                </a:extLst>
+              </p:cNvPr>
               <p:cNvSpPr>
                 <a:spLocks/>
               </p:cNvSpPr>
@@ -7703,7 +5249,13 @@
           </p:sp>
           <p:sp>
             <p:nvSpPr>
-              <p:cNvPr id="575" name="圆角矩形"/>
+              <p:cNvPr id="78" name="圆角矩形">
+                <a:extLst>
+                  <a:ext uri="{FF2B5EF4-FFF2-40B4-BE49-F238E27FC236}">
+                    <a16:creationId xmlns:a16="http://schemas.microsoft.com/office/drawing/2014/main" id="{DF230CEB-3C82-C0C9-0C28-F6FC796DD36B}"/>
+                  </a:ext>
+                </a:extLst>
+              </p:cNvPr>
               <p:cNvSpPr>
                 <a:spLocks/>
               </p:cNvSpPr>
@@ -7751,7 +5303,13 @@
           </p:sp>
           <p:sp>
             <p:nvSpPr>
-              <p:cNvPr id="576" name="矩形"/>
+              <p:cNvPr id="79" name="矩形">
+                <a:extLst>
+                  <a:ext uri="{FF2B5EF4-FFF2-40B4-BE49-F238E27FC236}">
+                    <a16:creationId xmlns:a16="http://schemas.microsoft.com/office/drawing/2014/main" id="{45CF0830-A0F4-6AB2-4B45-605AE5746662}"/>
+                  </a:ext>
+                </a:extLst>
+              </p:cNvPr>
               <p:cNvSpPr>
                 <a:spLocks/>
               </p:cNvSpPr>
@@ -7796,7 +5354,13 @@
         </p:grpSp>
         <p:grpSp>
           <p:nvGrpSpPr>
-            <p:cNvPr id="586" name="组合"/>
+            <p:cNvPr id="54" name="组合">
+              <a:extLst>
+                <a:ext uri="{FF2B5EF4-FFF2-40B4-BE49-F238E27FC236}">
+                  <a16:creationId xmlns:a16="http://schemas.microsoft.com/office/drawing/2014/main" id="{6535979D-701E-06FD-441E-E9969317C46B}"/>
+                </a:ext>
+              </a:extLst>
+            </p:cNvPr>
             <p:cNvGrpSpPr>
               <a:grpSpLocks/>
             </p:cNvGrpSpPr>
@@ -7812,7 +5376,13 @@
           </p:grpSpPr>
           <p:sp>
             <p:nvSpPr>
-              <p:cNvPr id="578" name="圆角矩形"/>
+              <p:cNvPr id="64" name="圆角矩形">
+                <a:extLst>
+                  <a:ext uri="{FF2B5EF4-FFF2-40B4-BE49-F238E27FC236}">
+                    <a16:creationId xmlns:a16="http://schemas.microsoft.com/office/drawing/2014/main" id="{9C40FD49-B241-0DE4-99C9-A7EFACCADB4E}"/>
+                  </a:ext>
+                </a:extLst>
+              </p:cNvPr>
               <p:cNvSpPr>
                 <a:spLocks/>
               </p:cNvSpPr>
@@ -7848,7 +5418,13 @@
           </p:sp>
           <p:sp>
             <p:nvSpPr>
-              <p:cNvPr id="579" name="圆角矩形"/>
+              <p:cNvPr id="65" name="圆角矩形">
+                <a:extLst>
+                  <a:ext uri="{FF2B5EF4-FFF2-40B4-BE49-F238E27FC236}">
+                    <a16:creationId xmlns:a16="http://schemas.microsoft.com/office/drawing/2014/main" id="{01F2BF0E-1C13-F396-6C67-9D1A049876B6}"/>
+                  </a:ext>
+                </a:extLst>
+              </p:cNvPr>
               <p:cNvSpPr>
                 <a:spLocks/>
               </p:cNvSpPr>
@@ -7896,7 +5472,13 @@
           </p:sp>
           <p:sp>
             <p:nvSpPr>
-              <p:cNvPr id="580" name="圆角矩形"/>
+              <p:cNvPr id="66" name="圆角矩形">
+                <a:extLst>
+                  <a:ext uri="{FF2B5EF4-FFF2-40B4-BE49-F238E27FC236}">
+                    <a16:creationId xmlns:a16="http://schemas.microsoft.com/office/drawing/2014/main" id="{F1EAFF6B-120C-1B95-8C11-C4D60806BBB2}"/>
+                  </a:ext>
+                </a:extLst>
+              </p:cNvPr>
               <p:cNvSpPr>
                 <a:spLocks/>
               </p:cNvSpPr>
@@ -7944,7 +5526,13 @@
           </p:sp>
           <p:sp>
             <p:nvSpPr>
-              <p:cNvPr id="581" name="圆角矩形"/>
+              <p:cNvPr id="67" name="圆角矩形">
+                <a:extLst>
+                  <a:ext uri="{FF2B5EF4-FFF2-40B4-BE49-F238E27FC236}">
+                    <a16:creationId xmlns:a16="http://schemas.microsoft.com/office/drawing/2014/main" id="{153547FF-36CB-E832-3CED-6835397D3439}"/>
+                  </a:ext>
+                </a:extLst>
+              </p:cNvPr>
               <p:cNvSpPr>
                 <a:spLocks/>
               </p:cNvSpPr>
@@ -7992,7 +5580,13 @@
           </p:sp>
           <p:sp>
             <p:nvSpPr>
-              <p:cNvPr id="582" name="圆角矩形"/>
+              <p:cNvPr id="68" name="圆角矩形">
+                <a:extLst>
+                  <a:ext uri="{FF2B5EF4-FFF2-40B4-BE49-F238E27FC236}">
+                    <a16:creationId xmlns:a16="http://schemas.microsoft.com/office/drawing/2014/main" id="{2549A851-1522-F1D9-0B45-A25140E06D5C}"/>
+                  </a:ext>
+                </a:extLst>
+              </p:cNvPr>
               <p:cNvSpPr>
                 <a:spLocks/>
               </p:cNvSpPr>
@@ -8040,7 +5634,13 @@
           </p:sp>
           <p:sp>
             <p:nvSpPr>
-              <p:cNvPr id="583" name="圆角矩形"/>
+              <p:cNvPr id="69" name="圆角矩形">
+                <a:extLst>
+                  <a:ext uri="{FF2B5EF4-FFF2-40B4-BE49-F238E27FC236}">
+                    <a16:creationId xmlns:a16="http://schemas.microsoft.com/office/drawing/2014/main" id="{41F7B458-F646-4087-08BF-044FFA016804}"/>
+                  </a:ext>
+                </a:extLst>
+              </p:cNvPr>
               <p:cNvSpPr>
                 <a:spLocks/>
               </p:cNvSpPr>
@@ -8088,7 +5688,13 @@
           </p:sp>
           <p:sp>
             <p:nvSpPr>
-              <p:cNvPr id="584" name="圆角矩形"/>
+              <p:cNvPr id="70" name="圆角矩形">
+                <a:extLst>
+                  <a:ext uri="{FF2B5EF4-FFF2-40B4-BE49-F238E27FC236}">
+                    <a16:creationId xmlns:a16="http://schemas.microsoft.com/office/drawing/2014/main" id="{303D0E19-2A95-8352-6DBF-E98406B7C9E5}"/>
+                  </a:ext>
+                </a:extLst>
+              </p:cNvPr>
               <p:cNvSpPr>
                 <a:spLocks/>
               </p:cNvSpPr>
@@ -8136,7 +5742,13 @@
           </p:sp>
           <p:sp>
             <p:nvSpPr>
-              <p:cNvPr id="585" name="矩形"/>
+              <p:cNvPr id="71" name="矩形">
+                <a:extLst>
+                  <a:ext uri="{FF2B5EF4-FFF2-40B4-BE49-F238E27FC236}">
+                    <a16:creationId xmlns:a16="http://schemas.microsoft.com/office/drawing/2014/main" id="{12F078C4-D527-DCD0-B8DE-CC221D75A81B}"/>
+                  </a:ext>
+                </a:extLst>
+              </p:cNvPr>
               <p:cNvSpPr>
                 <a:spLocks/>
               </p:cNvSpPr>
@@ -8181,7 +5793,13 @@
         </p:grpSp>
         <p:grpSp>
           <p:nvGrpSpPr>
-            <p:cNvPr id="595" name="组合"/>
+            <p:cNvPr id="55" name="组合">
+              <a:extLst>
+                <a:ext uri="{FF2B5EF4-FFF2-40B4-BE49-F238E27FC236}">
+                  <a16:creationId xmlns:a16="http://schemas.microsoft.com/office/drawing/2014/main" id="{D9C96B8A-5427-DC43-3FEB-B5867754919D}"/>
+                </a:ext>
+              </a:extLst>
+            </p:cNvPr>
             <p:cNvGrpSpPr>
               <a:grpSpLocks/>
             </p:cNvGrpSpPr>
@@ -8197,7 +5815,13 @@
           </p:grpSpPr>
           <p:sp>
             <p:nvSpPr>
-              <p:cNvPr id="587" name="圆角矩形"/>
+              <p:cNvPr id="56" name="圆角矩形">
+                <a:extLst>
+                  <a:ext uri="{FF2B5EF4-FFF2-40B4-BE49-F238E27FC236}">
+                    <a16:creationId xmlns:a16="http://schemas.microsoft.com/office/drawing/2014/main" id="{7257B763-EBDE-30A3-B6D3-2B8C2A51DD73}"/>
+                  </a:ext>
+                </a:extLst>
+              </p:cNvPr>
               <p:cNvSpPr>
                 <a:spLocks/>
               </p:cNvSpPr>
@@ -8233,7 +5857,13 @@
           </p:sp>
           <p:sp>
             <p:nvSpPr>
-              <p:cNvPr id="588" name="圆角矩形"/>
+              <p:cNvPr id="57" name="圆角矩形">
+                <a:extLst>
+                  <a:ext uri="{FF2B5EF4-FFF2-40B4-BE49-F238E27FC236}">
+                    <a16:creationId xmlns:a16="http://schemas.microsoft.com/office/drawing/2014/main" id="{2966BC50-8A8D-8526-EF6A-BD95010AC2B1}"/>
+                  </a:ext>
+                </a:extLst>
+              </p:cNvPr>
               <p:cNvSpPr>
                 <a:spLocks/>
               </p:cNvSpPr>
@@ -8281,7 +5911,13 @@
           </p:sp>
           <p:sp>
             <p:nvSpPr>
-              <p:cNvPr id="589" name="圆角矩形"/>
+              <p:cNvPr id="58" name="圆角矩形">
+                <a:extLst>
+                  <a:ext uri="{FF2B5EF4-FFF2-40B4-BE49-F238E27FC236}">
+                    <a16:creationId xmlns:a16="http://schemas.microsoft.com/office/drawing/2014/main" id="{7AC196E6-32C4-5FCF-2520-9D6514CB4A05}"/>
+                  </a:ext>
+                </a:extLst>
+              </p:cNvPr>
               <p:cNvSpPr>
                 <a:spLocks/>
               </p:cNvSpPr>
@@ -8329,7 +5965,13 @@
           </p:sp>
           <p:sp>
             <p:nvSpPr>
-              <p:cNvPr id="590" name="圆角矩形"/>
+              <p:cNvPr id="59" name="圆角矩形">
+                <a:extLst>
+                  <a:ext uri="{FF2B5EF4-FFF2-40B4-BE49-F238E27FC236}">
+                    <a16:creationId xmlns:a16="http://schemas.microsoft.com/office/drawing/2014/main" id="{4F72ECDD-875D-A897-5FC3-9BE00EC1F44A}"/>
+                  </a:ext>
+                </a:extLst>
+              </p:cNvPr>
               <p:cNvSpPr>
                 <a:spLocks/>
               </p:cNvSpPr>
@@ -8377,7 +6019,13 @@
           </p:sp>
           <p:sp>
             <p:nvSpPr>
-              <p:cNvPr id="591" name="圆角矩形"/>
+              <p:cNvPr id="60" name="圆角矩形">
+                <a:extLst>
+                  <a:ext uri="{FF2B5EF4-FFF2-40B4-BE49-F238E27FC236}">
+                    <a16:creationId xmlns:a16="http://schemas.microsoft.com/office/drawing/2014/main" id="{B955A733-91E2-AF1F-687E-B295E65FE214}"/>
+                  </a:ext>
+                </a:extLst>
+              </p:cNvPr>
               <p:cNvSpPr>
                 <a:spLocks/>
               </p:cNvSpPr>
@@ -8425,7 +6073,13 @@
           </p:sp>
           <p:sp>
             <p:nvSpPr>
-              <p:cNvPr id="592" name="圆角矩形"/>
+              <p:cNvPr id="61" name="圆角矩形">
+                <a:extLst>
+                  <a:ext uri="{FF2B5EF4-FFF2-40B4-BE49-F238E27FC236}">
+                    <a16:creationId xmlns:a16="http://schemas.microsoft.com/office/drawing/2014/main" id="{3974B4AA-78BA-A703-DD50-54B7BFC78CCD}"/>
+                  </a:ext>
+                </a:extLst>
+              </p:cNvPr>
               <p:cNvSpPr>
                 <a:spLocks/>
               </p:cNvSpPr>
@@ -8473,7 +6127,13 @@
           </p:sp>
           <p:sp>
             <p:nvSpPr>
-              <p:cNvPr id="593" name="圆角矩形"/>
+              <p:cNvPr id="62" name="圆角矩形">
+                <a:extLst>
+                  <a:ext uri="{FF2B5EF4-FFF2-40B4-BE49-F238E27FC236}">
+                    <a16:creationId xmlns:a16="http://schemas.microsoft.com/office/drawing/2014/main" id="{1D4A2A28-2682-7D5F-976D-F353E6E9EB26}"/>
+                  </a:ext>
+                </a:extLst>
+              </p:cNvPr>
               <p:cNvSpPr>
                 <a:spLocks/>
               </p:cNvSpPr>
@@ -8521,7 +6181,13 @@
           </p:sp>
           <p:sp>
             <p:nvSpPr>
-              <p:cNvPr id="594" name="矩形"/>
+              <p:cNvPr id="63" name="矩形">
+                <a:extLst>
+                  <a:ext uri="{FF2B5EF4-FFF2-40B4-BE49-F238E27FC236}">
+                    <a16:creationId xmlns:a16="http://schemas.microsoft.com/office/drawing/2014/main" id="{57A68488-36A5-BDAF-30F7-2609C1B4CA82}"/>
+                  </a:ext>
+                </a:extLst>
+              </p:cNvPr>
               <p:cNvSpPr>
                 <a:spLocks/>
               </p:cNvSpPr>
@@ -8567,7 +6233,13 @@
       </p:grpSp>
       <p:sp>
         <p:nvSpPr>
-          <p:cNvPr id="597" name="圆角矩形"/>
+          <p:cNvPr id="80" name="圆角矩形">
+            <a:extLst>
+              <a:ext uri="{FF2B5EF4-FFF2-40B4-BE49-F238E27FC236}">
+                <a16:creationId xmlns:a16="http://schemas.microsoft.com/office/drawing/2014/main" id="{C6D69A63-613F-C638-CFBB-EB212483A7E4}"/>
+              </a:ext>
+            </a:extLst>
+          </p:cNvPr>
           <p:cNvSpPr>
             <a:spLocks/>
           </p:cNvSpPr>
@@ -8607,11 +6279,17 @@
       </p:sp>
       <p:cxnSp>
         <p:nvCxnSpPr>
-          <p:cNvPr id="598" name="肘形连接线"/>
+          <p:cNvPr id="81" name="肘形连接线">
+            <a:extLst>
+              <a:ext uri="{FF2B5EF4-FFF2-40B4-BE49-F238E27FC236}">
+                <a16:creationId xmlns:a16="http://schemas.microsoft.com/office/drawing/2014/main" id="{7E2F699A-5D0C-17CF-2477-315A13EF6672}"/>
+              </a:ext>
+            </a:extLst>
+          </p:cNvPr>
           <p:cNvCxnSpPr>
             <a:cxnSpLocks/>
-            <a:stCxn id="522" idx="3"/>
-            <a:endCxn id="597" idx="1"/>
+            <a:stCxn id="7" idx="3"/>
+            <a:endCxn id="80" idx="1"/>
           </p:cNvCxnSpPr>
           <p:nvPr/>
         </p:nvCxnSpPr>
@@ -8638,11 +6316,17 @@
       </p:cxnSp>
       <p:cxnSp>
         <p:nvCxnSpPr>
-          <p:cNvPr id="600" name="肘形连接线"/>
+          <p:cNvPr id="82" name="肘形连接线">
+            <a:extLst>
+              <a:ext uri="{FF2B5EF4-FFF2-40B4-BE49-F238E27FC236}">
+                <a16:creationId xmlns:a16="http://schemas.microsoft.com/office/drawing/2014/main" id="{428FA073-8B53-4B3A-DD0B-0DE312E0338A}"/>
+              </a:ext>
+            </a:extLst>
+          </p:cNvPr>
           <p:cNvCxnSpPr>
             <a:cxnSpLocks/>
-            <a:stCxn id="558" idx="3"/>
-            <a:endCxn id="597" idx="1"/>
+            <a:stCxn id="43" idx="3"/>
+            <a:endCxn id="80" idx="1"/>
           </p:cNvCxnSpPr>
           <p:nvPr/>
         </p:nvCxnSpPr>
@@ -8669,7 +6353,13 @@
       </p:cxnSp>
       <p:sp>
         <p:nvSpPr>
-          <p:cNvPr id="601" name="矩形"/>
+          <p:cNvPr id="83" name="矩形">
+            <a:extLst>
+              <a:ext uri="{FF2B5EF4-FFF2-40B4-BE49-F238E27FC236}">
+                <a16:creationId xmlns:a16="http://schemas.microsoft.com/office/drawing/2014/main" id="{4C3C42A8-14DF-9C34-8B0D-8F0134DBE8DF}"/>
+              </a:ext>
+            </a:extLst>
+          </p:cNvPr>
           <p:cNvSpPr>
             <a:spLocks/>
           </p:cNvSpPr>
@@ -8903,10 +6593,10 @@
       </p:sp>
       <p:cxnSp>
         <p:nvCxnSpPr>
-          <p:cNvPr id="86" name="直线连接线">
+          <p:cNvPr id="84" name="直线连接线">
             <a:extLst>
               <a:ext uri="{FF2B5EF4-FFF2-40B4-BE49-F238E27FC236}">
-                <a16:creationId xmlns:a16="http://schemas.microsoft.com/office/drawing/2014/main" id="{0B0DA6EC-CA5A-4D9F-BA88-4383B0962A42}"/>
+                <a16:creationId xmlns:a16="http://schemas.microsoft.com/office/drawing/2014/main" id="{8D14A736-1282-9B84-DEA2-A93D460F9321}"/>
               </a:ext>
             </a:extLst>
           </p:cNvPr>
@@ -8936,17 +6626,17 @@
       </p:cxnSp>
       <p:cxnSp>
         <p:nvCxnSpPr>
-          <p:cNvPr id="89" name="直线连接线">
+          <p:cNvPr id="85" name="直线连接线">
             <a:extLst>
               <a:ext uri="{FF2B5EF4-FFF2-40B4-BE49-F238E27FC236}">
-                <a16:creationId xmlns:a16="http://schemas.microsoft.com/office/drawing/2014/main" id="{E6ABFCAA-6470-4A1C-BC67-2166E59B901D}"/>
+                <a16:creationId xmlns:a16="http://schemas.microsoft.com/office/drawing/2014/main" id="{1ECDB444-ED03-4AAC-6412-D35C4F8B5035}"/>
               </a:ext>
             </a:extLst>
           </p:cNvPr>
           <p:cNvCxnSpPr>
             <a:cxnSpLocks/>
-            <a:stCxn id="552" idx="2"/>
-            <a:endCxn id="563" idx="0"/>
+            <a:stCxn id="37" idx="2"/>
+            <a:endCxn id="48" idx="0"/>
           </p:cNvCxnSpPr>
           <p:nvPr/>
         </p:nvCxnSpPr>
@@ -8972,7 +6662,3332 @@
     </p:spTree>
     <p:extLst>
       <p:ext uri="{BB962C8B-B14F-4D97-AF65-F5344CB8AC3E}">
-        <p14:creationId xmlns:p14="http://schemas.microsoft.com/office/powerpoint/2010/main" val="936099929"/>
+        <p14:creationId xmlns:p14="http://schemas.microsoft.com/office/powerpoint/2010/main" val="2136770895"/>
+      </p:ext>
+    </p:extLst>
+  </p:cSld>
+  <p:clrMapOvr>
+    <a:masterClrMapping/>
+  </p:clrMapOvr>
+</p:sld>
+</file>
+
+<file path=ppt/slides/slide4.xml><?xml version="1.0" encoding="utf-8"?>
+<p:sld xmlns:a="http://schemas.openxmlformats.org/drawingml/2006/main" xmlns:r="http://schemas.openxmlformats.org/officeDocument/2006/relationships" xmlns:p="http://schemas.openxmlformats.org/presentationml/2006/main">
+  <p:cSld>
+    <p:spTree>
+      <p:nvGrpSpPr>
+        <p:cNvPr id="1" name=""/>
+        <p:cNvGrpSpPr/>
+        <p:nvPr/>
+      </p:nvGrpSpPr>
+      <p:grpSpPr>
+        <a:xfrm>
+          <a:off x="0" y="0"/>
+          <a:ext cx="0" cy="0"/>
+          <a:chOff x="0" y="0"/>
+          <a:chExt cx="0" cy="0"/>
+        </a:xfrm>
+      </p:grpSpPr>
+      <p:sp>
+        <p:nvSpPr>
+          <p:cNvPr id="4" name="矩形: 圆角 3">
+            <a:extLst>
+              <a:ext uri="{FF2B5EF4-FFF2-40B4-BE49-F238E27FC236}">
+                <a16:creationId xmlns:a16="http://schemas.microsoft.com/office/drawing/2014/main" id="{6910676A-A359-2A48-7477-263743EACC79}"/>
+              </a:ext>
+            </a:extLst>
+          </p:cNvPr>
+          <p:cNvSpPr/>
+          <p:nvPr/>
+        </p:nvSpPr>
+        <p:spPr>
+          <a:xfrm>
+            <a:off x="291000" y="4100315"/>
+            <a:ext cx="1530000" cy="360000"/>
+          </a:xfrm>
+          <a:prstGeom prst="roundRect">
+            <a:avLst/>
+          </a:prstGeom>
+          <a:solidFill>
+            <a:srgbClr val="FCE0E1"/>
+          </a:solidFill>
+          <a:ln w="38100">
+            <a:solidFill>
+              <a:schemeClr val="tx1"/>
+            </a:solidFill>
+          </a:ln>
+        </p:spPr>
+        <p:style>
+          <a:lnRef idx="2">
+            <a:schemeClr val="accent1">
+              <a:shade val="50000"/>
+            </a:schemeClr>
+          </a:lnRef>
+          <a:fillRef idx="1">
+            <a:schemeClr val="accent1"/>
+          </a:fillRef>
+          <a:effectRef idx="0">
+            <a:schemeClr val="accent1"/>
+          </a:effectRef>
+          <a:fontRef idx="minor">
+            <a:schemeClr val="lt1"/>
+          </a:fontRef>
+        </p:style>
+        <p:txBody>
+          <a:bodyPr rtlCol="0" anchor="ctr"/>
+          <a:lstStyle/>
+          <a:p>
+            <a:pPr algn="ctr"/>
+            <a:r>
+              <a:rPr lang="en-US" altLang="zh-CN" sz="1600">
+                <a:solidFill>
+                  <a:schemeClr val="tx1"/>
+                </a:solidFill>
+                <a:latin typeface="MS Reference Sans Serif" panose="020B0604030504040204" pitchFamily="34" charset="0"/>
+                <a:ea typeface="微软雅黑" panose="020B0503020204020204" pitchFamily="34" charset="-122"/>
+                <a:cs typeface="Calibri" panose="020F0502020204030204" pitchFamily="34" charset="0"/>
+              </a:rPr>
+              <a:t>6</a:t>
+            </a:r>
+            <a:endParaRPr lang="zh-CN" altLang="en-US" sz="1600">
+              <a:solidFill>
+                <a:schemeClr val="tx1"/>
+              </a:solidFill>
+              <a:latin typeface="MS Reference Sans Serif" panose="020B0604030504040204" pitchFamily="34" charset="0"/>
+              <a:ea typeface="微软雅黑" panose="020B0503020204020204" pitchFamily="34" charset="-122"/>
+              <a:cs typeface="Calibri" panose="020F0502020204030204" pitchFamily="34" charset="0"/>
+            </a:endParaRPr>
+          </a:p>
+        </p:txBody>
+      </p:sp>
+      <p:sp>
+        <p:nvSpPr>
+          <p:cNvPr id="5" name="矩形: 圆角 4">
+            <a:extLst>
+              <a:ext uri="{FF2B5EF4-FFF2-40B4-BE49-F238E27FC236}">
+                <a16:creationId xmlns:a16="http://schemas.microsoft.com/office/drawing/2014/main" id="{ACEE7C1E-6E52-5ECD-C018-0123C83BC8CA}"/>
+              </a:ext>
+            </a:extLst>
+          </p:cNvPr>
+          <p:cNvSpPr/>
+          <p:nvPr/>
+        </p:nvSpPr>
+        <p:spPr>
+          <a:xfrm>
+            <a:off x="291000" y="3351542"/>
+            <a:ext cx="1530000" cy="360000"/>
+          </a:xfrm>
+          <a:prstGeom prst="roundRect">
+            <a:avLst/>
+          </a:prstGeom>
+          <a:solidFill>
+            <a:srgbClr val="FFE2BB"/>
+          </a:solidFill>
+          <a:ln w="38100">
+            <a:solidFill>
+              <a:schemeClr val="tx1"/>
+            </a:solidFill>
+          </a:ln>
+        </p:spPr>
+        <p:style>
+          <a:lnRef idx="2">
+            <a:schemeClr val="accent1">
+              <a:shade val="50000"/>
+            </a:schemeClr>
+          </a:lnRef>
+          <a:fillRef idx="1">
+            <a:schemeClr val="accent1"/>
+          </a:fillRef>
+          <a:effectRef idx="0">
+            <a:schemeClr val="accent1"/>
+          </a:effectRef>
+          <a:fontRef idx="minor">
+            <a:schemeClr val="lt1"/>
+          </a:fontRef>
+        </p:style>
+        <p:txBody>
+          <a:bodyPr rtlCol="0" anchor="ctr"/>
+          <a:lstStyle/>
+          <a:p>
+            <a:pPr algn="ctr"/>
+            <a:r>
+              <a:rPr lang="en-US" altLang="zh-CN" sz="1600">
+                <a:solidFill>
+                  <a:schemeClr val="tx1"/>
+                </a:solidFill>
+                <a:latin typeface="MS Reference Sans Serif" panose="020B0604030504040204" pitchFamily="34" charset="0"/>
+                <a:ea typeface="微软雅黑" panose="020B0503020204020204" pitchFamily="34" charset="-122"/>
+                <a:cs typeface="Microsoft Sans Serif" panose="020B0604020202020204" pitchFamily="34" charset="0"/>
+              </a:rPr>
+              <a:t>5</a:t>
+            </a:r>
+            <a:endParaRPr lang="zh-CN" altLang="en-US" sz="1600">
+              <a:solidFill>
+                <a:schemeClr val="tx1"/>
+              </a:solidFill>
+              <a:latin typeface="MS Reference Sans Serif" panose="020B0604030504040204" pitchFamily="34" charset="0"/>
+              <a:ea typeface="微软雅黑" panose="020B0503020204020204" pitchFamily="34" charset="-122"/>
+              <a:cs typeface="Microsoft Sans Serif" panose="020B0604020202020204" pitchFamily="34" charset="0"/>
+            </a:endParaRPr>
+          </a:p>
+        </p:txBody>
+      </p:sp>
+      <p:sp>
+        <p:nvSpPr>
+          <p:cNvPr id="6" name="矩形: 圆角 5">
+            <a:extLst>
+              <a:ext uri="{FF2B5EF4-FFF2-40B4-BE49-F238E27FC236}">
+                <a16:creationId xmlns:a16="http://schemas.microsoft.com/office/drawing/2014/main" id="{4B9DE740-D00B-52B0-36FB-91938395B799}"/>
+              </a:ext>
+            </a:extLst>
+          </p:cNvPr>
+          <p:cNvSpPr/>
+          <p:nvPr/>
+        </p:nvSpPr>
+        <p:spPr>
+          <a:xfrm>
+            <a:off x="291000" y="1854000"/>
+            <a:ext cx="1530000" cy="360000"/>
+          </a:xfrm>
+          <a:prstGeom prst="roundRect">
+            <a:avLst/>
+          </a:prstGeom>
+          <a:solidFill>
+            <a:srgbClr val="C1E7F6"/>
+          </a:solidFill>
+          <a:ln w="38100">
+            <a:solidFill>
+              <a:schemeClr val="tx1"/>
+            </a:solidFill>
+          </a:ln>
+        </p:spPr>
+        <p:style>
+          <a:lnRef idx="2">
+            <a:schemeClr val="accent1">
+              <a:shade val="50000"/>
+            </a:schemeClr>
+          </a:lnRef>
+          <a:fillRef idx="1">
+            <a:schemeClr val="accent1"/>
+          </a:fillRef>
+          <a:effectRef idx="0">
+            <a:schemeClr val="accent1"/>
+          </a:effectRef>
+          <a:fontRef idx="minor">
+            <a:schemeClr val="lt1"/>
+          </a:fontRef>
+        </p:style>
+        <p:txBody>
+          <a:bodyPr rtlCol="0" anchor="ctr"/>
+          <a:lstStyle/>
+          <a:p>
+            <a:pPr algn="ctr"/>
+            <a:r>
+              <a:rPr lang="en-US" altLang="zh-CN" sz="1600">
+                <a:solidFill>
+                  <a:schemeClr val="tx1"/>
+                </a:solidFill>
+                <a:latin typeface="MS Reference Sans Serif" panose="020B0604030504040204" pitchFamily="34" charset="0"/>
+                <a:ea typeface="微软雅黑" panose="020B0503020204020204" pitchFamily="34" charset="-122"/>
+                <a:cs typeface="Microsoft Sans Serif" panose="020B0604020202020204" pitchFamily="34" charset="0"/>
+              </a:rPr>
+              <a:t>4</a:t>
+            </a:r>
+            <a:endParaRPr lang="zh-CN" altLang="en-US" sz="1600">
+              <a:solidFill>
+                <a:schemeClr val="tx1"/>
+              </a:solidFill>
+              <a:latin typeface="MS Reference Sans Serif" panose="020B0604030504040204" pitchFamily="34" charset="0"/>
+              <a:ea typeface="微软雅黑" panose="020B0503020204020204" pitchFamily="34" charset="-122"/>
+              <a:cs typeface="Microsoft Sans Serif" panose="020B0604020202020204" pitchFamily="34" charset="0"/>
+            </a:endParaRPr>
+          </a:p>
+        </p:txBody>
+      </p:sp>
+      <p:sp>
+        <p:nvSpPr>
+          <p:cNvPr id="7" name="矩形: 圆角 6">
+            <a:extLst>
+              <a:ext uri="{FF2B5EF4-FFF2-40B4-BE49-F238E27FC236}">
+                <a16:creationId xmlns:a16="http://schemas.microsoft.com/office/drawing/2014/main" id="{FEF56B4D-3157-B016-EFDC-3ED15A488212}"/>
+              </a:ext>
+            </a:extLst>
+          </p:cNvPr>
+          <p:cNvSpPr/>
+          <p:nvPr/>
+        </p:nvSpPr>
+        <p:spPr>
+          <a:xfrm>
+            <a:off x="291000" y="2602771"/>
+            <a:ext cx="1530000" cy="360000"/>
+          </a:xfrm>
+          <a:prstGeom prst="roundRect">
+            <a:avLst/>
+          </a:prstGeom>
+          <a:solidFill>
+            <a:srgbClr val="F1F3C0"/>
+          </a:solidFill>
+          <a:ln w="38100">
+            <a:solidFill>
+              <a:schemeClr val="tx1"/>
+            </a:solidFill>
+          </a:ln>
+        </p:spPr>
+        <p:style>
+          <a:lnRef idx="2">
+            <a:schemeClr val="accent1">
+              <a:shade val="50000"/>
+            </a:schemeClr>
+          </a:lnRef>
+          <a:fillRef idx="1">
+            <a:schemeClr val="accent1"/>
+          </a:fillRef>
+          <a:effectRef idx="0">
+            <a:schemeClr val="accent1"/>
+          </a:effectRef>
+          <a:fontRef idx="minor">
+            <a:schemeClr val="lt1"/>
+          </a:fontRef>
+        </p:style>
+        <p:txBody>
+          <a:bodyPr rtlCol="0" anchor="ctr"/>
+          <a:lstStyle/>
+          <a:p>
+            <a:pPr algn="ctr"/>
+            <a:r>
+              <a:rPr lang="en-US" altLang="zh-CN" sz="1600">
+                <a:solidFill>
+                  <a:schemeClr val="tx1"/>
+                </a:solidFill>
+                <a:latin typeface="微软雅黑" panose="020B0503020204020204" pitchFamily="34" charset="-122"/>
+                <a:ea typeface="微软雅黑" panose="020B0503020204020204" pitchFamily="34" charset="-122"/>
+                <a:cs typeface="Microsoft Sans Serif" panose="020B0604020202020204" pitchFamily="34" charset="0"/>
+              </a:rPr>
+              <a:t>3</a:t>
+            </a:r>
+            <a:endParaRPr lang="zh-CN" altLang="en-US" sz="1600">
+              <a:solidFill>
+                <a:schemeClr val="tx1"/>
+              </a:solidFill>
+              <a:latin typeface="微软雅黑" panose="020B0503020204020204" pitchFamily="34" charset="-122"/>
+              <a:ea typeface="微软雅黑" panose="020B0503020204020204" pitchFamily="34" charset="-122"/>
+              <a:cs typeface="Microsoft Sans Serif" panose="020B0604020202020204" pitchFamily="34" charset="0"/>
+            </a:endParaRPr>
+          </a:p>
+        </p:txBody>
+      </p:sp>
+      <p:sp>
+        <p:nvSpPr>
+          <p:cNvPr id="8" name="矩形: 圆角 7">
+            <a:extLst>
+              <a:ext uri="{FF2B5EF4-FFF2-40B4-BE49-F238E27FC236}">
+                <a16:creationId xmlns:a16="http://schemas.microsoft.com/office/drawing/2014/main" id="{0A373EA6-40F3-CB46-F757-0F357B065347}"/>
+              </a:ext>
+            </a:extLst>
+          </p:cNvPr>
+          <p:cNvSpPr/>
+          <p:nvPr/>
+        </p:nvSpPr>
+        <p:spPr>
+          <a:xfrm>
+            <a:off x="291000" y="1105229"/>
+            <a:ext cx="1530000" cy="360000"/>
+          </a:xfrm>
+          <a:prstGeom prst="roundRect">
+            <a:avLst/>
+          </a:prstGeom>
+          <a:solidFill>
+            <a:srgbClr val="DADEEE"/>
+          </a:solidFill>
+          <a:ln w="38100">
+            <a:solidFill>
+              <a:schemeClr val="tx1"/>
+            </a:solidFill>
+          </a:ln>
+        </p:spPr>
+        <p:style>
+          <a:lnRef idx="2">
+            <a:schemeClr val="accent1">
+              <a:shade val="50000"/>
+            </a:schemeClr>
+          </a:lnRef>
+          <a:fillRef idx="1">
+            <a:schemeClr val="accent1"/>
+          </a:fillRef>
+          <a:effectRef idx="0">
+            <a:schemeClr val="accent1"/>
+          </a:effectRef>
+          <a:fontRef idx="minor">
+            <a:schemeClr val="lt1"/>
+          </a:fontRef>
+        </p:style>
+        <p:txBody>
+          <a:bodyPr rtlCol="0" anchor="ctr"/>
+          <a:lstStyle/>
+          <a:p>
+            <a:pPr algn="ctr"/>
+            <a:r>
+              <a:rPr lang="en-US" altLang="zh-CN" sz="1600">
+                <a:solidFill>
+                  <a:schemeClr val="tx1"/>
+                </a:solidFill>
+                <a:latin typeface="MS Reference Sans Serif" panose="020B0604030504040204" pitchFamily="34" charset="0"/>
+                <a:ea typeface="微软雅黑" panose="020B0503020204020204" pitchFamily="34" charset="-122"/>
+                <a:cs typeface="Microsoft Sans Serif" panose="020B0604020202020204" pitchFamily="34" charset="0"/>
+              </a:rPr>
+              <a:t>2</a:t>
+            </a:r>
+            <a:endParaRPr lang="zh-CN" altLang="en-US" sz="1600">
+              <a:solidFill>
+                <a:schemeClr val="tx1"/>
+              </a:solidFill>
+              <a:latin typeface="MS Reference Sans Serif" panose="020B0604030504040204" pitchFamily="34" charset="0"/>
+              <a:ea typeface="微软雅黑" panose="020B0503020204020204" pitchFamily="34" charset="-122"/>
+              <a:cs typeface="Microsoft Sans Serif" panose="020B0604020202020204" pitchFamily="34" charset="0"/>
+            </a:endParaRPr>
+          </a:p>
+        </p:txBody>
+      </p:sp>
+      <p:sp>
+        <p:nvSpPr>
+          <p:cNvPr id="9" name="矩形: 圆角 8">
+            <a:extLst>
+              <a:ext uri="{FF2B5EF4-FFF2-40B4-BE49-F238E27FC236}">
+                <a16:creationId xmlns:a16="http://schemas.microsoft.com/office/drawing/2014/main" id="{BC147DFC-6059-FF32-6C1A-21ACEF04D179}"/>
+              </a:ext>
+            </a:extLst>
+          </p:cNvPr>
+          <p:cNvSpPr/>
+          <p:nvPr/>
+        </p:nvSpPr>
+        <p:spPr>
+          <a:xfrm>
+            <a:off x="291000" y="356458"/>
+            <a:ext cx="1530000" cy="360000"/>
+          </a:xfrm>
+          <a:prstGeom prst="roundRect">
+            <a:avLst/>
+          </a:prstGeom>
+          <a:solidFill>
+            <a:srgbClr val="CCE7CF"/>
+          </a:solidFill>
+          <a:ln w="38100">
+            <a:solidFill>
+              <a:schemeClr val="tx1"/>
+            </a:solidFill>
+          </a:ln>
+        </p:spPr>
+        <p:style>
+          <a:lnRef idx="2">
+            <a:schemeClr val="accent1">
+              <a:shade val="50000"/>
+            </a:schemeClr>
+          </a:lnRef>
+          <a:fillRef idx="1">
+            <a:schemeClr val="accent1"/>
+          </a:fillRef>
+          <a:effectRef idx="0">
+            <a:schemeClr val="accent1"/>
+          </a:effectRef>
+          <a:fontRef idx="minor">
+            <a:schemeClr val="lt1"/>
+          </a:fontRef>
+        </p:style>
+        <p:txBody>
+          <a:bodyPr rtlCol="0" anchor="ctr"/>
+          <a:lstStyle/>
+          <a:p>
+            <a:pPr algn="ctr"/>
+            <a:r>
+              <a:rPr lang="en-US" altLang="zh-CN" sz="1600">
+                <a:solidFill>
+                  <a:schemeClr val="tx1"/>
+                </a:solidFill>
+                <a:latin typeface="MS Reference Sans Serif" panose="020B0604030504040204" pitchFamily="34" charset="0"/>
+                <a:ea typeface="微软雅黑" panose="020B0503020204020204" pitchFamily="34" charset="-122"/>
+                <a:cs typeface="Microsoft Sans Serif" panose="020B0604020202020204" pitchFamily="34" charset="0"/>
+              </a:rPr>
+              <a:t>1</a:t>
+            </a:r>
+            <a:endParaRPr lang="zh-CN" altLang="en-US" sz="1600">
+              <a:solidFill>
+                <a:schemeClr val="tx1"/>
+              </a:solidFill>
+              <a:latin typeface="MS Reference Sans Serif" panose="020B0604030504040204" pitchFamily="34" charset="0"/>
+              <a:ea typeface="微软雅黑" panose="020B0503020204020204" pitchFamily="34" charset="-122"/>
+              <a:cs typeface="Microsoft Sans Serif" panose="020B0604020202020204" pitchFamily="34" charset="0"/>
+            </a:endParaRPr>
+          </a:p>
+        </p:txBody>
+      </p:sp>
+      <p:sp>
+        <p:nvSpPr>
+          <p:cNvPr id="10" name="矩形: 圆角 9">
+            <a:extLst>
+              <a:ext uri="{FF2B5EF4-FFF2-40B4-BE49-F238E27FC236}">
+                <a16:creationId xmlns:a16="http://schemas.microsoft.com/office/drawing/2014/main" id="{E4A5D1C9-463F-AD1B-28BA-23F02FFD91B1}"/>
+              </a:ext>
+            </a:extLst>
+          </p:cNvPr>
+          <p:cNvSpPr/>
+          <p:nvPr/>
+        </p:nvSpPr>
+        <p:spPr>
+          <a:xfrm>
+            <a:off x="2271000" y="356458"/>
+            <a:ext cx="1530000" cy="360000"/>
+          </a:xfrm>
+          <a:prstGeom prst="roundRect">
+            <a:avLst/>
+          </a:prstGeom>
+          <a:solidFill>
+            <a:srgbClr val="CCE7CF"/>
+          </a:solidFill>
+          <a:ln w="38100">
+            <a:solidFill>
+              <a:schemeClr val="tx1"/>
+            </a:solidFill>
+          </a:ln>
+        </p:spPr>
+        <p:style>
+          <a:lnRef idx="2">
+            <a:schemeClr val="accent1">
+              <a:shade val="50000"/>
+            </a:schemeClr>
+          </a:lnRef>
+          <a:fillRef idx="1">
+            <a:schemeClr val="accent1"/>
+          </a:fillRef>
+          <a:effectRef idx="0">
+            <a:schemeClr val="accent1"/>
+          </a:effectRef>
+          <a:fontRef idx="minor">
+            <a:schemeClr val="lt1"/>
+          </a:fontRef>
+        </p:style>
+        <p:txBody>
+          <a:bodyPr rtlCol="0" anchor="ctr"/>
+          <a:lstStyle/>
+          <a:p>
+            <a:pPr algn="ctr"/>
+            <a:r>
+              <a:rPr lang="zh-CN" altLang="en-US" sz="1600">
+                <a:solidFill>
+                  <a:schemeClr val="tx1"/>
+                </a:solidFill>
+                <a:latin typeface="MS Reference Sans Serif" panose="020B0604030504040204" pitchFamily="34" charset="0"/>
+                <a:ea typeface="微软雅黑" panose="020B0503020204020204" pitchFamily="34" charset="-122"/>
+                <a:cs typeface="Microsoft Sans Serif" panose="020B0604020202020204" pitchFamily="34" charset="0"/>
+              </a:rPr>
+              <a:t>你好</a:t>
+            </a:r>
+          </a:p>
+        </p:txBody>
+      </p:sp>
+      <p:sp>
+        <p:nvSpPr>
+          <p:cNvPr id="11" name="矩形: 圆角 10">
+            <a:extLst>
+              <a:ext uri="{FF2B5EF4-FFF2-40B4-BE49-F238E27FC236}">
+                <a16:creationId xmlns:a16="http://schemas.microsoft.com/office/drawing/2014/main" id="{3F9768FA-EF8E-2518-B303-56F40CBF9CDF}"/>
+              </a:ext>
+            </a:extLst>
+          </p:cNvPr>
+          <p:cNvSpPr/>
+          <p:nvPr/>
+        </p:nvSpPr>
+        <p:spPr>
+          <a:xfrm>
+            <a:off x="4251000" y="356458"/>
+            <a:ext cx="1530000" cy="360000"/>
+          </a:xfrm>
+          <a:prstGeom prst="roundRect">
+            <a:avLst/>
+          </a:prstGeom>
+          <a:solidFill>
+            <a:srgbClr val="CCE7CF"/>
+          </a:solidFill>
+          <a:ln w="38100">
+            <a:solidFill>
+              <a:schemeClr val="tx1"/>
+            </a:solidFill>
+          </a:ln>
+        </p:spPr>
+        <p:style>
+          <a:lnRef idx="2">
+            <a:schemeClr val="accent1">
+              <a:shade val="50000"/>
+            </a:schemeClr>
+          </a:lnRef>
+          <a:fillRef idx="1">
+            <a:schemeClr val="accent1"/>
+          </a:fillRef>
+          <a:effectRef idx="0">
+            <a:schemeClr val="accent1"/>
+          </a:effectRef>
+          <a:fontRef idx="minor">
+            <a:schemeClr val="lt1"/>
+          </a:fontRef>
+        </p:style>
+        <p:txBody>
+          <a:bodyPr rtlCol="0" anchor="ctr"/>
+          <a:lstStyle/>
+          <a:p>
+            <a:pPr algn="ctr"/>
+            <a:r>
+              <a:rPr lang="en-US" altLang="zh-CN" sz="1600">
+                <a:solidFill>
+                  <a:schemeClr val="tx1"/>
+                </a:solidFill>
+                <a:latin typeface="MS Reference Sans Serif" panose="020B0604030504040204" pitchFamily="34" charset="0"/>
+                <a:ea typeface="微软雅黑" panose="020B0503020204020204" pitchFamily="34" charset="-122"/>
+                <a:cs typeface="Microsoft Sans Serif" panose="020B0604020202020204" pitchFamily="34" charset="0"/>
+              </a:rPr>
+              <a:t>hello</a:t>
+            </a:r>
+            <a:endParaRPr lang="zh-CN" altLang="en-US" sz="1600">
+              <a:solidFill>
+                <a:schemeClr val="tx1"/>
+              </a:solidFill>
+              <a:latin typeface="MS Reference Sans Serif" panose="020B0604030504040204" pitchFamily="34" charset="0"/>
+              <a:ea typeface="微软雅黑" panose="020B0503020204020204" pitchFamily="34" charset="-122"/>
+              <a:cs typeface="Microsoft Sans Serif" panose="020B0604020202020204" pitchFamily="34" charset="0"/>
+            </a:endParaRPr>
+          </a:p>
+        </p:txBody>
+      </p:sp>
+      <p:graphicFrame>
+        <p:nvGraphicFramePr>
+          <p:cNvPr id="12" name="表格 22">
+            <a:extLst>
+              <a:ext uri="{FF2B5EF4-FFF2-40B4-BE49-F238E27FC236}">
+                <a16:creationId xmlns:a16="http://schemas.microsoft.com/office/drawing/2014/main" id="{817069DB-1725-5A8A-809F-90366AE4BE0B}"/>
+              </a:ext>
+            </a:extLst>
+          </p:cNvPr>
+          <p:cNvGraphicFramePr>
+            <a:graphicFrameLocks noGrp="1"/>
+          </p:cNvGraphicFramePr>
+          <p:nvPr>
+            <p:extLst>
+              <p:ext uri="{D42A27DB-BD31-4B8C-83A1-F6EECF244321}">
+                <p14:modId xmlns:p14="http://schemas.microsoft.com/office/powerpoint/2010/main" val="3933005558"/>
+              </p:ext>
+            </p:extLst>
+          </p:nvPr>
+        </p:nvGraphicFramePr>
+        <p:xfrm>
+          <a:off x="3936000" y="2248502"/>
+          <a:ext cx="1305000" cy="1463040"/>
+        </p:xfrm>
+        <a:graphic>
+          <a:graphicData uri="http://schemas.openxmlformats.org/drawingml/2006/table">
+            <a:tbl>
+              <a:tblPr firstRow="1" bandRow="1">
+                <a:tableStyleId>{FABFCF23-3B69-468F-B69F-88F6DE6A72F2}</a:tableStyleId>
+              </a:tblPr>
+              <a:tblGrid>
+                <a:gridCol w="435000">
+                  <a:extLst>
+                    <a:ext uri="{9D8B030D-6E8A-4147-A177-3AD203B41FA5}">
+                      <a16:colId xmlns:a16="http://schemas.microsoft.com/office/drawing/2014/main" val="169088780"/>
+                    </a:ext>
+                  </a:extLst>
+                </a:gridCol>
+                <a:gridCol w="435000">
+                  <a:extLst>
+                    <a:ext uri="{9D8B030D-6E8A-4147-A177-3AD203B41FA5}">
+                      <a16:colId xmlns:a16="http://schemas.microsoft.com/office/drawing/2014/main" val="3084083932"/>
+                    </a:ext>
+                  </a:extLst>
+                </a:gridCol>
+                <a:gridCol w="435000">
+                  <a:extLst>
+                    <a:ext uri="{9D8B030D-6E8A-4147-A177-3AD203B41FA5}">
+                      <a16:colId xmlns:a16="http://schemas.microsoft.com/office/drawing/2014/main" val="4077435083"/>
+                    </a:ext>
+                  </a:extLst>
+                </a:gridCol>
+              </a:tblGrid>
+              <a:tr h="292500">
+                <a:tc>
+                  <a:txBody>
+                    <a:bodyPr/>
+                    <a:lstStyle/>
+                    <a:p>
+                      <a:endParaRPr lang="zh-CN" altLang="en-US"/>
+                    </a:p>
+                  </a:txBody>
+                  <a:tcPr>
+                    <a:lnL w="12700" cap="flat" cmpd="sng" algn="ctr">
+                      <a:solidFill>
+                        <a:schemeClr val="tx1"/>
+                      </a:solidFill>
+                      <a:prstDash val="solid"/>
+                      <a:round/>
+                      <a:headEnd type="none" w="med" len="med"/>
+                      <a:tailEnd type="none" w="med" len="med"/>
+                    </a:lnL>
+                    <a:lnR w="12700" cap="flat" cmpd="sng" algn="ctr">
+                      <a:solidFill>
+                        <a:schemeClr val="tx1"/>
+                      </a:solidFill>
+                      <a:prstDash val="solid"/>
+                      <a:round/>
+                      <a:headEnd type="none" w="med" len="med"/>
+                      <a:tailEnd type="none" w="med" len="med"/>
+                    </a:lnR>
+                    <a:lnT w="12700" cap="flat" cmpd="sng" algn="ctr">
+                      <a:solidFill>
+                        <a:schemeClr val="tx1"/>
+                      </a:solidFill>
+                      <a:prstDash val="solid"/>
+                      <a:round/>
+                      <a:headEnd type="none" w="med" len="med"/>
+                      <a:tailEnd type="none" w="med" len="med"/>
+                    </a:lnT>
+                    <a:lnB w="12700" cap="flat" cmpd="sng" algn="ctr">
+                      <a:solidFill>
+                        <a:schemeClr val="tx1"/>
+                      </a:solidFill>
+                      <a:prstDash val="solid"/>
+                      <a:round/>
+                      <a:headEnd type="none" w="med" len="med"/>
+                      <a:tailEnd type="none" w="med" len="med"/>
+                    </a:lnB>
+                  </a:tcPr>
+                </a:tc>
+                <a:tc>
+                  <a:txBody>
+                    <a:bodyPr/>
+                    <a:lstStyle/>
+                    <a:p>
+                      <a:endParaRPr lang="zh-CN" altLang="en-US"/>
+                    </a:p>
+                  </a:txBody>
+                  <a:tcPr>
+                    <a:lnL w="12700" cap="flat" cmpd="sng" algn="ctr">
+                      <a:solidFill>
+                        <a:schemeClr val="tx1"/>
+                      </a:solidFill>
+                      <a:prstDash val="solid"/>
+                      <a:round/>
+                      <a:headEnd type="none" w="med" len="med"/>
+                      <a:tailEnd type="none" w="med" len="med"/>
+                    </a:lnL>
+                    <a:lnR w="12700" cap="flat" cmpd="sng" algn="ctr">
+                      <a:solidFill>
+                        <a:schemeClr val="tx1"/>
+                      </a:solidFill>
+                      <a:prstDash val="solid"/>
+                      <a:round/>
+                      <a:headEnd type="none" w="med" len="med"/>
+                      <a:tailEnd type="none" w="med" len="med"/>
+                    </a:lnR>
+                    <a:lnT w="12700" cap="flat" cmpd="sng" algn="ctr">
+                      <a:solidFill>
+                        <a:schemeClr val="tx1"/>
+                      </a:solidFill>
+                      <a:prstDash val="solid"/>
+                      <a:round/>
+                      <a:headEnd type="none" w="med" len="med"/>
+                      <a:tailEnd type="none" w="med" len="med"/>
+                    </a:lnT>
+                    <a:lnB w="12700" cap="flat" cmpd="sng" algn="ctr">
+                      <a:solidFill>
+                        <a:schemeClr val="tx1"/>
+                      </a:solidFill>
+                      <a:prstDash val="solid"/>
+                      <a:round/>
+                      <a:headEnd type="none" w="med" len="med"/>
+                      <a:tailEnd type="none" w="med" len="med"/>
+                    </a:lnB>
+                  </a:tcPr>
+                </a:tc>
+                <a:tc>
+                  <a:txBody>
+                    <a:bodyPr/>
+                    <a:lstStyle/>
+                    <a:p>
+                      <a:endParaRPr lang="zh-CN" altLang="en-US"/>
+                    </a:p>
+                  </a:txBody>
+                  <a:tcPr>
+                    <a:lnL w="12700" cap="flat" cmpd="sng" algn="ctr">
+                      <a:solidFill>
+                        <a:schemeClr val="tx1"/>
+                      </a:solidFill>
+                      <a:prstDash val="solid"/>
+                      <a:round/>
+                      <a:headEnd type="none" w="med" len="med"/>
+                      <a:tailEnd type="none" w="med" len="med"/>
+                    </a:lnL>
+                    <a:lnR w="12700" cap="flat" cmpd="sng" algn="ctr">
+                      <a:solidFill>
+                        <a:schemeClr val="tx1"/>
+                      </a:solidFill>
+                      <a:prstDash val="solid"/>
+                      <a:round/>
+                      <a:headEnd type="none" w="med" len="med"/>
+                      <a:tailEnd type="none" w="med" len="med"/>
+                    </a:lnR>
+                    <a:lnT w="12700" cap="flat" cmpd="sng" algn="ctr">
+                      <a:solidFill>
+                        <a:schemeClr val="tx1"/>
+                      </a:solidFill>
+                      <a:prstDash val="solid"/>
+                      <a:round/>
+                      <a:headEnd type="none" w="med" len="med"/>
+                      <a:tailEnd type="none" w="med" len="med"/>
+                    </a:lnT>
+                    <a:lnB w="12700" cap="flat" cmpd="sng" algn="ctr">
+                      <a:solidFill>
+                        <a:schemeClr val="tx1"/>
+                      </a:solidFill>
+                      <a:prstDash val="solid"/>
+                      <a:round/>
+                      <a:headEnd type="none" w="med" len="med"/>
+                      <a:tailEnd type="none" w="med" len="med"/>
+                    </a:lnB>
+                  </a:tcPr>
+                </a:tc>
+                <a:extLst>
+                  <a:ext uri="{0D108BD9-81ED-4DB2-BD59-A6C34878D82A}">
+                    <a16:rowId xmlns:a16="http://schemas.microsoft.com/office/drawing/2014/main" val="3980512520"/>
+                  </a:ext>
+                </a:extLst>
+              </a:tr>
+              <a:tr h="292500">
+                <a:tc>
+                  <a:txBody>
+                    <a:bodyPr/>
+                    <a:lstStyle/>
+                    <a:p>
+                      <a:endParaRPr lang="zh-CN" altLang="en-US"/>
+                    </a:p>
+                  </a:txBody>
+                  <a:tcPr>
+                    <a:lnL w="12700" cap="flat" cmpd="sng" algn="ctr">
+                      <a:solidFill>
+                        <a:schemeClr val="tx1"/>
+                      </a:solidFill>
+                      <a:prstDash val="solid"/>
+                      <a:round/>
+                      <a:headEnd type="none" w="med" len="med"/>
+                      <a:tailEnd type="none" w="med" len="med"/>
+                    </a:lnL>
+                    <a:lnR w="12700" cap="flat" cmpd="sng" algn="ctr">
+                      <a:solidFill>
+                        <a:schemeClr val="tx1"/>
+                      </a:solidFill>
+                      <a:prstDash val="solid"/>
+                      <a:round/>
+                      <a:headEnd type="none" w="med" len="med"/>
+                      <a:tailEnd type="none" w="med" len="med"/>
+                    </a:lnR>
+                    <a:lnT w="12700" cap="flat" cmpd="sng" algn="ctr">
+                      <a:solidFill>
+                        <a:schemeClr val="tx1"/>
+                      </a:solidFill>
+                      <a:prstDash val="solid"/>
+                      <a:round/>
+                      <a:headEnd type="none" w="med" len="med"/>
+                      <a:tailEnd type="none" w="med" len="med"/>
+                    </a:lnT>
+                    <a:lnB w="12700" cap="flat" cmpd="sng" algn="ctr">
+                      <a:solidFill>
+                        <a:schemeClr val="tx1"/>
+                      </a:solidFill>
+                      <a:prstDash val="solid"/>
+                      <a:round/>
+                      <a:headEnd type="none" w="med" len="med"/>
+                      <a:tailEnd type="none" w="med" len="med"/>
+                    </a:lnB>
+                  </a:tcPr>
+                </a:tc>
+                <a:tc>
+                  <a:txBody>
+                    <a:bodyPr/>
+                    <a:lstStyle/>
+                    <a:p>
+                      <a:endParaRPr lang="zh-CN" altLang="en-US"/>
+                    </a:p>
+                  </a:txBody>
+                  <a:tcPr>
+                    <a:lnL w="12700" cap="flat" cmpd="sng" algn="ctr">
+                      <a:solidFill>
+                        <a:schemeClr val="tx1"/>
+                      </a:solidFill>
+                      <a:prstDash val="solid"/>
+                      <a:round/>
+                      <a:headEnd type="none" w="med" len="med"/>
+                      <a:tailEnd type="none" w="med" len="med"/>
+                    </a:lnL>
+                    <a:lnR w="12700" cap="flat" cmpd="sng" algn="ctr">
+                      <a:solidFill>
+                        <a:schemeClr val="tx1"/>
+                      </a:solidFill>
+                      <a:prstDash val="solid"/>
+                      <a:round/>
+                      <a:headEnd type="none" w="med" len="med"/>
+                      <a:tailEnd type="none" w="med" len="med"/>
+                    </a:lnR>
+                    <a:lnT w="12700" cap="flat" cmpd="sng" algn="ctr">
+                      <a:solidFill>
+                        <a:schemeClr val="tx1"/>
+                      </a:solidFill>
+                      <a:prstDash val="solid"/>
+                      <a:round/>
+                      <a:headEnd type="none" w="med" len="med"/>
+                      <a:tailEnd type="none" w="med" len="med"/>
+                    </a:lnT>
+                    <a:lnB w="12700" cap="flat" cmpd="sng" algn="ctr">
+                      <a:solidFill>
+                        <a:schemeClr val="tx1"/>
+                      </a:solidFill>
+                      <a:prstDash val="solid"/>
+                      <a:round/>
+                      <a:headEnd type="none" w="med" len="med"/>
+                      <a:tailEnd type="none" w="med" len="med"/>
+                    </a:lnB>
+                  </a:tcPr>
+                </a:tc>
+                <a:tc>
+                  <a:txBody>
+                    <a:bodyPr/>
+                    <a:lstStyle/>
+                    <a:p>
+                      <a:endParaRPr lang="zh-CN" altLang="en-US"/>
+                    </a:p>
+                  </a:txBody>
+                  <a:tcPr>
+                    <a:lnL w="12700" cap="flat" cmpd="sng" algn="ctr">
+                      <a:solidFill>
+                        <a:schemeClr val="tx1"/>
+                      </a:solidFill>
+                      <a:prstDash val="solid"/>
+                      <a:round/>
+                      <a:headEnd type="none" w="med" len="med"/>
+                      <a:tailEnd type="none" w="med" len="med"/>
+                    </a:lnL>
+                    <a:lnR w="12700" cap="flat" cmpd="sng" algn="ctr">
+                      <a:solidFill>
+                        <a:schemeClr val="tx1"/>
+                      </a:solidFill>
+                      <a:prstDash val="solid"/>
+                      <a:round/>
+                      <a:headEnd type="none" w="med" len="med"/>
+                      <a:tailEnd type="none" w="med" len="med"/>
+                    </a:lnR>
+                    <a:lnT w="12700" cap="flat" cmpd="sng" algn="ctr">
+                      <a:solidFill>
+                        <a:schemeClr val="tx1"/>
+                      </a:solidFill>
+                      <a:prstDash val="solid"/>
+                      <a:round/>
+                      <a:headEnd type="none" w="med" len="med"/>
+                      <a:tailEnd type="none" w="med" len="med"/>
+                    </a:lnT>
+                    <a:lnB w="12700" cap="flat" cmpd="sng" algn="ctr">
+                      <a:solidFill>
+                        <a:schemeClr val="tx1"/>
+                      </a:solidFill>
+                      <a:prstDash val="solid"/>
+                      <a:round/>
+                      <a:headEnd type="none" w="med" len="med"/>
+                      <a:tailEnd type="none" w="med" len="med"/>
+                    </a:lnB>
+                  </a:tcPr>
+                </a:tc>
+                <a:extLst>
+                  <a:ext uri="{0D108BD9-81ED-4DB2-BD59-A6C34878D82A}">
+                    <a16:rowId xmlns:a16="http://schemas.microsoft.com/office/drawing/2014/main" val="3848482416"/>
+                  </a:ext>
+                </a:extLst>
+              </a:tr>
+              <a:tr h="292500">
+                <a:tc>
+                  <a:txBody>
+                    <a:bodyPr/>
+                    <a:lstStyle/>
+                    <a:p>
+                      <a:endParaRPr lang="zh-CN" altLang="en-US"/>
+                    </a:p>
+                  </a:txBody>
+                  <a:tcPr>
+                    <a:lnL w="12700" cap="flat" cmpd="sng" algn="ctr">
+                      <a:solidFill>
+                        <a:schemeClr val="tx1"/>
+                      </a:solidFill>
+                      <a:prstDash val="solid"/>
+                      <a:round/>
+                      <a:headEnd type="none" w="med" len="med"/>
+                      <a:tailEnd type="none" w="med" len="med"/>
+                    </a:lnL>
+                    <a:lnR w="12700" cap="flat" cmpd="sng" algn="ctr">
+                      <a:solidFill>
+                        <a:schemeClr val="tx1"/>
+                      </a:solidFill>
+                      <a:prstDash val="solid"/>
+                      <a:round/>
+                      <a:headEnd type="none" w="med" len="med"/>
+                      <a:tailEnd type="none" w="med" len="med"/>
+                    </a:lnR>
+                    <a:lnT w="12700" cap="flat" cmpd="sng" algn="ctr">
+                      <a:solidFill>
+                        <a:schemeClr val="tx1"/>
+                      </a:solidFill>
+                      <a:prstDash val="solid"/>
+                      <a:round/>
+                      <a:headEnd type="none" w="med" len="med"/>
+                      <a:tailEnd type="none" w="med" len="med"/>
+                    </a:lnT>
+                    <a:lnB w="12700" cap="flat" cmpd="sng" algn="ctr">
+                      <a:solidFill>
+                        <a:schemeClr val="tx1"/>
+                      </a:solidFill>
+                      <a:prstDash val="solid"/>
+                      <a:round/>
+                      <a:headEnd type="none" w="med" len="med"/>
+                      <a:tailEnd type="none" w="med" len="med"/>
+                    </a:lnB>
+                  </a:tcPr>
+                </a:tc>
+                <a:tc>
+                  <a:txBody>
+                    <a:bodyPr/>
+                    <a:lstStyle/>
+                    <a:p>
+                      <a:endParaRPr lang="zh-CN" altLang="en-US"/>
+                    </a:p>
+                  </a:txBody>
+                  <a:tcPr>
+                    <a:lnL w="12700" cap="flat" cmpd="sng" algn="ctr">
+                      <a:solidFill>
+                        <a:schemeClr val="tx1"/>
+                      </a:solidFill>
+                      <a:prstDash val="solid"/>
+                      <a:round/>
+                      <a:headEnd type="none" w="med" len="med"/>
+                      <a:tailEnd type="none" w="med" len="med"/>
+                    </a:lnL>
+                    <a:lnR w="12700" cap="flat" cmpd="sng" algn="ctr">
+                      <a:solidFill>
+                        <a:schemeClr val="tx1"/>
+                      </a:solidFill>
+                      <a:prstDash val="solid"/>
+                      <a:round/>
+                      <a:headEnd type="none" w="med" len="med"/>
+                      <a:tailEnd type="none" w="med" len="med"/>
+                    </a:lnR>
+                    <a:lnT w="12700" cap="flat" cmpd="sng" algn="ctr">
+                      <a:solidFill>
+                        <a:schemeClr val="tx1"/>
+                      </a:solidFill>
+                      <a:prstDash val="solid"/>
+                      <a:round/>
+                      <a:headEnd type="none" w="med" len="med"/>
+                      <a:tailEnd type="none" w="med" len="med"/>
+                    </a:lnT>
+                    <a:lnB w="12700" cap="flat" cmpd="sng" algn="ctr">
+                      <a:solidFill>
+                        <a:schemeClr val="tx1"/>
+                      </a:solidFill>
+                      <a:prstDash val="solid"/>
+                      <a:round/>
+                      <a:headEnd type="none" w="med" len="med"/>
+                      <a:tailEnd type="none" w="med" len="med"/>
+                    </a:lnB>
+                  </a:tcPr>
+                </a:tc>
+                <a:tc>
+                  <a:txBody>
+                    <a:bodyPr/>
+                    <a:lstStyle/>
+                    <a:p>
+                      <a:endParaRPr lang="zh-CN" altLang="en-US"/>
+                    </a:p>
+                  </a:txBody>
+                  <a:tcPr>
+                    <a:lnL w="12700" cap="flat" cmpd="sng" algn="ctr">
+                      <a:solidFill>
+                        <a:schemeClr val="tx1"/>
+                      </a:solidFill>
+                      <a:prstDash val="solid"/>
+                      <a:round/>
+                      <a:headEnd type="none" w="med" len="med"/>
+                      <a:tailEnd type="none" w="med" len="med"/>
+                    </a:lnL>
+                    <a:lnR w="12700" cap="flat" cmpd="sng" algn="ctr">
+                      <a:solidFill>
+                        <a:schemeClr val="tx1"/>
+                      </a:solidFill>
+                      <a:prstDash val="solid"/>
+                      <a:round/>
+                      <a:headEnd type="none" w="med" len="med"/>
+                      <a:tailEnd type="none" w="med" len="med"/>
+                    </a:lnR>
+                    <a:lnT w="12700" cap="flat" cmpd="sng" algn="ctr">
+                      <a:solidFill>
+                        <a:schemeClr val="tx1"/>
+                      </a:solidFill>
+                      <a:prstDash val="solid"/>
+                      <a:round/>
+                      <a:headEnd type="none" w="med" len="med"/>
+                      <a:tailEnd type="none" w="med" len="med"/>
+                    </a:lnT>
+                    <a:lnB w="12700" cap="flat" cmpd="sng" algn="ctr">
+                      <a:solidFill>
+                        <a:schemeClr val="tx1"/>
+                      </a:solidFill>
+                      <a:prstDash val="solid"/>
+                      <a:round/>
+                      <a:headEnd type="none" w="med" len="med"/>
+                      <a:tailEnd type="none" w="med" len="med"/>
+                    </a:lnB>
+                  </a:tcPr>
+                </a:tc>
+                <a:extLst>
+                  <a:ext uri="{0D108BD9-81ED-4DB2-BD59-A6C34878D82A}">
+                    <a16:rowId xmlns:a16="http://schemas.microsoft.com/office/drawing/2014/main" val="2822723286"/>
+                  </a:ext>
+                </a:extLst>
+              </a:tr>
+              <a:tr h="292500">
+                <a:tc>
+                  <a:txBody>
+                    <a:bodyPr/>
+                    <a:lstStyle/>
+                    <a:p>
+                      <a:endParaRPr lang="zh-CN" altLang="en-US"/>
+                    </a:p>
+                  </a:txBody>
+                  <a:tcPr>
+                    <a:lnL w="12700" cap="flat" cmpd="sng" algn="ctr">
+                      <a:solidFill>
+                        <a:schemeClr val="tx1"/>
+                      </a:solidFill>
+                      <a:prstDash val="solid"/>
+                      <a:round/>
+                      <a:headEnd type="none" w="med" len="med"/>
+                      <a:tailEnd type="none" w="med" len="med"/>
+                    </a:lnL>
+                    <a:lnR w="12700" cap="flat" cmpd="sng" algn="ctr">
+                      <a:solidFill>
+                        <a:schemeClr val="tx1"/>
+                      </a:solidFill>
+                      <a:prstDash val="solid"/>
+                      <a:round/>
+                      <a:headEnd type="none" w="med" len="med"/>
+                      <a:tailEnd type="none" w="med" len="med"/>
+                    </a:lnR>
+                    <a:lnT w="12700" cap="flat" cmpd="sng" algn="ctr">
+                      <a:solidFill>
+                        <a:schemeClr val="tx1"/>
+                      </a:solidFill>
+                      <a:prstDash val="solid"/>
+                      <a:round/>
+                      <a:headEnd type="none" w="med" len="med"/>
+                      <a:tailEnd type="none" w="med" len="med"/>
+                    </a:lnT>
+                    <a:lnB w="12700" cap="flat" cmpd="sng" algn="ctr">
+                      <a:solidFill>
+                        <a:schemeClr val="tx1"/>
+                      </a:solidFill>
+                      <a:prstDash val="solid"/>
+                      <a:round/>
+                      <a:headEnd type="none" w="med" len="med"/>
+                      <a:tailEnd type="none" w="med" len="med"/>
+                    </a:lnB>
+                  </a:tcPr>
+                </a:tc>
+                <a:tc>
+                  <a:txBody>
+                    <a:bodyPr/>
+                    <a:lstStyle/>
+                    <a:p>
+                      <a:endParaRPr lang="zh-CN" altLang="en-US"/>
+                    </a:p>
+                  </a:txBody>
+                  <a:tcPr>
+                    <a:lnL w="12700" cap="flat" cmpd="sng" algn="ctr">
+                      <a:solidFill>
+                        <a:schemeClr val="tx1"/>
+                      </a:solidFill>
+                      <a:prstDash val="solid"/>
+                      <a:round/>
+                      <a:headEnd type="none" w="med" len="med"/>
+                      <a:tailEnd type="none" w="med" len="med"/>
+                    </a:lnL>
+                    <a:lnR w="12700" cap="flat" cmpd="sng" algn="ctr">
+                      <a:solidFill>
+                        <a:schemeClr val="tx1"/>
+                      </a:solidFill>
+                      <a:prstDash val="solid"/>
+                      <a:round/>
+                      <a:headEnd type="none" w="med" len="med"/>
+                      <a:tailEnd type="none" w="med" len="med"/>
+                    </a:lnR>
+                    <a:lnT w="12700" cap="flat" cmpd="sng" algn="ctr">
+                      <a:solidFill>
+                        <a:schemeClr val="tx1"/>
+                      </a:solidFill>
+                      <a:prstDash val="solid"/>
+                      <a:round/>
+                      <a:headEnd type="none" w="med" len="med"/>
+                      <a:tailEnd type="none" w="med" len="med"/>
+                    </a:lnT>
+                    <a:lnB w="12700" cap="flat" cmpd="sng" algn="ctr">
+                      <a:solidFill>
+                        <a:schemeClr val="tx1"/>
+                      </a:solidFill>
+                      <a:prstDash val="solid"/>
+                      <a:round/>
+                      <a:headEnd type="none" w="med" len="med"/>
+                      <a:tailEnd type="none" w="med" len="med"/>
+                    </a:lnB>
+                  </a:tcPr>
+                </a:tc>
+                <a:tc>
+                  <a:txBody>
+                    <a:bodyPr/>
+                    <a:lstStyle/>
+                    <a:p>
+                      <a:endParaRPr lang="zh-CN" altLang="en-US"/>
+                    </a:p>
+                  </a:txBody>
+                  <a:tcPr>
+                    <a:lnL w="12700" cap="flat" cmpd="sng" algn="ctr">
+                      <a:solidFill>
+                        <a:schemeClr val="tx1"/>
+                      </a:solidFill>
+                      <a:prstDash val="solid"/>
+                      <a:round/>
+                      <a:headEnd type="none" w="med" len="med"/>
+                      <a:tailEnd type="none" w="med" len="med"/>
+                    </a:lnL>
+                    <a:lnR w="12700" cap="flat" cmpd="sng" algn="ctr">
+                      <a:solidFill>
+                        <a:schemeClr val="tx1"/>
+                      </a:solidFill>
+                      <a:prstDash val="solid"/>
+                      <a:round/>
+                      <a:headEnd type="none" w="med" len="med"/>
+                      <a:tailEnd type="none" w="med" len="med"/>
+                    </a:lnR>
+                    <a:lnT w="12700" cap="flat" cmpd="sng" algn="ctr">
+                      <a:solidFill>
+                        <a:schemeClr val="tx1"/>
+                      </a:solidFill>
+                      <a:prstDash val="solid"/>
+                      <a:round/>
+                      <a:headEnd type="none" w="med" len="med"/>
+                      <a:tailEnd type="none" w="med" len="med"/>
+                    </a:lnT>
+                    <a:lnB w="12700" cap="flat" cmpd="sng" algn="ctr">
+                      <a:solidFill>
+                        <a:schemeClr val="tx1"/>
+                      </a:solidFill>
+                      <a:prstDash val="solid"/>
+                      <a:round/>
+                      <a:headEnd type="none" w="med" len="med"/>
+                      <a:tailEnd type="none" w="med" len="med"/>
+                    </a:lnB>
+                  </a:tcPr>
+                </a:tc>
+                <a:extLst>
+                  <a:ext uri="{0D108BD9-81ED-4DB2-BD59-A6C34878D82A}">
+                    <a16:rowId xmlns:a16="http://schemas.microsoft.com/office/drawing/2014/main" val="1506602113"/>
+                  </a:ext>
+                </a:extLst>
+              </a:tr>
+            </a:tbl>
+          </a:graphicData>
+        </a:graphic>
+      </p:graphicFrame>
+      <p:graphicFrame>
+        <p:nvGraphicFramePr>
+          <p:cNvPr id="13" name="表格 12">
+            <a:extLst>
+              <a:ext uri="{FF2B5EF4-FFF2-40B4-BE49-F238E27FC236}">
+                <a16:creationId xmlns:a16="http://schemas.microsoft.com/office/drawing/2014/main" id="{0B7C0CC6-D62F-31C6-83B7-8A827C41633D}"/>
+              </a:ext>
+            </a:extLst>
+          </p:cNvPr>
+          <p:cNvGraphicFramePr>
+            <a:graphicFrameLocks noGrp="1"/>
+          </p:cNvGraphicFramePr>
+          <p:nvPr>
+            <p:extLst>
+              <p:ext uri="{D42A27DB-BD31-4B8C-83A1-F6EECF244321}">
+                <p14:modId xmlns:p14="http://schemas.microsoft.com/office/powerpoint/2010/main" val="2005280745"/>
+              </p:ext>
+            </p:extLst>
+          </p:nvPr>
+        </p:nvGraphicFramePr>
+        <p:xfrm>
+          <a:off x="2361000" y="2237040"/>
+          <a:ext cx="1305000" cy="1463040"/>
+        </p:xfrm>
+        <a:graphic>
+          <a:graphicData uri="http://schemas.openxmlformats.org/drawingml/2006/table">
+            <a:tbl>
+              <a:tblPr firstRow="1" bandRow="1">
+                <a:tableStyleId>{10A1B5D5-9B99-4C35-A422-299274C87663}</a:tableStyleId>
+              </a:tblPr>
+              <a:tblGrid>
+                <a:gridCol w="435000">
+                  <a:extLst>
+                    <a:ext uri="{9D8B030D-6E8A-4147-A177-3AD203B41FA5}">
+                      <a16:colId xmlns:a16="http://schemas.microsoft.com/office/drawing/2014/main" val="169088780"/>
+                    </a:ext>
+                  </a:extLst>
+                </a:gridCol>
+                <a:gridCol w="435000">
+                  <a:extLst>
+                    <a:ext uri="{9D8B030D-6E8A-4147-A177-3AD203B41FA5}">
+                      <a16:colId xmlns:a16="http://schemas.microsoft.com/office/drawing/2014/main" val="3084083932"/>
+                    </a:ext>
+                  </a:extLst>
+                </a:gridCol>
+                <a:gridCol w="435000">
+                  <a:extLst>
+                    <a:ext uri="{9D8B030D-6E8A-4147-A177-3AD203B41FA5}">
+                      <a16:colId xmlns:a16="http://schemas.microsoft.com/office/drawing/2014/main" val="4077435083"/>
+                    </a:ext>
+                  </a:extLst>
+                </a:gridCol>
+              </a:tblGrid>
+              <a:tr h="292500">
+                <a:tc>
+                  <a:txBody>
+                    <a:bodyPr/>
+                    <a:lstStyle/>
+                    <a:p>
+                      <a:endParaRPr lang="zh-CN" altLang="en-US"/>
+                    </a:p>
+                  </a:txBody>
+                  <a:tcPr>
+                    <a:lnL w="12700" cap="flat" cmpd="sng" algn="ctr">
+                      <a:solidFill>
+                        <a:schemeClr val="tx1"/>
+                      </a:solidFill>
+                      <a:prstDash val="solid"/>
+                      <a:round/>
+                      <a:headEnd type="none" w="med" len="med"/>
+                      <a:tailEnd type="none" w="med" len="med"/>
+                    </a:lnL>
+                    <a:lnR w="12700" cap="flat" cmpd="sng" algn="ctr">
+                      <a:solidFill>
+                        <a:schemeClr val="tx1"/>
+                      </a:solidFill>
+                      <a:prstDash val="solid"/>
+                      <a:round/>
+                      <a:headEnd type="none" w="med" len="med"/>
+                      <a:tailEnd type="none" w="med" len="med"/>
+                    </a:lnR>
+                    <a:lnT w="12700" cap="flat" cmpd="sng" algn="ctr">
+                      <a:solidFill>
+                        <a:schemeClr val="tx1"/>
+                      </a:solidFill>
+                      <a:prstDash val="solid"/>
+                      <a:round/>
+                      <a:headEnd type="none" w="med" len="med"/>
+                      <a:tailEnd type="none" w="med" len="med"/>
+                    </a:lnT>
+                    <a:lnB w="12700" cap="flat" cmpd="sng" algn="ctr">
+                      <a:solidFill>
+                        <a:schemeClr val="tx1"/>
+                      </a:solidFill>
+                      <a:prstDash val="solid"/>
+                      <a:round/>
+                      <a:headEnd type="none" w="med" len="med"/>
+                      <a:tailEnd type="none" w="med" len="med"/>
+                    </a:lnB>
+                  </a:tcPr>
+                </a:tc>
+                <a:tc>
+                  <a:txBody>
+                    <a:bodyPr/>
+                    <a:lstStyle/>
+                    <a:p>
+                      <a:endParaRPr lang="zh-CN" altLang="en-US"/>
+                    </a:p>
+                  </a:txBody>
+                  <a:tcPr>
+                    <a:lnL w="12700" cap="flat" cmpd="sng" algn="ctr">
+                      <a:solidFill>
+                        <a:schemeClr val="tx1"/>
+                      </a:solidFill>
+                      <a:prstDash val="solid"/>
+                      <a:round/>
+                      <a:headEnd type="none" w="med" len="med"/>
+                      <a:tailEnd type="none" w="med" len="med"/>
+                    </a:lnL>
+                    <a:lnR w="12700" cap="flat" cmpd="sng" algn="ctr">
+                      <a:solidFill>
+                        <a:schemeClr val="tx1"/>
+                      </a:solidFill>
+                      <a:prstDash val="solid"/>
+                      <a:round/>
+                      <a:headEnd type="none" w="med" len="med"/>
+                      <a:tailEnd type="none" w="med" len="med"/>
+                    </a:lnR>
+                    <a:lnT w="12700" cap="flat" cmpd="sng" algn="ctr">
+                      <a:solidFill>
+                        <a:schemeClr val="tx1"/>
+                      </a:solidFill>
+                      <a:prstDash val="solid"/>
+                      <a:round/>
+                      <a:headEnd type="none" w="med" len="med"/>
+                      <a:tailEnd type="none" w="med" len="med"/>
+                    </a:lnT>
+                    <a:lnB w="12700" cap="flat" cmpd="sng" algn="ctr">
+                      <a:solidFill>
+                        <a:schemeClr val="tx1"/>
+                      </a:solidFill>
+                      <a:prstDash val="solid"/>
+                      <a:round/>
+                      <a:headEnd type="none" w="med" len="med"/>
+                      <a:tailEnd type="none" w="med" len="med"/>
+                    </a:lnB>
+                  </a:tcPr>
+                </a:tc>
+                <a:tc>
+                  <a:txBody>
+                    <a:bodyPr/>
+                    <a:lstStyle/>
+                    <a:p>
+                      <a:endParaRPr lang="zh-CN" altLang="en-US"/>
+                    </a:p>
+                  </a:txBody>
+                  <a:tcPr>
+                    <a:lnL w="12700" cap="flat" cmpd="sng" algn="ctr">
+                      <a:solidFill>
+                        <a:schemeClr val="tx1"/>
+                      </a:solidFill>
+                      <a:prstDash val="solid"/>
+                      <a:round/>
+                      <a:headEnd type="none" w="med" len="med"/>
+                      <a:tailEnd type="none" w="med" len="med"/>
+                    </a:lnL>
+                    <a:lnR w="12700" cap="flat" cmpd="sng" algn="ctr">
+                      <a:solidFill>
+                        <a:schemeClr val="tx1"/>
+                      </a:solidFill>
+                      <a:prstDash val="solid"/>
+                      <a:round/>
+                      <a:headEnd type="none" w="med" len="med"/>
+                      <a:tailEnd type="none" w="med" len="med"/>
+                    </a:lnR>
+                    <a:lnT w="12700" cap="flat" cmpd="sng" algn="ctr">
+                      <a:solidFill>
+                        <a:schemeClr val="tx1"/>
+                      </a:solidFill>
+                      <a:prstDash val="solid"/>
+                      <a:round/>
+                      <a:headEnd type="none" w="med" len="med"/>
+                      <a:tailEnd type="none" w="med" len="med"/>
+                    </a:lnT>
+                    <a:lnB w="12700" cap="flat" cmpd="sng" algn="ctr">
+                      <a:solidFill>
+                        <a:schemeClr val="tx1"/>
+                      </a:solidFill>
+                      <a:prstDash val="solid"/>
+                      <a:round/>
+                      <a:headEnd type="none" w="med" len="med"/>
+                      <a:tailEnd type="none" w="med" len="med"/>
+                    </a:lnB>
+                  </a:tcPr>
+                </a:tc>
+                <a:extLst>
+                  <a:ext uri="{0D108BD9-81ED-4DB2-BD59-A6C34878D82A}">
+                    <a16:rowId xmlns:a16="http://schemas.microsoft.com/office/drawing/2014/main" val="3980512520"/>
+                  </a:ext>
+                </a:extLst>
+              </a:tr>
+              <a:tr h="292500">
+                <a:tc>
+                  <a:txBody>
+                    <a:bodyPr/>
+                    <a:lstStyle/>
+                    <a:p>
+                      <a:endParaRPr lang="zh-CN" altLang="en-US"/>
+                    </a:p>
+                  </a:txBody>
+                  <a:tcPr>
+                    <a:lnL w="12700" cap="flat" cmpd="sng" algn="ctr">
+                      <a:solidFill>
+                        <a:schemeClr val="tx1"/>
+                      </a:solidFill>
+                      <a:prstDash val="solid"/>
+                      <a:round/>
+                      <a:headEnd type="none" w="med" len="med"/>
+                      <a:tailEnd type="none" w="med" len="med"/>
+                    </a:lnL>
+                    <a:lnR w="12700" cap="flat" cmpd="sng" algn="ctr">
+                      <a:solidFill>
+                        <a:schemeClr val="tx1"/>
+                      </a:solidFill>
+                      <a:prstDash val="solid"/>
+                      <a:round/>
+                      <a:headEnd type="none" w="med" len="med"/>
+                      <a:tailEnd type="none" w="med" len="med"/>
+                    </a:lnR>
+                    <a:lnT w="12700" cap="flat" cmpd="sng" algn="ctr">
+                      <a:solidFill>
+                        <a:schemeClr val="tx1"/>
+                      </a:solidFill>
+                      <a:prstDash val="solid"/>
+                      <a:round/>
+                      <a:headEnd type="none" w="med" len="med"/>
+                      <a:tailEnd type="none" w="med" len="med"/>
+                    </a:lnT>
+                    <a:lnB w="12700" cap="flat" cmpd="sng" algn="ctr">
+                      <a:solidFill>
+                        <a:schemeClr val="tx1"/>
+                      </a:solidFill>
+                      <a:prstDash val="solid"/>
+                      <a:round/>
+                      <a:headEnd type="none" w="med" len="med"/>
+                      <a:tailEnd type="none" w="med" len="med"/>
+                    </a:lnB>
+                  </a:tcPr>
+                </a:tc>
+                <a:tc>
+                  <a:txBody>
+                    <a:bodyPr/>
+                    <a:lstStyle/>
+                    <a:p>
+                      <a:endParaRPr lang="zh-CN" altLang="en-US"/>
+                    </a:p>
+                  </a:txBody>
+                  <a:tcPr>
+                    <a:lnL w="12700" cap="flat" cmpd="sng" algn="ctr">
+                      <a:solidFill>
+                        <a:schemeClr val="tx1"/>
+                      </a:solidFill>
+                      <a:prstDash val="solid"/>
+                      <a:round/>
+                      <a:headEnd type="none" w="med" len="med"/>
+                      <a:tailEnd type="none" w="med" len="med"/>
+                    </a:lnL>
+                    <a:lnR w="12700" cap="flat" cmpd="sng" algn="ctr">
+                      <a:solidFill>
+                        <a:schemeClr val="tx1"/>
+                      </a:solidFill>
+                      <a:prstDash val="solid"/>
+                      <a:round/>
+                      <a:headEnd type="none" w="med" len="med"/>
+                      <a:tailEnd type="none" w="med" len="med"/>
+                    </a:lnR>
+                    <a:lnT w="12700" cap="flat" cmpd="sng" algn="ctr">
+                      <a:solidFill>
+                        <a:schemeClr val="tx1"/>
+                      </a:solidFill>
+                      <a:prstDash val="solid"/>
+                      <a:round/>
+                      <a:headEnd type="none" w="med" len="med"/>
+                      <a:tailEnd type="none" w="med" len="med"/>
+                    </a:lnT>
+                    <a:lnB w="12700" cap="flat" cmpd="sng" algn="ctr">
+                      <a:solidFill>
+                        <a:schemeClr val="tx1"/>
+                      </a:solidFill>
+                      <a:prstDash val="solid"/>
+                      <a:round/>
+                      <a:headEnd type="none" w="med" len="med"/>
+                      <a:tailEnd type="none" w="med" len="med"/>
+                    </a:lnB>
+                  </a:tcPr>
+                </a:tc>
+                <a:tc>
+                  <a:txBody>
+                    <a:bodyPr/>
+                    <a:lstStyle/>
+                    <a:p>
+                      <a:endParaRPr lang="zh-CN" altLang="en-US"/>
+                    </a:p>
+                  </a:txBody>
+                  <a:tcPr>
+                    <a:lnL w="12700" cap="flat" cmpd="sng" algn="ctr">
+                      <a:solidFill>
+                        <a:schemeClr val="tx1"/>
+                      </a:solidFill>
+                      <a:prstDash val="solid"/>
+                      <a:round/>
+                      <a:headEnd type="none" w="med" len="med"/>
+                      <a:tailEnd type="none" w="med" len="med"/>
+                    </a:lnL>
+                    <a:lnR w="12700" cap="flat" cmpd="sng" algn="ctr">
+                      <a:solidFill>
+                        <a:schemeClr val="tx1"/>
+                      </a:solidFill>
+                      <a:prstDash val="solid"/>
+                      <a:round/>
+                      <a:headEnd type="none" w="med" len="med"/>
+                      <a:tailEnd type="none" w="med" len="med"/>
+                    </a:lnR>
+                    <a:lnT w="12700" cap="flat" cmpd="sng" algn="ctr">
+                      <a:solidFill>
+                        <a:schemeClr val="tx1"/>
+                      </a:solidFill>
+                      <a:prstDash val="solid"/>
+                      <a:round/>
+                      <a:headEnd type="none" w="med" len="med"/>
+                      <a:tailEnd type="none" w="med" len="med"/>
+                    </a:lnT>
+                    <a:lnB w="12700" cap="flat" cmpd="sng" algn="ctr">
+                      <a:solidFill>
+                        <a:schemeClr val="tx1"/>
+                      </a:solidFill>
+                      <a:prstDash val="solid"/>
+                      <a:round/>
+                      <a:headEnd type="none" w="med" len="med"/>
+                      <a:tailEnd type="none" w="med" len="med"/>
+                    </a:lnB>
+                  </a:tcPr>
+                </a:tc>
+                <a:extLst>
+                  <a:ext uri="{0D108BD9-81ED-4DB2-BD59-A6C34878D82A}">
+                    <a16:rowId xmlns:a16="http://schemas.microsoft.com/office/drawing/2014/main" val="3848482416"/>
+                  </a:ext>
+                </a:extLst>
+              </a:tr>
+              <a:tr h="292500">
+                <a:tc>
+                  <a:txBody>
+                    <a:bodyPr/>
+                    <a:lstStyle/>
+                    <a:p>
+                      <a:endParaRPr lang="zh-CN" altLang="en-US"/>
+                    </a:p>
+                  </a:txBody>
+                  <a:tcPr>
+                    <a:lnL w="12700" cap="flat" cmpd="sng" algn="ctr">
+                      <a:solidFill>
+                        <a:schemeClr val="tx1"/>
+                      </a:solidFill>
+                      <a:prstDash val="solid"/>
+                      <a:round/>
+                      <a:headEnd type="none" w="med" len="med"/>
+                      <a:tailEnd type="none" w="med" len="med"/>
+                    </a:lnL>
+                    <a:lnR w="12700" cap="flat" cmpd="sng" algn="ctr">
+                      <a:solidFill>
+                        <a:schemeClr val="tx1"/>
+                      </a:solidFill>
+                      <a:prstDash val="solid"/>
+                      <a:round/>
+                      <a:headEnd type="none" w="med" len="med"/>
+                      <a:tailEnd type="none" w="med" len="med"/>
+                    </a:lnR>
+                    <a:lnT w="12700" cap="flat" cmpd="sng" algn="ctr">
+                      <a:solidFill>
+                        <a:schemeClr val="tx1"/>
+                      </a:solidFill>
+                      <a:prstDash val="solid"/>
+                      <a:round/>
+                      <a:headEnd type="none" w="med" len="med"/>
+                      <a:tailEnd type="none" w="med" len="med"/>
+                    </a:lnT>
+                    <a:lnB w="12700" cap="flat" cmpd="sng" algn="ctr">
+                      <a:solidFill>
+                        <a:schemeClr val="tx1"/>
+                      </a:solidFill>
+                      <a:prstDash val="solid"/>
+                      <a:round/>
+                      <a:headEnd type="none" w="med" len="med"/>
+                      <a:tailEnd type="none" w="med" len="med"/>
+                    </a:lnB>
+                  </a:tcPr>
+                </a:tc>
+                <a:tc>
+                  <a:txBody>
+                    <a:bodyPr/>
+                    <a:lstStyle/>
+                    <a:p>
+                      <a:endParaRPr lang="zh-CN" altLang="en-US"/>
+                    </a:p>
+                  </a:txBody>
+                  <a:tcPr>
+                    <a:lnL w="12700" cap="flat" cmpd="sng" algn="ctr">
+                      <a:solidFill>
+                        <a:schemeClr val="tx1"/>
+                      </a:solidFill>
+                      <a:prstDash val="solid"/>
+                      <a:round/>
+                      <a:headEnd type="none" w="med" len="med"/>
+                      <a:tailEnd type="none" w="med" len="med"/>
+                    </a:lnL>
+                    <a:lnR w="12700" cap="flat" cmpd="sng" algn="ctr">
+                      <a:solidFill>
+                        <a:schemeClr val="tx1"/>
+                      </a:solidFill>
+                      <a:prstDash val="solid"/>
+                      <a:round/>
+                      <a:headEnd type="none" w="med" len="med"/>
+                      <a:tailEnd type="none" w="med" len="med"/>
+                    </a:lnR>
+                    <a:lnT w="12700" cap="flat" cmpd="sng" algn="ctr">
+                      <a:solidFill>
+                        <a:schemeClr val="tx1"/>
+                      </a:solidFill>
+                      <a:prstDash val="solid"/>
+                      <a:round/>
+                      <a:headEnd type="none" w="med" len="med"/>
+                      <a:tailEnd type="none" w="med" len="med"/>
+                    </a:lnT>
+                    <a:lnB w="12700" cap="flat" cmpd="sng" algn="ctr">
+                      <a:solidFill>
+                        <a:schemeClr val="tx1"/>
+                      </a:solidFill>
+                      <a:prstDash val="solid"/>
+                      <a:round/>
+                      <a:headEnd type="none" w="med" len="med"/>
+                      <a:tailEnd type="none" w="med" len="med"/>
+                    </a:lnB>
+                  </a:tcPr>
+                </a:tc>
+                <a:tc>
+                  <a:txBody>
+                    <a:bodyPr/>
+                    <a:lstStyle/>
+                    <a:p>
+                      <a:endParaRPr lang="zh-CN" altLang="en-US"/>
+                    </a:p>
+                  </a:txBody>
+                  <a:tcPr>
+                    <a:lnL w="12700" cap="flat" cmpd="sng" algn="ctr">
+                      <a:solidFill>
+                        <a:schemeClr val="tx1"/>
+                      </a:solidFill>
+                      <a:prstDash val="solid"/>
+                      <a:round/>
+                      <a:headEnd type="none" w="med" len="med"/>
+                      <a:tailEnd type="none" w="med" len="med"/>
+                    </a:lnL>
+                    <a:lnR w="12700" cap="flat" cmpd="sng" algn="ctr">
+                      <a:solidFill>
+                        <a:schemeClr val="tx1"/>
+                      </a:solidFill>
+                      <a:prstDash val="solid"/>
+                      <a:round/>
+                      <a:headEnd type="none" w="med" len="med"/>
+                      <a:tailEnd type="none" w="med" len="med"/>
+                    </a:lnR>
+                    <a:lnT w="12700" cap="flat" cmpd="sng" algn="ctr">
+                      <a:solidFill>
+                        <a:schemeClr val="tx1"/>
+                      </a:solidFill>
+                      <a:prstDash val="solid"/>
+                      <a:round/>
+                      <a:headEnd type="none" w="med" len="med"/>
+                      <a:tailEnd type="none" w="med" len="med"/>
+                    </a:lnT>
+                    <a:lnB w="12700" cap="flat" cmpd="sng" algn="ctr">
+                      <a:solidFill>
+                        <a:schemeClr val="tx1"/>
+                      </a:solidFill>
+                      <a:prstDash val="solid"/>
+                      <a:round/>
+                      <a:headEnd type="none" w="med" len="med"/>
+                      <a:tailEnd type="none" w="med" len="med"/>
+                    </a:lnB>
+                  </a:tcPr>
+                </a:tc>
+                <a:extLst>
+                  <a:ext uri="{0D108BD9-81ED-4DB2-BD59-A6C34878D82A}">
+                    <a16:rowId xmlns:a16="http://schemas.microsoft.com/office/drawing/2014/main" val="2822723286"/>
+                  </a:ext>
+                </a:extLst>
+              </a:tr>
+              <a:tr h="292500">
+                <a:tc>
+                  <a:txBody>
+                    <a:bodyPr/>
+                    <a:lstStyle/>
+                    <a:p>
+                      <a:endParaRPr lang="zh-CN" altLang="en-US"/>
+                    </a:p>
+                  </a:txBody>
+                  <a:tcPr>
+                    <a:lnL w="12700" cap="flat" cmpd="sng" algn="ctr">
+                      <a:solidFill>
+                        <a:schemeClr val="tx1"/>
+                      </a:solidFill>
+                      <a:prstDash val="solid"/>
+                      <a:round/>
+                      <a:headEnd type="none" w="med" len="med"/>
+                      <a:tailEnd type="none" w="med" len="med"/>
+                    </a:lnL>
+                    <a:lnR w="12700" cap="flat" cmpd="sng" algn="ctr">
+                      <a:solidFill>
+                        <a:schemeClr val="tx1"/>
+                      </a:solidFill>
+                      <a:prstDash val="solid"/>
+                      <a:round/>
+                      <a:headEnd type="none" w="med" len="med"/>
+                      <a:tailEnd type="none" w="med" len="med"/>
+                    </a:lnR>
+                    <a:lnT w="12700" cap="flat" cmpd="sng" algn="ctr">
+                      <a:solidFill>
+                        <a:schemeClr val="tx1"/>
+                      </a:solidFill>
+                      <a:prstDash val="solid"/>
+                      <a:round/>
+                      <a:headEnd type="none" w="med" len="med"/>
+                      <a:tailEnd type="none" w="med" len="med"/>
+                    </a:lnT>
+                    <a:lnB w="12700" cap="flat" cmpd="sng" algn="ctr">
+                      <a:solidFill>
+                        <a:schemeClr val="tx1"/>
+                      </a:solidFill>
+                      <a:prstDash val="solid"/>
+                      <a:round/>
+                      <a:headEnd type="none" w="med" len="med"/>
+                      <a:tailEnd type="none" w="med" len="med"/>
+                    </a:lnB>
+                  </a:tcPr>
+                </a:tc>
+                <a:tc>
+                  <a:txBody>
+                    <a:bodyPr/>
+                    <a:lstStyle/>
+                    <a:p>
+                      <a:endParaRPr lang="zh-CN" altLang="en-US"/>
+                    </a:p>
+                  </a:txBody>
+                  <a:tcPr>
+                    <a:lnL w="12700" cap="flat" cmpd="sng" algn="ctr">
+                      <a:solidFill>
+                        <a:schemeClr val="tx1"/>
+                      </a:solidFill>
+                      <a:prstDash val="solid"/>
+                      <a:round/>
+                      <a:headEnd type="none" w="med" len="med"/>
+                      <a:tailEnd type="none" w="med" len="med"/>
+                    </a:lnL>
+                    <a:lnR w="12700" cap="flat" cmpd="sng" algn="ctr">
+                      <a:solidFill>
+                        <a:schemeClr val="tx1"/>
+                      </a:solidFill>
+                      <a:prstDash val="solid"/>
+                      <a:round/>
+                      <a:headEnd type="none" w="med" len="med"/>
+                      <a:tailEnd type="none" w="med" len="med"/>
+                    </a:lnR>
+                    <a:lnT w="12700" cap="flat" cmpd="sng" algn="ctr">
+                      <a:solidFill>
+                        <a:schemeClr val="tx1"/>
+                      </a:solidFill>
+                      <a:prstDash val="solid"/>
+                      <a:round/>
+                      <a:headEnd type="none" w="med" len="med"/>
+                      <a:tailEnd type="none" w="med" len="med"/>
+                    </a:lnT>
+                    <a:lnB w="12700" cap="flat" cmpd="sng" algn="ctr">
+                      <a:solidFill>
+                        <a:schemeClr val="tx1"/>
+                      </a:solidFill>
+                      <a:prstDash val="solid"/>
+                      <a:round/>
+                      <a:headEnd type="none" w="med" len="med"/>
+                      <a:tailEnd type="none" w="med" len="med"/>
+                    </a:lnB>
+                  </a:tcPr>
+                </a:tc>
+                <a:tc>
+                  <a:txBody>
+                    <a:bodyPr/>
+                    <a:lstStyle/>
+                    <a:p>
+                      <a:endParaRPr lang="zh-CN" altLang="en-US"/>
+                    </a:p>
+                  </a:txBody>
+                  <a:tcPr>
+                    <a:lnL w="12700" cap="flat" cmpd="sng" algn="ctr">
+                      <a:solidFill>
+                        <a:schemeClr val="tx1"/>
+                      </a:solidFill>
+                      <a:prstDash val="solid"/>
+                      <a:round/>
+                      <a:headEnd type="none" w="med" len="med"/>
+                      <a:tailEnd type="none" w="med" len="med"/>
+                    </a:lnL>
+                    <a:lnR w="12700" cap="flat" cmpd="sng" algn="ctr">
+                      <a:solidFill>
+                        <a:schemeClr val="tx1"/>
+                      </a:solidFill>
+                      <a:prstDash val="solid"/>
+                      <a:round/>
+                      <a:headEnd type="none" w="med" len="med"/>
+                      <a:tailEnd type="none" w="med" len="med"/>
+                    </a:lnR>
+                    <a:lnT w="12700" cap="flat" cmpd="sng" algn="ctr">
+                      <a:solidFill>
+                        <a:schemeClr val="tx1"/>
+                      </a:solidFill>
+                      <a:prstDash val="solid"/>
+                      <a:round/>
+                      <a:headEnd type="none" w="med" len="med"/>
+                      <a:tailEnd type="none" w="med" len="med"/>
+                    </a:lnT>
+                    <a:lnB w="12700" cap="flat" cmpd="sng" algn="ctr">
+                      <a:solidFill>
+                        <a:schemeClr val="tx1"/>
+                      </a:solidFill>
+                      <a:prstDash val="solid"/>
+                      <a:round/>
+                      <a:headEnd type="none" w="med" len="med"/>
+                      <a:tailEnd type="none" w="med" len="med"/>
+                    </a:lnB>
+                  </a:tcPr>
+                </a:tc>
+                <a:extLst>
+                  <a:ext uri="{0D108BD9-81ED-4DB2-BD59-A6C34878D82A}">
+                    <a16:rowId xmlns:a16="http://schemas.microsoft.com/office/drawing/2014/main" val="1506602113"/>
+                  </a:ext>
+                </a:extLst>
+              </a:tr>
+            </a:tbl>
+          </a:graphicData>
+        </a:graphic>
+      </p:graphicFrame>
+      <p:sp>
+        <p:nvSpPr>
+          <p:cNvPr id="14" name="文本框 13">
+            <a:extLst>
+              <a:ext uri="{FF2B5EF4-FFF2-40B4-BE49-F238E27FC236}">
+                <a16:creationId xmlns:a16="http://schemas.microsoft.com/office/drawing/2014/main" id="{C594387E-06CE-790B-7FAC-C139C462944D}"/>
+              </a:ext>
+            </a:extLst>
+          </p:cNvPr>
+          <p:cNvSpPr txBox="1"/>
+          <p:nvPr/>
+        </p:nvSpPr>
+        <p:spPr>
+          <a:xfrm>
+            <a:off x="6816000" y="1465229"/>
+            <a:ext cx="646331" cy="369332"/>
+          </a:xfrm>
+          <a:prstGeom prst="rect">
+            <a:avLst/>
+          </a:prstGeom>
+          <a:noFill/>
+        </p:spPr>
+        <p:txBody>
+          <a:bodyPr wrap="none" rtlCol="0">
+            <a:spAutoFit/>
+          </a:bodyPr>
+          <a:lstStyle/>
+          <a:p>
+            <a:r>
+              <a:rPr lang="zh-CN" altLang="en-US" b="1"/>
+              <a:t>文章</a:t>
+            </a:r>
+          </a:p>
+        </p:txBody>
+      </p:sp>
+      <p:graphicFrame>
+        <p:nvGraphicFramePr>
+          <p:cNvPr id="15" name="表格 22">
+            <a:extLst>
+              <a:ext uri="{FF2B5EF4-FFF2-40B4-BE49-F238E27FC236}">
+                <a16:creationId xmlns:a16="http://schemas.microsoft.com/office/drawing/2014/main" id="{5721C03B-6A31-7D44-99E4-A22AD6A79393}"/>
+              </a:ext>
+            </a:extLst>
+          </p:cNvPr>
+          <p:cNvGraphicFramePr>
+            <a:graphicFrameLocks noGrp="1"/>
+          </p:cNvGraphicFramePr>
+          <p:nvPr>
+            <p:extLst>
+              <p:ext uri="{D42A27DB-BD31-4B8C-83A1-F6EECF244321}">
+                <p14:modId xmlns:p14="http://schemas.microsoft.com/office/powerpoint/2010/main" val="1364843510"/>
+              </p:ext>
+            </p:extLst>
+          </p:nvPr>
+        </p:nvGraphicFramePr>
+        <p:xfrm>
+          <a:off x="7044227" y="2248502"/>
+          <a:ext cx="1305000" cy="1463040"/>
+        </p:xfrm>
+        <a:graphic>
+          <a:graphicData uri="http://schemas.openxmlformats.org/drawingml/2006/table">
+            <a:tbl>
+              <a:tblPr firstRow="1" bandRow="1">
+                <a:tableStyleId>{9DCAF9ED-07DC-4A11-8D7F-57B35C25682E}</a:tableStyleId>
+              </a:tblPr>
+              <a:tblGrid>
+                <a:gridCol w="435000">
+                  <a:extLst>
+                    <a:ext uri="{9D8B030D-6E8A-4147-A177-3AD203B41FA5}">
+                      <a16:colId xmlns:a16="http://schemas.microsoft.com/office/drawing/2014/main" val="169088780"/>
+                    </a:ext>
+                  </a:extLst>
+                </a:gridCol>
+                <a:gridCol w="435000">
+                  <a:extLst>
+                    <a:ext uri="{9D8B030D-6E8A-4147-A177-3AD203B41FA5}">
+                      <a16:colId xmlns:a16="http://schemas.microsoft.com/office/drawing/2014/main" val="3084083932"/>
+                    </a:ext>
+                  </a:extLst>
+                </a:gridCol>
+                <a:gridCol w="435000">
+                  <a:extLst>
+                    <a:ext uri="{9D8B030D-6E8A-4147-A177-3AD203B41FA5}">
+                      <a16:colId xmlns:a16="http://schemas.microsoft.com/office/drawing/2014/main" val="4077435083"/>
+                    </a:ext>
+                  </a:extLst>
+                </a:gridCol>
+              </a:tblGrid>
+              <a:tr h="292500">
+                <a:tc>
+                  <a:txBody>
+                    <a:bodyPr/>
+                    <a:lstStyle/>
+                    <a:p>
+                      <a:endParaRPr lang="zh-CN" altLang="en-US"/>
+                    </a:p>
+                  </a:txBody>
+                  <a:tcPr>
+                    <a:lnL w="12700" cap="flat" cmpd="sng" algn="ctr">
+                      <a:solidFill>
+                        <a:schemeClr val="tx1"/>
+                      </a:solidFill>
+                      <a:prstDash val="solid"/>
+                      <a:round/>
+                      <a:headEnd type="none" w="med" len="med"/>
+                      <a:tailEnd type="none" w="med" len="med"/>
+                    </a:lnL>
+                    <a:lnR w="12700" cap="flat" cmpd="sng" algn="ctr">
+                      <a:solidFill>
+                        <a:schemeClr val="tx1"/>
+                      </a:solidFill>
+                      <a:prstDash val="solid"/>
+                      <a:round/>
+                      <a:headEnd type="none" w="med" len="med"/>
+                      <a:tailEnd type="none" w="med" len="med"/>
+                    </a:lnR>
+                    <a:lnT w="12700" cap="flat" cmpd="sng" algn="ctr">
+                      <a:solidFill>
+                        <a:schemeClr val="tx1"/>
+                      </a:solidFill>
+                      <a:prstDash val="solid"/>
+                      <a:round/>
+                      <a:headEnd type="none" w="med" len="med"/>
+                      <a:tailEnd type="none" w="med" len="med"/>
+                    </a:lnT>
+                    <a:lnB w="12700" cap="flat" cmpd="sng" algn="ctr">
+                      <a:solidFill>
+                        <a:schemeClr val="tx1"/>
+                      </a:solidFill>
+                      <a:prstDash val="solid"/>
+                      <a:round/>
+                      <a:headEnd type="none" w="med" len="med"/>
+                      <a:tailEnd type="none" w="med" len="med"/>
+                    </a:lnB>
+                  </a:tcPr>
+                </a:tc>
+                <a:tc>
+                  <a:txBody>
+                    <a:bodyPr/>
+                    <a:lstStyle/>
+                    <a:p>
+                      <a:endParaRPr lang="zh-CN" altLang="en-US"/>
+                    </a:p>
+                  </a:txBody>
+                  <a:tcPr>
+                    <a:lnL w="12700" cap="flat" cmpd="sng" algn="ctr">
+                      <a:solidFill>
+                        <a:schemeClr val="tx1"/>
+                      </a:solidFill>
+                      <a:prstDash val="solid"/>
+                      <a:round/>
+                      <a:headEnd type="none" w="med" len="med"/>
+                      <a:tailEnd type="none" w="med" len="med"/>
+                    </a:lnL>
+                    <a:lnR w="12700" cap="flat" cmpd="sng" algn="ctr">
+                      <a:solidFill>
+                        <a:schemeClr val="tx1"/>
+                      </a:solidFill>
+                      <a:prstDash val="solid"/>
+                      <a:round/>
+                      <a:headEnd type="none" w="med" len="med"/>
+                      <a:tailEnd type="none" w="med" len="med"/>
+                    </a:lnR>
+                    <a:lnT w="12700" cap="flat" cmpd="sng" algn="ctr">
+                      <a:solidFill>
+                        <a:schemeClr val="tx1"/>
+                      </a:solidFill>
+                      <a:prstDash val="solid"/>
+                      <a:round/>
+                      <a:headEnd type="none" w="med" len="med"/>
+                      <a:tailEnd type="none" w="med" len="med"/>
+                    </a:lnT>
+                    <a:lnB w="12700" cap="flat" cmpd="sng" algn="ctr">
+                      <a:solidFill>
+                        <a:schemeClr val="tx1"/>
+                      </a:solidFill>
+                      <a:prstDash val="solid"/>
+                      <a:round/>
+                      <a:headEnd type="none" w="med" len="med"/>
+                      <a:tailEnd type="none" w="med" len="med"/>
+                    </a:lnB>
+                  </a:tcPr>
+                </a:tc>
+                <a:tc>
+                  <a:txBody>
+                    <a:bodyPr/>
+                    <a:lstStyle/>
+                    <a:p>
+                      <a:endParaRPr lang="zh-CN" altLang="en-US"/>
+                    </a:p>
+                  </a:txBody>
+                  <a:tcPr>
+                    <a:lnL w="12700" cap="flat" cmpd="sng" algn="ctr">
+                      <a:solidFill>
+                        <a:schemeClr val="tx1"/>
+                      </a:solidFill>
+                      <a:prstDash val="solid"/>
+                      <a:round/>
+                      <a:headEnd type="none" w="med" len="med"/>
+                      <a:tailEnd type="none" w="med" len="med"/>
+                    </a:lnL>
+                    <a:lnR w="12700" cap="flat" cmpd="sng" algn="ctr">
+                      <a:solidFill>
+                        <a:schemeClr val="tx1"/>
+                      </a:solidFill>
+                      <a:prstDash val="solid"/>
+                      <a:round/>
+                      <a:headEnd type="none" w="med" len="med"/>
+                      <a:tailEnd type="none" w="med" len="med"/>
+                    </a:lnR>
+                    <a:lnT w="12700" cap="flat" cmpd="sng" algn="ctr">
+                      <a:solidFill>
+                        <a:schemeClr val="tx1"/>
+                      </a:solidFill>
+                      <a:prstDash val="solid"/>
+                      <a:round/>
+                      <a:headEnd type="none" w="med" len="med"/>
+                      <a:tailEnd type="none" w="med" len="med"/>
+                    </a:lnT>
+                    <a:lnB w="12700" cap="flat" cmpd="sng" algn="ctr">
+                      <a:solidFill>
+                        <a:schemeClr val="tx1"/>
+                      </a:solidFill>
+                      <a:prstDash val="solid"/>
+                      <a:round/>
+                      <a:headEnd type="none" w="med" len="med"/>
+                      <a:tailEnd type="none" w="med" len="med"/>
+                    </a:lnB>
+                  </a:tcPr>
+                </a:tc>
+                <a:extLst>
+                  <a:ext uri="{0D108BD9-81ED-4DB2-BD59-A6C34878D82A}">
+                    <a16:rowId xmlns:a16="http://schemas.microsoft.com/office/drawing/2014/main" val="3980512520"/>
+                  </a:ext>
+                </a:extLst>
+              </a:tr>
+              <a:tr h="292500">
+                <a:tc>
+                  <a:txBody>
+                    <a:bodyPr/>
+                    <a:lstStyle/>
+                    <a:p>
+                      <a:endParaRPr lang="zh-CN" altLang="en-US"/>
+                    </a:p>
+                  </a:txBody>
+                  <a:tcPr>
+                    <a:lnL w="12700" cap="flat" cmpd="sng" algn="ctr">
+                      <a:solidFill>
+                        <a:schemeClr val="tx1"/>
+                      </a:solidFill>
+                      <a:prstDash val="solid"/>
+                      <a:round/>
+                      <a:headEnd type="none" w="med" len="med"/>
+                      <a:tailEnd type="none" w="med" len="med"/>
+                    </a:lnL>
+                    <a:lnR w="12700" cap="flat" cmpd="sng" algn="ctr">
+                      <a:solidFill>
+                        <a:schemeClr val="tx1"/>
+                      </a:solidFill>
+                      <a:prstDash val="solid"/>
+                      <a:round/>
+                      <a:headEnd type="none" w="med" len="med"/>
+                      <a:tailEnd type="none" w="med" len="med"/>
+                    </a:lnR>
+                    <a:lnT w="12700" cap="flat" cmpd="sng" algn="ctr">
+                      <a:solidFill>
+                        <a:schemeClr val="tx1"/>
+                      </a:solidFill>
+                      <a:prstDash val="solid"/>
+                      <a:round/>
+                      <a:headEnd type="none" w="med" len="med"/>
+                      <a:tailEnd type="none" w="med" len="med"/>
+                    </a:lnT>
+                    <a:lnB w="12700" cap="flat" cmpd="sng" algn="ctr">
+                      <a:solidFill>
+                        <a:schemeClr val="tx1"/>
+                      </a:solidFill>
+                      <a:prstDash val="solid"/>
+                      <a:round/>
+                      <a:headEnd type="none" w="med" len="med"/>
+                      <a:tailEnd type="none" w="med" len="med"/>
+                    </a:lnB>
+                  </a:tcPr>
+                </a:tc>
+                <a:tc>
+                  <a:txBody>
+                    <a:bodyPr/>
+                    <a:lstStyle/>
+                    <a:p>
+                      <a:endParaRPr lang="zh-CN" altLang="en-US"/>
+                    </a:p>
+                  </a:txBody>
+                  <a:tcPr>
+                    <a:lnL w="12700" cap="flat" cmpd="sng" algn="ctr">
+                      <a:solidFill>
+                        <a:schemeClr val="tx1"/>
+                      </a:solidFill>
+                      <a:prstDash val="solid"/>
+                      <a:round/>
+                      <a:headEnd type="none" w="med" len="med"/>
+                      <a:tailEnd type="none" w="med" len="med"/>
+                    </a:lnL>
+                    <a:lnR w="12700" cap="flat" cmpd="sng" algn="ctr">
+                      <a:solidFill>
+                        <a:schemeClr val="tx1"/>
+                      </a:solidFill>
+                      <a:prstDash val="solid"/>
+                      <a:round/>
+                      <a:headEnd type="none" w="med" len="med"/>
+                      <a:tailEnd type="none" w="med" len="med"/>
+                    </a:lnR>
+                    <a:lnT w="12700" cap="flat" cmpd="sng" algn="ctr">
+                      <a:solidFill>
+                        <a:schemeClr val="tx1"/>
+                      </a:solidFill>
+                      <a:prstDash val="solid"/>
+                      <a:round/>
+                      <a:headEnd type="none" w="med" len="med"/>
+                      <a:tailEnd type="none" w="med" len="med"/>
+                    </a:lnT>
+                    <a:lnB w="12700" cap="flat" cmpd="sng" algn="ctr">
+                      <a:solidFill>
+                        <a:schemeClr val="tx1"/>
+                      </a:solidFill>
+                      <a:prstDash val="solid"/>
+                      <a:round/>
+                      <a:headEnd type="none" w="med" len="med"/>
+                      <a:tailEnd type="none" w="med" len="med"/>
+                    </a:lnB>
+                  </a:tcPr>
+                </a:tc>
+                <a:tc>
+                  <a:txBody>
+                    <a:bodyPr/>
+                    <a:lstStyle/>
+                    <a:p>
+                      <a:endParaRPr lang="zh-CN" altLang="en-US"/>
+                    </a:p>
+                  </a:txBody>
+                  <a:tcPr>
+                    <a:lnL w="12700" cap="flat" cmpd="sng" algn="ctr">
+                      <a:solidFill>
+                        <a:schemeClr val="tx1"/>
+                      </a:solidFill>
+                      <a:prstDash val="solid"/>
+                      <a:round/>
+                      <a:headEnd type="none" w="med" len="med"/>
+                      <a:tailEnd type="none" w="med" len="med"/>
+                    </a:lnL>
+                    <a:lnR w="12700" cap="flat" cmpd="sng" algn="ctr">
+                      <a:solidFill>
+                        <a:schemeClr val="tx1"/>
+                      </a:solidFill>
+                      <a:prstDash val="solid"/>
+                      <a:round/>
+                      <a:headEnd type="none" w="med" len="med"/>
+                      <a:tailEnd type="none" w="med" len="med"/>
+                    </a:lnR>
+                    <a:lnT w="12700" cap="flat" cmpd="sng" algn="ctr">
+                      <a:solidFill>
+                        <a:schemeClr val="tx1"/>
+                      </a:solidFill>
+                      <a:prstDash val="solid"/>
+                      <a:round/>
+                      <a:headEnd type="none" w="med" len="med"/>
+                      <a:tailEnd type="none" w="med" len="med"/>
+                    </a:lnT>
+                    <a:lnB w="12700" cap="flat" cmpd="sng" algn="ctr">
+                      <a:solidFill>
+                        <a:schemeClr val="tx1"/>
+                      </a:solidFill>
+                      <a:prstDash val="solid"/>
+                      <a:round/>
+                      <a:headEnd type="none" w="med" len="med"/>
+                      <a:tailEnd type="none" w="med" len="med"/>
+                    </a:lnB>
+                  </a:tcPr>
+                </a:tc>
+                <a:extLst>
+                  <a:ext uri="{0D108BD9-81ED-4DB2-BD59-A6C34878D82A}">
+                    <a16:rowId xmlns:a16="http://schemas.microsoft.com/office/drawing/2014/main" val="3848482416"/>
+                  </a:ext>
+                </a:extLst>
+              </a:tr>
+              <a:tr h="292500">
+                <a:tc>
+                  <a:txBody>
+                    <a:bodyPr/>
+                    <a:lstStyle/>
+                    <a:p>
+                      <a:endParaRPr lang="zh-CN" altLang="en-US"/>
+                    </a:p>
+                  </a:txBody>
+                  <a:tcPr>
+                    <a:lnL w="12700" cap="flat" cmpd="sng" algn="ctr">
+                      <a:solidFill>
+                        <a:schemeClr val="tx1"/>
+                      </a:solidFill>
+                      <a:prstDash val="solid"/>
+                      <a:round/>
+                      <a:headEnd type="none" w="med" len="med"/>
+                      <a:tailEnd type="none" w="med" len="med"/>
+                    </a:lnL>
+                    <a:lnR w="12700" cap="flat" cmpd="sng" algn="ctr">
+                      <a:solidFill>
+                        <a:schemeClr val="tx1"/>
+                      </a:solidFill>
+                      <a:prstDash val="solid"/>
+                      <a:round/>
+                      <a:headEnd type="none" w="med" len="med"/>
+                      <a:tailEnd type="none" w="med" len="med"/>
+                    </a:lnR>
+                    <a:lnT w="12700" cap="flat" cmpd="sng" algn="ctr">
+                      <a:solidFill>
+                        <a:schemeClr val="tx1"/>
+                      </a:solidFill>
+                      <a:prstDash val="solid"/>
+                      <a:round/>
+                      <a:headEnd type="none" w="med" len="med"/>
+                      <a:tailEnd type="none" w="med" len="med"/>
+                    </a:lnT>
+                    <a:lnB w="12700" cap="flat" cmpd="sng" algn="ctr">
+                      <a:solidFill>
+                        <a:schemeClr val="tx1"/>
+                      </a:solidFill>
+                      <a:prstDash val="solid"/>
+                      <a:round/>
+                      <a:headEnd type="none" w="med" len="med"/>
+                      <a:tailEnd type="none" w="med" len="med"/>
+                    </a:lnB>
+                  </a:tcPr>
+                </a:tc>
+                <a:tc>
+                  <a:txBody>
+                    <a:bodyPr/>
+                    <a:lstStyle/>
+                    <a:p>
+                      <a:endParaRPr lang="zh-CN" altLang="en-US"/>
+                    </a:p>
+                  </a:txBody>
+                  <a:tcPr>
+                    <a:lnL w="12700" cap="flat" cmpd="sng" algn="ctr">
+                      <a:solidFill>
+                        <a:schemeClr val="tx1"/>
+                      </a:solidFill>
+                      <a:prstDash val="solid"/>
+                      <a:round/>
+                      <a:headEnd type="none" w="med" len="med"/>
+                      <a:tailEnd type="none" w="med" len="med"/>
+                    </a:lnL>
+                    <a:lnR w="12700" cap="flat" cmpd="sng" algn="ctr">
+                      <a:solidFill>
+                        <a:schemeClr val="tx1"/>
+                      </a:solidFill>
+                      <a:prstDash val="solid"/>
+                      <a:round/>
+                      <a:headEnd type="none" w="med" len="med"/>
+                      <a:tailEnd type="none" w="med" len="med"/>
+                    </a:lnR>
+                    <a:lnT w="12700" cap="flat" cmpd="sng" algn="ctr">
+                      <a:solidFill>
+                        <a:schemeClr val="tx1"/>
+                      </a:solidFill>
+                      <a:prstDash val="solid"/>
+                      <a:round/>
+                      <a:headEnd type="none" w="med" len="med"/>
+                      <a:tailEnd type="none" w="med" len="med"/>
+                    </a:lnT>
+                    <a:lnB w="12700" cap="flat" cmpd="sng" algn="ctr">
+                      <a:solidFill>
+                        <a:schemeClr val="tx1"/>
+                      </a:solidFill>
+                      <a:prstDash val="solid"/>
+                      <a:round/>
+                      <a:headEnd type="none" w="med" len="med"/>
+                      <a:tailEnd type="none" w="med" len="med"/>
+                    </a:lnB>
+                  </a:tcPr>
+                </a:tc>
+                <a:tc>
+                  <a:txBody>
+                    <a:bodyPr/>
+                    <a:lstStyle/>
+                    <a:p>
+                      <a:endParaRPr lang="zh-CN" altLang="en-US"/>
+                    </a:p>
+                  </a:txBody>
+                  <a:tcPr>
+                    <a:lnL w="12700" cap="flat" cmpd="sng" algn="ctr">
+                      <a:solidFill>
+                        <a:schemeClr val="tx1"/>
+                      </a:solidFill>
+                      <a:prstDash val="solid"/>
+                      <a:round/>
+                      <a:headEnd type="none" w="med" len="med"/>
+                      <a:tailEnd type="none" w="med" len="med"/>
+                    </a:lnL>
+                    <a:lnR w="12700" cap="flat" cmpd="sng" algn="ctr">
+                      <a:solidFill>
+                        <a:schemeClr val="tx1"/>
+                      </a:solidFill>
+                      <a:prstDash val="solid"/>
+                      <a:round/>
+                      <a:headEnd type="none" w="med" len="med"/>
+                      <a:tailEnd type="none" w="med" len="med"/>
+                    </a:lnR>
+                    <a:lnT w="12700" cap="flat" cmpd="sng" algn="ctr">
+                      <a:solidFill>
+                        <a:schemeClr val="tx1"/>
+                      </a:solidFill>
+                      <a:prstDash val="solid"/>
+                      <a:round/>
+                      <a:headEnd type="none" w="med" len="med"/>
+                      <a:tailEnd type="none" w="med" len="med"/>
+                    </a:lnT>
+                    <a:lnB w="12700" cap="flat" cmpd="sng" algn="ctr">
+                      <a:solidFill>
+                        <a:schemeClr val="tx1"/>
+                      </a:solidFill>
+                      <a:prstDash val="solid"/>
+                      <a:round/>
+                      <a:headEnd type="none" w="med" len="med"/>
+                      <a:tailEnd type="none" w="med" len="med"/>
+                    </a:lnB>
+                  </a:tcPr>
+                </a:tc>
+                <a:extLst>
+                  <a:ext uri="{0D108BD9-81ED-4DB2-BD59-A6C34878D82A}">
+                    <a16:rowId xmlns:a16="http://schemas.microsoft.com/office/drawing/2014/main" val="2822723286"/>
+                  </a:ext>
+                </a:extLst>
+              </a:tr>
+              <a:tr h="292500">
+                <a:tc>
+                  <a:txBody>
+                    <a:bodyPr/>
+                    <a:lstStyle/>
+                    <a:p>
+                      <a:endParaRPr lang="zh-CN" altLang="en-US"/>
+                    </a:p>
+                  </a:txBody>
+                  <a:tcPr>
+                    <a:lnL w="12700" cap="flat" cmpd="sng" algn="ctr">
+                      <a:solidFill>
+                        <a:schemeClr val="tx1"/>
+                      </a:solidFill>
+                      <a:prstDash val="solid"/>
+                      <a:round/>
+                      <a:headEnd type="none" w="med" len="med"/>
+                      <a:tailEnd type="none" w="med" len="med"/>
+                    </a:lnL>
+                    <a:lnR w="12700" cap="flat" cmpd="sng" algn="ctr">
+                      <a:solidFill>
+                        <a:schemeClr val="tx1"/>
+                      </a:solidFill>
+                      <a:prstDash val="solid"/>
+                      <a:round/>
+                      <a:headEnd type="none" w="med" len="med"/>
+                      <a:tailEnd type="none" w="med" len="med"/>
+                    </a:lnR>
+                    <a:lnT w="12700" cap="flat" cmpd="sng" algn="ctr">
+                      <a:solidFill>
+                        <a:schemeClr val="tx1"/>
+                      </a:solidFill>
+                      <a:prstDash val="solid"/>
+                      <a:round/>
+                      <a:headEnd type="none" w="med" len="med"/>
+                      <a:tailEnd type="none" w="med" len="med"/>
+                    </a:lnT>
+                    <a:lnB w="12700" cap="flat" cmpd="sng" algn="ctr">
+                      <a:solidFill>
+                        <a:schemeClr val="tx1"/>
+                      </a:solidFill>
+                      <a:prstDash val="solid"/>
+                      <a:round/>
+                      <a:headEnd type="none" w="med" len="med"/>
+                      <a:tailEnd type="none" w="med" len="med"/>
+                    </a:lnB>
+                  </a:tcPr>
+                </a:tc>
+                <a:tc>
+                  <a:txBody>
+                    <a:bodyPr/>
+                    <a:lstStyle/>
+                    <a:p>
+                      <a:endParaRPr lang="zh-CN" altLang="en-US"/>
+                    </a:p>
+                  </a:txBody>
+                  <a:tcPr>
+                    <a:lnL w="12700" cap="flat" cmpd="sng" algn="ctr">
+                      <a:solidFill>
+                        <a:schemeClr val="tx1"/>
+                      </a:solidFill>
+                      <a:prstDash val="solid"/>
+                      <a:round/>
+                      <a:headEnd type="none" w="med" len="med"/>
+                      <a:tailEnd type="none" w="med" len="med"/>
+                    </a:lnL>
+                    <a:lnR w="12700" cap="flat" cmpd="sng" algn="ctr">
+                      <a:solidFill>
+                        <a:schemeClr val="tx1"/>
+                      </a:solidFill>
+                      <a:prstDash val="solid"/>
+                      <a:round/>
+                      <a:headEnd type="none" w="med" len="med"/>
+                      <a:tailEnd type="none" w="med" len="med"/>
+                    </a:lnR>
+                    <a:lnT w="12700" cap="flat" cmpd="sng" algn="ctr">
+                      <a:solidFill>
+                        <a:schemeClr val="tx1"/>
+                      </a:solidFill>
+                      <a:prstDash val="solid"/>
+                      <a:round/>
+                      <a:headEnd type="none" w="med" len="med"/>
+                      <a:tailEnd type="none" w="med" len="med"/>
+                    </a:lnT>
+                    <a:lnB w="12700" cap="flat" cmpd="sng" algn="ctr">
+                      <a:solidFill>
+                        <a:schemeClr val="tx1"/>
+                      </a:solidFill>
+                      <a:prstDash val="solid"/>
+                      <a:round/>
+                      <a:headEnd type="none" w="med" len="med"/>
+                      <a:tailEnd type="none" w="med" len="med"/>
+                    </a:lnB>
+                  </a:tcPr>
+                </a:tc>
+                <a:tc>
+                  <a:txBody>
+                    <a:bodyPr/>
+                    <a:lstStyle/>
+                    <a:p>
+                      <a:endParaRPr lang="zh-CN" altLang="en-US"/>
+                    </a:p>
+                  </a:txBody>
+                  <a:tcPr>
+                    <a:lnL w="12700" cap="flat" cmpd="sng" algn="ctr">
+                      <a:solidFill>
+                        <a:schemeClr val="tx1"/>
+                      </a:solidFill>
+                      <a:prstDash val="solid"/>
+                      <a:round/>
+                      <a:headEnd type="none" w="med" len="med"/>
+                      <a:tailEnd type="none" w="med" len="med"/>
+                    </a:lnL>
+                    <a:lnR w="12700" cap="flat" cmpd="sng" algn="ctr">
+                      <a:solidFill>
+                        <a:schemeClr val="tx1"/>
+                      </a:solidFill>
+                      <a:prstDash val="solid"/>
+                      <a:round/>
+                      <a:headEnd type="none" w="med" len="med"/>
+                      <a:tailEnd type="none" w="med" len="med"/>
+                    </a:lnR>
+                    <a:lnT w="12700" cap="flat" cmpd="sng" algn="ctr">
+                      <a:solidFill>
+                        <a:schemeClr val="tx1"/>
+                      </a:solidFill>
+                      <a:prstDash val="solid"/>
+                      <a:round/>
+                      <a:headEnd type="none" w="med" len="med"/>
+                      <a:tailEnd type="none" w="med" len="med"/>
+                    </a:lnT>
+                    <a:lnB w="12700" cap="flat" cmpd="sng" algn="ctr">
+                      <a:solidFill>
+                        <a:schemeClr val="tx1"/>
+                      </a:solidFill>
+                      <a:prstDash val="solid"/>
+                      <a:round/>
+                      <a:headEnd type="none" w="med" len="med"/>
+                      <a:tailEnd type="none" w="med" len="med"/>
+                    </a:lnB>
+                  </a:tcPr>
+                </a:tc>
+                <a:extLst>
+                  <a:ext uri="{0D108BD9-81ED-4DB2-BD59-A6C34878D82A}">
+                    <a16:rowId xmlns:a16="http://schemas.microsoft.com/office/drawing/2014/main" val="1506602113"/>
+                  </a:ext>
+                </a:extLst>
+              </a:tr>
+            </a:tbl>
+          </a:graphicData>
+        </a:graphic>
+      </p:graphicFrame>
+      <p:graphicFrame>
+        <p:nvGraphicFramePr>
+          <p:cNvPr id="16" name="表格 15">
+            <a:extLst>
+              <a:ext uri="{FF2B5EF4-FFF2-40B4-BE49-F238E27FC236}">
+                <a16:creationId xmlns:a16="http://schemas.microsoft.com/office/drawing/2014/main" id="{54D02795-75BF-C04B-757E-D2F80FD7D69F}"/>
+              </a:ext>
+            </a:extLst>
+          </p:cNvPr>
+          <p:cNvGraphicFramePr>
+            <a:graphicFrameLocks noGrp="1"/>
+          </p:cNvGraphicFramePr>
+          <p:nvPr>
+            <p:extLst>
+              <p:ext uri="{D42A27DB-BD31-4B8C-83A1-F6EECF244321}">
+                <p14:modId xmlns:p14="http://schemas.microsoft.com/office/powerpoint/2010/main" val="2947869292"/>
+              </p:ext>
+            </p:extLst>
+          </p:nvPr>
+        </p:nvGraphicFramePr>
+        <p:xfrm>
+          <a:off x="5497055" y="2231251"/>
+          <a:ext cx="1305000" cy="1463040"/>
+        </p:xfrm>
+        <a:graphic>
+          <a:graphicData uri="http://schemas.openxmlformats.org/drawingml/2006/table">
+            <a:tbl>
+              <a:tblPr firstRow="1" bandRow="1">
+                <a:tableStyleId>{1E171933-4619-4E11-9A3F-F7608DF75F80}</a:tableStyleId>
+              </a:tblPr>
+              <a:tblGrid>
+                <a:gridCol w="435000">
+                  <a:extLst>
+                    <a:ext uri="{9D8B030D-6E8A-4147-A177-3AD203B41FA5}">
+                      <a16:colId xmlns:a16="http://schemas.microsoft.com/office/drawing/2014/main" val="169088780"/>
+                    </a:ext>
+                  </a:extLst>
+                </a:gridCol>
+                <a:gridCol w="435000">
+                  <a:extLst>
+                    <a:ext uri="{9D8B030D-6E8A-4147-A177-3AD203B41FA5}">
+                      <a16:colId xmlns:a16="http://schemas.microsoft.com/office/drawing/2014/main" val="3084083932"/>
+                    </a:ext>
+                  </a:extLst>
+                </a:gridCol>
+                <a:gridCol w="435000">
+                  <a:extLst>
+                    <a:ext uri="{9D8B030D-6E8A-4147-A177-3AD203B41FA5}">
+                      <a16:colId xmlns:a16="http://schemas.microsoft.com/office/drawing/2014/main" val="4077435083"/>
+                    </a:ext>
+                  </a:extLst>
+                </a:gridCol>
+              </a:tblGrid>
+              <a:tr h="292500">
+                <a:tc>
+                  <a:txBody>
+                    <a:bodyPr/>
+                    <a:lstStyle/>
+                    <a:p>
+                      <a:endParaRPr lang="zh-CN" altLang="en-US"/>
+                    </a:p>
+                  </a:txBody>
+                  <a:tcPr>
+                    <a:lnL w="12700" cap="flat" cmpd="sng" algn="ctr">
+                      <a:solidFill>
+                        <a:schemeClr val="tx1"/>
+                      </a:solidFill>
+                      <a:prstDash val="solid"/>
+                      <a:round/>
+                      <a:headEnd type="none" w="med" len="med"/>
+                      <a:tailEnd type="none" w="med" len="med"/>
+                    </a:lnL>
+                    <a:lnR w="12700" cap="flat" cmpd="sng" algn="ctr">
+                      <a:solidFill>
+                        <a:schemeClr val="tx1"/>
+                      </a:solidFill>
+                      <a:prstDash val="solid"/>
+                      <a:round/>
+                      <a:headEnd type="none" w="med" len="med"/>
+                      <a:tailEnd type="none" w="med" len="med"/>
+                    </a:lnR>
+                    <a:lnT w="12700" cap="flat" cmpd="sng" algn="ctr">
+                      <a:solidFill>
+                        <a:schemeClr val="tx1"/>
+                      </a:solidFill>
+                      <a:prstDash val="solid"/>
+                      <a:round/>
+                      <a:headEnd type="none" w="med" len="med"/>
+                      <a:tailEnd type="none" w="med" len="med"/>
+                    </a:lnT>
+                    <a:lnB w="12700" cap="flat" cmpd="sng" algn="ctr">
+                      <a:solidFill>
+                        <a:schemeClr val="tx1"/>
+                      </a:solidFill>
+                      <a:prstDash val="solid"/>
+                      <a:round/>
+                      <a:headEnd type="none" w="med" len="med"/>
+                      <a:tailEnd type="none" w="med" len="med"/>
+                    </a:lnB>
+                    <a:lnTlToBr w="12700" cmpd="sng">
+                      <a:noFill/>
+                      <a:prstDash val="solid"/>
+                    </a:lnTlToBr>
+                    <a:lnBlToTr w="12700" cmpd="sng">
+                      <a:noFill/>
+                      <a:prstDash val="solid"/>
+                    </a:lnBlToTr>
+                  </a:tcPr>
+                </a:tc>
+                <a:tc>
+                  <a:txBody>
+                    <a:bodyPr/>
+                    <a:lstStyle/>
+                    <a:p>
+                      <a:endParaRPr lang="zh-CN" altLang="en-US"/>
+                    </a:p>
+                  </a:txBody>
+                  <a:tcPr>
+                    <a:lnL w="12700" cap="flat" cmpd="sng" algn="ctr">
+                      <a:solidFill>
+                        <a:schemeClr val="tx1"/>
+                      </a:solidFill>
+                      <a:prstDash val="solid"/>
+                      <a:round/>
+                      <a:headEnd type="none" w="med" len="med"/>
+                      <a:tailEnd type="none" w="med" len="med"/>
+                    </a:lnL>
+                    <a:lnR w="12700" cap="flat" cmpd="sng" algn="ctr">
+                      <a:solidFill>
+                        <a:schemeClr val="tx1"/>
+                      </a:solidFill>
+                      <a:prstDash val="solid"/>
+                      <a:round/>
+                      <a:headEnd type="none" w="med" len="med"/>
+                      <a:tailEnd type="none" w="med" len="med"/>
+                    </a:lnR>
+                    <a:lnT w="12700" cap="flat" cmpd="sng" algn="ctr">
+                      <a:solidFill>
+                        <a:schemeClr val="tx1"/>
+                      </a:solidFill>
+                      <a:prstDash val="solid"/>
+                      <a:round/>
+                      <a:headEnd type="none" w="med" len="med"/>
+                      <a:tailEnd type="none" w="med" len="med"/>
+                    </a:lnT>
+                    <a:lnB w="12700" cap="flat" cmpd="sng" algn="ctr">
+                      <a:solidFill>
+                        <a:schemeClr val="tx1"/>
+                      </a:solidFill>
+                      <a:prstDash val="solid"/>
+                      <a:round/>
+                      <a:headEnd type="none" w="med" len="med"/>
+                      <a:tailEnd type="none" w="med" len="med"/>
+                    </a:lnB>
+                    <a:lnTlToBr w="12700" cmpd="sng">
+                      <a:noFill/>
+                      <a:prstDash val="solid"/>
+                    </a:lnTlToBr>
+                    <a:lnBlToTr w="12700" cmpd="sng">
+                      <a:noFill/>
+                      <a:prstDash val="solid"/>
+                    </a:lnBlToTr>
+                  </a:tcPr>
+                </a:tc>
+                <a:tc>
+                  <a:txBody>
+                    <a:bodyPr/>
+                    <a:lstStyle/>
+                    <a:p>
+                      <a:endParaRPr lang="zh-CN" altLang="en-US"/>
+                    </a:p>
+                  </a:txBody>
+                  <a:tcPr>
+                    <a:lnL w="12700" cap="flat" cmpd="sng" algn="ctr">
+                      <a:solidFill>
+                        <a:schemeClr val="tx1"/>
+                      </a:solidFill>
+                      <a:prstDash val="solid"/>
+                      <a:round/>
+                      <a:headEnd type="none" w="med" len="med"/>
+                      <a:tailEnd type="none" w="med" len="med"/>
+                    </a:lnL>
+                    <a:lnR w="12700" cap="flat" cmpd="sng" algn="ctr">
+                      <a:solidFill>
+                        <a:schemeClr val="tx1"/>
+                      </a:solidFill>
+                      <a:prstDash val="solid"/>
+                      <a:round/>
+                      <a:headEnd type="none" w="med" len="med"/>
+                      <a:tailEnd type="none" w="med" len="med"/>
+                    </a:lnR>
+                    <a:lnT w="12700" cap="flat" cmpd="sng" algn="ctr">
+                      <a:solidFill>
+                        <a:schemeClr val="tx1"/>
+                      </a:solidFill>
+                      <a:prstDash val="solid"/>
+                      <a:round/>
+                      <a:headEnd type="none" w="med" len="med"/>
+                      <a:tailEnd type="none" w="med" len="med"/>
+                    </a:lnT>
+                    <a:lnB w="12700" cap="flat" cmpd="sng" algn="ctr">
+                      <a:solidFill>
+                        <a:schemeClr val="tx1"/>
+                      </a:solidFill>
+                      <a:prstDash val="solid"/>
+                      <a:round/>
+                      <a:headEnd type="none" w="med" len="med"/>
+                      <a:tailEnd type="none" w="med" len="med"/>
+                    </a:lnB>
+                    <a:lnTlToBr w="12700" cmpd="sng">
+                      <a:noFill/>
+                      <a:prstDash val="solid"/>
+                    </a:lnTlToBr>
+                    <a:lnBlToTr w="12700" cmpd="sng">
+                      <a:noFill/>
+                      <a:prstDash val="solid"/>
+                    </a:lnBlToTr>
+                  </a:tcPr>
+                </a:tc>
+                <a:extLst>
+                  <a:ext uri="{0D108BD9-81ED-4DB2-BD59-A6C34878D82A}">
+                    <a16:rowId xmlns:a16="http://schemas.microsoft.com/office/drawing/2014/main" val="3980512520"/>
+                  </a:ext>
+                </a:extLst>
+              </a:tr>
+              <a:tr h="292500">
+                <a:tc>
+                  <a:txBody>
+                    <a:bodyPr/>
+                    <a:lstStyle/>
+                    <a:p>
+                      <a:endParaRPr lang="zh-CN" altLang="en-US"/>
+                    </a:p>
+                  </a:txBody>
+                  <a:tcPr>
+                    <a:lnL w="12700" cap="flat" cmpd="sng" algn="ctr">
+                      <a:solidFill>
+                        <a:schemeClr val="tx1"/>
+                      </a:solidFill>
+                      <a:prstDash val="solid"/>
+                      <a:round/>
+                      <a:headEnd type="none" w="med" len="med"/>
+                      <a:tailEnd type="none" w="med" len="med"/>
+                    </a:lnL>
+                    <a:lnR w="12700" cap="flat" cmpd="sng" algn="ctr">
+                      <a:solidFill>
+                        <a:schemeClr val="tx1"/>
+                      </a:solidFill>
+                      <a:prstDash val="solid"/>
+                      <a:round/>
+                      <a:headEnd type="none" w="med" len="med"/>
+                      <a:tailEnd type="none" w="med" len="med"/>
+                    </a:lnR>
+                    <a:lnT w="12700" cap="flat" cmpd="sng" algn="ctr">
+                      <a:solidFill>
+                        <a:schemeClr val="tx1"/>
+                      </a:solidFill>
+                      <a:prstDash val="solid"/>
+                      <a:round/>
+                      <a:headEnd type="none" w="med" len="med"/>
+                      <a:tailEnd type="none" w="med" len="med"/>
+                    </a:lnT>
+                    <a:lnB w="12700" cap="flat" cmpd="sng" algn="ctr">
+                      <a:solidFill>
+                        <a:schemeClr val="tx1"/>
+                      </a:solidFill>
+                      <a:prstDash val="solid"/>
+                      <a:round/>
+                      <a:headEnd type="none" w="med" len="med"/>
+                      <a:tailEnd type="none" w="med" len="med"/>
+                    </a:lnB>
+                    <a:lnTlToBr w="12700" cmpd="sng">
+                      <a:noFill/>
+                      <a:prstDash val="solid"/>
+                    </a:lnTlToBr>
+                    <a:lnBlToTr w="12700" cmpd="sng">
+                      <a:noFill/>
+                      <a:prstDash val="solid"/>
+                    </a:lnBlToTr>
+                  </a:tcPr>
+                </a:tc>
+                <a:tc>
+                  <a:txBody>
+                    <a:bodyPr/>
+                    <a:lstStyle/>
+                    <a:p>
+                      <a:endParaRPr lang="zh-CN" altLang="en-US"/>
+                    </a:p>
+                  </a:txBody>
+                  <a:tcPr>
+                    <a:lnL w="12700" cap="flat" cmpd="sng" algn="ctr">
+                      <a:solidFill>
+                        <a:schemeClr val="tx1"/>
+                      </a:solidFill>
+                      <a:prstDash val="solid"/>
+                      <a:round/>
+                      <a:headEnd type="none" w="med" len="med"/>
+                      <a:tailEnd type="none" w="med" len="med"/>
+                    </a:lnL>
+                    <a:lnR w="12700" cap="flat" cmpd="sng" algn="ctr">
+                      <a:solidFill>
+                        <a:schemeClr val="tx1"/>
+                      </a:solidFill>
+                      <a:prstDash val="solid"/>
+                      <a:round/>
+                      <a:headEnd type="none" w="med" len="med"/>
+                      <a:tailEnd type="none" w="med" len="med"/>
+                    </a:lnR>
+                    <a:lnT w="12700" cap="flat" cmpd="sng" algn="ctr">
+                      <a:solidFill>
+                        <a:schemeClr val="tx1"/>
+                      </a:solidFill>
+                      <a:prstDash val="solid"/>
+                      <a:round/>
+                      <a:headEnd type="none" w="med" len="med"/>
+                      <a:tailEnd type="none" w="med" len="med"/>
+                    </a:lnT>
+                    <a:lnB w="12700" cap="flat" cmpd="sng" algn="ctr">
+                      <a:solidFill>
+                        <a:schemeClr val="tx1"/>
+                      </a:solidFill>
+                      <a:prstDash val="solid"/>
+                      <a:round/>
+                      <a:headEnd type="none" w="med" len="med"/>
+                      <a:tailEnd type="none" w="med" len="med"/>
+                    </a:lnB>
+                    <a:lnTlToBr w="12700" cmpd="sng">
+                      <a:noFill/>
+                      <a:prstDash val="solid"/>
+                    </a:lnTlToBr>
+                    <a:lnBlToTr w="12700" cmpd="sng">
+                      <a:noFill/>
+                      <a:prstDash val="solid"/>
+                    </a:lnBlToTr>
+                  </a:tcPr>
+                </a:tc>
+                <a:tc>
+                  <a:txBody>
+                    <a:bodyPr/>
+                    <a:lstStyle/>
+                    <a:p>
+                      <a:endParaRPr lang="zh-CN" altLang="en-US"/>
+                    </a:p>
+                  </a:txBody>
+                  <a:tcPr>
+                    <a:lnL w="12700" cap="flat" cmpd="sng" algn="ctr">
+                      <a:solidFill>
+                        <a:schemeClr val="tx1"/>
+                      </a:solidFill>
+                      <a:prstDash val="solid"/>
+                      <a:round/>
+                      <a:headEnd type="none" w="med" len="med"/>
+                      <a:tailEnd type="none" w="med" len="med"/>
+                    </a:lnL>
+                    <a:lnR w="12700" cap="flat" cmpd="sng" algn="ctr">
+                      <a:solidFill>
+                        <a:schemeClr val="tx1"/>
+                      </a:solidFill>
+                      <a:prstDash val="solid"/>
+                      <a:round/>
+                      <a:headEnd type="none" w="med" len="med"/>
+                      <a:tailEnd type="none" w="med" len="med"/>
+                    </a:lnR>
+                    <a:lnT w="12700" cap="flat" cmpd="sng" algn="ctr">
+                      <a:solidFill>
+                        <a:schemeClr val="tx1"/>
+                      </a:solidFill>
+                      <a:prstDash val="solid"/>
+                      <a:round/>
+                      <a:headEnd type="none" w="med" len="med"/>
+                      <a:tailEnd type="none" w="med" len="med"/>
+                    </a:lnT>
+                    <a:lnB w="12700" cap="flat" cmpd="sng" algn="ctr">
+                      <a:solidFill>
+                        <a:schemeClr val="tx1"/>
+                      </a:solidFill>
+                      <a:prstDash val="solid"/>
+                      <a:round/>
+                      <a:headEnd type="none" w="med" len="med"/>
+                      <a:tailEnd type="none" w="med" len="med"/>
+                    </a:lnB>
+                    <a:lnTlToBr w="12700" cmpd="sng">
+                      <a:noFill/>
+                      <a:prstDash val="solid"/>
+                    </a:lnTlToBr>
+                    <a:lnBlToTr w="12700" cmpd="sng">
+                      <a:noFill/>
+                      <a:prstDash val="solid"/>
+                    </a:lnBlToTr>
+                  </a:tcPr>
+                </a:tc>
+                <a:extLst>
+                  <a:ext uri="{0D108BD9-81ED-4DB2-BD59-A6C34878D82A}">
+                    <a16:rowId xmlns:a16="http://schemas.microsoft.com/office/drawing/2014/main" val="3848482416"/>
+                  </a:ext>
+                </a:extLst>
+              </a:tr>
+              <a:tr h="292500">
+                <a:tc>
+                  <a:txBody>
+                    <a:bodyPr/>
+                    <a:lstStyle/>
+                    <a:p>
+                      <a:endParaRPr lang="zh-CN" altLang="en-US"/>
+                    </a:p>
+                  </a:txBody>
+                  <a:tcPr>
+                    <a:lnL w="12700" cap="flat" cmpd="sng" algn="ctr">
+                      <a:solidFill>
+                        <a:schemeClr val="tx1"/>
+                      </a:solidFill>
+                      <a:prstDash val="solid"/>
+                      <a:round/>
+                      <a:headEnd type="none" w="med" len="med"/>
+                      <a:tailEnd type="none" w="med" len="med"/>
+                    </a:lnL>
+                    <a:lnR w="12700" cap="flat" cmpd="sng" algn="ctr">
+                      <a:solidFill>
+                        <a:schemeClr val="tx1"/>
+                      </a:solidFill>
+                      <a:prstDash val="solid"/>
+                      <a:round/>
+                      <a:headEnd type="none" w="med" len="med"/>
+                      <a:tailEnd type="none" w="med" len="med"/>
+                    </a:lnR>
+                    <a:lnT w="12700" cap="flat" cmpd="sng" algn="ctr">
+                      <a:solidFill>
+                        <a:schemeClr val="tx1"/>
+                      </a:solidFill>
+                      <a:prstDash val="solid"/>
+                      <a:round/>
+                      <a:headEnd type="none" w="med" len="med"/>
+                      <a:tailEnd type="none" w="med" len="med"/>
+                    </a:lnT>
+                    <a:lnB w="12700" cap="flat" cmpd="sng" algn="ctr">
+                      <a:solidFill>
+                        <a:schemeClr val="tx1"/>
+                      </a:solidFill>
+                      <a:prstDash val="solid"/>
+                      <a:round/>
+                      <a:headEnd type="none" w="med" len="med"/>
+                      <a:tailEnd type="none" w="med" len="med"/>
+                    </a:lnB>
+                    <a:lnTlToBr w="12700" cmpd="sng">
+                      <a:noFill/>
+                      <a:prstDash val="solid"/>
+                    </a:lnTlToBr>
+                    <a:lnBlToTr w="12700" cmpd="sng">
+                      <a:noFill/>
+                      <a:prstDash val="solid"/>
+                    </a:lnBlToTr>
+                  </a:tcPr>
+                </a:tc>
+                <a:tc>
+                  <a:txBody>
+                    <a:bodyPr/>
+                    <a:lstStyle/>
+                    <a:p>
+                      <a:endParaRPr lang="zh-CN" altLang="en-US"/>
+                    </a:p>
+                  </a:txBody>
+                  <a:tcPr>
+                    <a:lnL w="12700" cap="flat" cmpd="sng" algn="ctr">
+                      <a:solidFill>
+                        <a:schemeClr val="tx1"/>
+                      </a:solidFill>
+                      <a:prstDash val="solid"/>
+                      <a:round/>
+                      <a:headEnd type="none" w="med" len="med"/>
+                      <a:tailEnd type="none" w="med" len="med"/>
+                    </a:lnL>
+                    <a:lnR w="12700" cap="flat" cmpd="sng" algn="ctr">
+                      <a:solidFill>
+                        <a:schemeClr val="tx1"/>
+                      </a:solidFill>
+                      <a:prstDash val="solid"/>
+                      <a:round/>
+                      <a:headEnd type="none" w="med" len="med"/>
+                      <a:tailEnd type="none" w="med" len="med"/>
+                    </a:lnR>
+                    <a:lnT w="12700" cap="flat" cmpd="sng" algn="ctr">
+                      <a:solidFill>
+                        <a:schemeClr val="tx1"/>
+                      </a:solidFill>
+                      <a:prstDash val="solid"/>
+                      <a:round/>
+                      <a:headEnd type="none" w="med" len="med"/>
+                      <a:tailEnd type="none" w="med" len="med"/>
+                    </a:lnT>
+                    <a:lnB w="12700" cap="flat" cmpd="sng" algn="ctr">
+                      <a:solidFill>
+                        <a:schemeClr val="tx1"/>
+                      </a:solidFill>
+                      <a:prstDash val="solid"/>
+                      <a:round/>
+                      <a:headEnd type="none" w="med" len="med"/>
+                      <a:tailEnd type="none" w="med" len="med"/>
+                    </a:lnB>
+                    <a:lnTlToBr w="12700" cmpd="sng">
+                      <a:noFill/>
+                      <a:prstDash val="solid"/>
+                    </a:lnTlToBr>
+                    <a:lnBlToTr w="12700" cmpd="sng">
+                      <a:noFill/>
+                      <a:prstDash val="solid"/>
+                    </a:lnBlToTr>
+                  </a:tcPr>
+                </a:tc>
+                <a:tc>
+                  <a:txBody>
+                    <a:bodyPr/>
+                    <a:lstStyle/>
+                    <a:p>
+                      <a:endParaRPr lang="zh-CN" altLang="en-US"/>
+                    </a:p>
+                  </a:txBody>
+                  <a:tcPr>
+                    <a:lnL w="12700" cap="flat" cmpd="sng" algn="ctr">
+                      <a:solidFill>
+                        <a:schemeClr val="tx1"/>
+                      </a:solidFill>
+                      <a:prstDash val="solid"/>
+                      <a:round/>
+                      <a:headEnd type="none" w="med" len="med"/>
+                      <a:tailEnd type="none" w="med" len="med"/>
+                    </a:lnL>
+                    <a:lnR w="12700" cap="flat" cmpd="sng" algn="ctr">
+                      <a:solidFill>
+                        <a:schemeClr val="tx1"/>
+                      </a:solidFill>
+                      <a:prstDash val="solid"/>
+                      <a:round/>
+                      <a:headEnd type="none" w="med" len="med"/>
+                      <a:tailEnd type="none" w="med" len="med"/>
+                    </a:lnR>
+                    <a:lnT w="12700" cap="flat" cmpd="sng" algn="ctr">
+                      <a:solidFill>
+                        <a:schemeClr val="tx1"/>
+                      </a:solidFill>
+                      <a:prstDash val="solid"/>
+                      <a:round/>
+                      <a:headEnd type="none" w="med" len="med"/>
+                      <a:tailEnd type="none" w="med" len="med"/>
+                    </a:lnT>
+                    <a:lnB w="12700" cap="flat" cmpd="sng" algn="ctr">
+                      <a:solidFill>
+                        <a:schemeClr val="tx1"/>
+                      </a:solidFill>
+                      <a:prstDash val="solid"/>
+                      <a:round/>
+                      <a:headEnd type="none" w="med" len="med"/>
+                      <a:tailEnd type="none" w="med" len="med"/>
+                    </a:lnB>
+                    <a:lnTlToBr w="12700" cmpd="sng">
+                      <a:noFill/>
+                      <a:prstDash val="solid"/>
+                    </a:lnTlToBr>
+                    <a:lnBlToTr w="12700" cmpd="sng">
+                      <a:noFill/>
+                      <a:prstDash val="solid"/>
+                    </a:lnBlToTr>
+                  </a:tcPr>
+                </a:tc>
+                <a:extLst>
+                  <a:ext uri="{0D108BD9-81ED-4DB2-BD59-A6C34878D82A}">
+                    <a16:rowId xmlns:a16="http://schemas.microsoft.com/office/drawing/2014/main" val="2822723286"/>
+                  </a:ext>
+                </a:extLst>
+              </a:tr>
+              <a:tr h="292500">
+                <a:tc>
+                  <a:txBody>
+                    <a:bodyPr/>
+                    <a:lstStyle/>
+                    <a:p>
+                      <a:endParaRPr lang="zh-CN" altLang="en-US"/>
+                    </a:p>
+                  </a:txBody>
+                  <a:tcPr>
+                    <a:lnL w="12700" cap="flat" cmpd="sng" algn="ctr">
+                      <a:solidFill>
+                        <a:schemeClr val="tx1"/>
+                      </a:solidFill>
+                      <a:prstDash val="solid"/>
+                      <a:round/>
+                      <a:headEnd type="none" w="med" len="med"/>
+                      <a:tailEnd type="none" w="med" len="med"/>
+                    </a:lnL>
+                    <a:lnR w="12700" cap="flat" cmpd="sng" algn="ctr">
+                      <a:solidFill>
+                        <a:schemeClr val="tx1"/>
+                      </a:solidFill>
+                      <a:prstDash val="solid"/>
+                      <a:round/>
+                      <a:headEnd type="none" w="med" len="med"/>
+                      <a:tailEnd type="none" w="med" len="med"/>
+                    </a:lnR>
+                    <a:lnT w="12700" cap="flat" cmpd="sng" algn="ctr">
+                      <a:solidFill>
+                        <a:schemeClr val="tx1"/>
+                      </a:solidFill>
+                      <a:prstDash val="solid"/>
+                      <a:round/>
+                      <a:headEnd type="none" w="med" len="med"/>
+                      <a:tailEnd type="none" w="med" len="med"/>
+                    </a:lnT>
+                    <a:lnB w="12700" cap="flat" cmpd="sng" algn="ctr">
+                      <a:solidFill>
+                        <a:schemeClr val="tx1"/>
+                      </a:solidFill>
+                      <a:prstDash val="solid"/>
+                      <a:round/>
+                      <a:headEnd type="none" w="med" len="med"/>
+                      <a:tailEnd type="none" w="med" len="med"/>
+                    </a:lnB>
+                    <a:lnTlToBr w="12700" cmpd="sng">
+                      <a:noFill/>
+                      <a:prstDash val="solid"/>
+                    </a:lnTlToBr>
+                    <a:lnBlToTr w="12700" cmpd="sng">
+                      <a:noFill/>
+                      <a:prstDash val="solid"/>
+                    </a:lnBlToTr>
+                  </a:tcPr>
+                </a:tc>
+                <a:tc>
+                  <a:txBody>
+                    <a:bodyPr/>
+                    <a:lstStyle/>
+                    <a:p>
+                      <a:endParaRPr lang="zh-CN" altLang="en-US"/>
+                    </a:p>
+                  </a:txBody>
+                  <a:tcPr>
+                    <a:lnL w="12700" cap="flat" cmpd="sng" algn="ctr">
+                      <a:solidFill>
+                        <a:schemeClr val="tx1"/>
+                      </a:solidFill>
+                      <a:prstDash val="solid"/>
+                      <a:round/>
+                      <a:headEnd type="none" w="med" len="med"/>
+                      <a:tailEnd type="none" w="med" len="med"/>
+                    </a:lnL>
+                    <a:lnR w="12700" cap="flat" cmpd="sng" algn="ctr">
+                      <a:solidFill>
+                        <a:schemeClr val="tx1"/>
+                      </a:solidFill>
+                      <a:prstDash val="solid"/>
+                      <a:round/>
+                      <a:headEnd type="none" w="med" len="med"/>
+                      <a:tailEnd type="none" w="med" len="med"/>
+                    </a:lnR>
+                    <a:lnT w="12700" cap="flat" cmpd="sng" algn="ctr">
+                      <a:solidFill>
+                        <a:schemeClr val="tx1"/>
+                      </a:solidFill>
+                      <a:prstDash val="solid"/>
+                      <a:round/>
+                      <a:headEnd type="none" w="med" len="med"/>
+                      <a:tailEnd type="none" w="med" len="med"/>
+                    </a:lnT>
+                    <a:lnB w="12700" cap="flat" cmpd="sng" algn="ctr">
+                      <a:solidFill>
+                        <a:schemeClr val="tx1"/>
+                      </a:solidFill>
+                      <a:prstDash val="solid"/>
+                      <a:round/>
+                      <a:headEnd type="none" w="med" len="med"/>
+                      <a:tailEnd type="none" w="med" len="med"/>
+                    </a:lnB>
+                    <a:lnTlToBr w="12700" cmpd="sng">
+                      <a:noFill/>
+                      <a:prstDash val="solid"/>
+                    </a:lnTlToBr>
+                    <a:lnBlToTr w="12700" cmpd="sng">
+                      <a:noFill/>
+                      <a:prstDash val="solid"/>
+                    </a:lnBlToTr>
+                  </a:tcPr>
+                </a:tc>
+                <a:tc>
+                  <a:txBody>
+                    <a:bodyPr/>
+                    <a:lstStyle/>
+                    <a:p>
+                      <a:endParaRPr lang="zh-CN" altLang="en-US"/>
+                    </a:p>
+                  </a:txBody>
+                  <a:tcPr>
+                    <a:lnL w="12700" cap="flat" cmpd="sng" algn="ctr">
+                      <a:solidFill>
+                        <a:schemeClr val="tx1"/>
+                      </a:solidFill>
+                      <a:prstDash val="solid"/>
+                      <a:round/>
+                      <a:headEnd type="none" w="med" len="med"/>
+                      <a:tailEnd type="none" w="med" len="med"/>
+                    </a:lnL>
+                    <a:lnR w="12700" cap="flat" cmpd="sng" algn="ctr">
+                      <a:solidFill>
+                        <a:schemeClr val="tx1"/>
+                      </a:solidFill>
+                      <a:prstDash val="solid"/>
+                      <a:round/>
+                      <a:headEnd type="none" w="med" len="med"/>
+                      <a:tailEnd type="none" w="med" len="med"/>
+                    </a:lnR>
+                    <a:lnT w="12700" cap="flat" cmpd="sng" algn="ctr">
+                      <a:solidFill>
+                        <a:schemeClr val="tx1"/>
+                      </a:solidFill>
+                      <a:prstDash val="solid"/>
+                      <a:round/>
+                      <a:headEnd type="none" w="med" len="med"/>
+                      <a:tailEnd type="none" w="med" len="med"/>
+                    </a:lnT>
+                    <a:lnB w="12700" cap="flat" cmpd="sng" algn="ctr">
+                      <a:solidFill>
+                        <a:schemeClr val="tx1"/>
+                      </a:solidFill>
+                      <a:prstDash val="solid"/>
+                      <a:round/>
+                      <a:headEnd type="none" w="med" len="med"/>
+                      <a:tailEnd type="none" w="med" len="med"/>
+                    </a:lnB>
+                    <a:lnTlToBr w="12700" cmpd="sng">
+                      <a:noFill/>
+                      <a:prstDash val="solid"/>
+                    </a:lnTlToBr>
+                    <a:lnBlToTr w="12700" cmpd="sng">
+                      <a:noFill/>
+                      <a:prstDash val="solid"/>
+                    </a:lnBlToTr>
+                  </a:tcPr>
+                </a:tc>
+                <a:extLst>
+                  <a:ext uri="{0D108BD9-81ED-4DB2-BD59-A6C34878D82A}">
+                    <a16:rowId xmlns:a16="http://schemas.microsoft.com/office/drawing/2014/main" val="1506602113"/>
+                  </a:ext>
+                </a:extLst>
+              </a:tr>
+            </a:tbl>
+          </a:graphicData>
+        </a:graphic>
+      </p:graphicFrame>
+    </p:spTree>
+    <p:extLst>
+      <p:ext uri="{BB962C8B-B14F-4D97-AF65-F5344CB8AC3E}">
+        <p14:creationId xmlns:p14="http://schemas.microsoft.com/office/powerpoint/2010/main" val="2428297628"/>
       </p:ext>
     </p:extLst>
   </p:cSld>
